--- a/docs/Fond de placard.pptx
+++ b/docs/Fond de placard.pptx
@@ -107,6 +107,11 @@
       </a:defRPr>
     </a:lvl9pPr>
   </p:defaultTextStyle>
+  <p:extLst>
+    <p:ext uri="{EFAFB233-063F-42B5-8137-9DF3F51BA10A}">
+      <p15:sldGuideLst xmlns:p15="http://schemas.microsoft.com/office/powerpoint/2012/main"/>
+    </p:ext>
+  </p:extLst>
 </p:presentation>
 </file>
 
@@ -241,7 +246,7 @@
           <a:p>
             <a:fld id="{268E38F8-1819-4379-8662-1DA9710F182E}" type="datetimeFigureOut">
               <a:rPr lang="en-GB" smtClean="0"/>
-              <a:t>25/01/2017</a:t>
+              <a:t>29/01/2017</a:t>
             </a:fld>
             <a:endParaRPr lang="en-GB"/>
           </a:p>
@@ -411,7 +416,7 @@
           <a:p>
             <a:fld id="{268E38F8-1819-4379-8662-1DA9710F182E}" type="datetimeFigureOut">
               <a:rPr lang="en-GB" smtClean="0"/>
-              <a:t>25/01/2017</a:t>
+              <a:t>29/01/2017</a:t>
             </a:fld>
             <a:endParaRPr lang="en-GB"/>
           </a:p>
@@ -591,7 +596,7 @@
           <a:p>
             <a:fld id="{268E38F8-1819-4379-8662-1DA9710F182E}" type="datetimeFigureOut">
               <a:rPr lang="en-GB" smtClean="0"/>
-              <a:t>25/01/2017</a:t>
+              <a:t>29/01/2017</a:t>
             </a:fld>
             <a:endParaRPr lang="en-GB"/>
           </a:p>
@@ -761,7 +766,7 @@
           <a:p>
             <a:fld id="{268E38F8-1819-4379-8662-1DA9710F182E}" type="datetimeFigureOut">
               <a:rPr lang="en-GB" smtClean="0"/>
-              <a:t>25/01/2017</a:t>
+              <a:t>29/01/2017</a:t>
             </a:fld>
             <a:endParaRPr lang="en-GB"/>
           </a:p>
@@ -1007,7 +1012,7 @@
           <a:p>
             <a:fld id="{268E38F8-1819-4379-8662-1DA9710F182E}" type="datetimeFigureOut">
               <a:rPr lang="en-GB" smtClean="0"/>
-              <a:t>25/01/2017</a:t>
+              <a:t>29/01/2017</a:t>
             </a:fld>
             <a:endParaRPr lang="en-GB"/>
           </a:p>
@@ -1239,7 +1244,7 @@
           <a:p>
             <a:fld id="{268E38F8-1819-4379-8662-1DA9710F182E}" type="datetimeFigureOut">
               <a:rPr lang="en-GB" smtClean="0"/>
-              <a:t>25/01/2017</a:t>
+              <a:t>29/01/2017</a:t>
             </a:fld>
             <a:endParaRPr lang="en-GB"/>
           </a:p>
@@ -1606,7 +1611,7 @@
           <a:p>
             <a:fld id="{268E38F8-1819-4379-8662-1DA9710F182E}" type="datetimeFigureOut">
               <a:rPr lang="en-GB" smtClean="0"/>
-              <a:t>25/01/2017</a:t>
+              <a:t>29/01/2017</a:t>
             </a:fld>
             <a:endParaRPr lang="en-GB"/>
           </a:p>
@@ -1724,7 +1729,7 @@
           <a:p>
             <a:fld id="{268E38F8-1819-4379-8662-1DA9710F182E}" type="datetimeFigureOut">
               <a:rPr lang="en-GB" smtClean="0"/>
-              <a:t>25/01/2017</a:t>
+              <a:t>29/01/2017</a:t>
             </a:fld>
             <a:endParaRPr lang="en-GB"/>
           </a:p>
@@ -1819,7 +1824,7 @@
           <a:p>
             <a:fld id="{268E38F8-1819-4379-8662-1DA9710F182E}" type="datetimeFigureOut">
               <a:rPr lang="en-GB" smtClean="0"/>
-              <a:t>25/01/2017</a:t>
+              <a:t>29/01/2017</a:t>
             </a:fld>
             <a:endParaRPr lang="en-GB"/>
           </a:p>
@@ -2096,7 +2101,7 @@
           <a:p>
             <a:fld id="{268E38F8-1819-4379-8662-1DA9710F182E}" type="datetimeFigureOut">
               <a:rPr lang="en-GB" smtClean="0"/>
-              <a:t>25/01/2017</a:t>
+              <a:t>29/01/2017</a:t>
             </a:fld>
             <a:endParaRPr lang="en-GB"/>
           </a:p>
@@ -2349,7 +2354,7 @@
           <a:p>
             <a:fld id="{268E38F8-1819-4379-8662-1DA9710F182E}" type="datetimeFigureOut">
               <a:rPr lang="en-GB" smtClean="0"/>
-              <a:t>25/01/2017</a:t>
+              <a:t>29/01/2017</a:t>
             </a:fld>
             <a:endParaRPr lang="en-GB"/>
           </a:p>
@@ -2562,7 +2567,7 @@
           <a:p>
             <a:fld id="{268E38F8-1819-4379-8662-1DA9710F182E}" type="datetimeFigureOut">
               <a:rPr lang="en-GB" smtClean="0"/>
-              <a:t>25/01/2017</a:t>
+              <a:t>29/01/2017</a:t>
             </a:fld>
             <a:endParaRPr lang="en-GB"/>
           </a:p>
@@ -3079,7 +3084,17 @@
           <a:p>
             <a:r>
               <a:rPr lang="fr-FR" dirty="0" smtClean="0"/>
-              <a:t>Présentation du projet</a:t>
+              <a:t>Présentation de l’équipe</a:t>
+            </a:r>
+          </a:p>
+          <a:p>
+            <a:r>
+              <a:rPr lang="fr-FR" dirty="0" smtClean="0"/>
+              <a:t>Présentation </a:t>
+            </a:r>
+            <a:r>
+              <a:rPr lang="fr-FR" dirty="0" smtClean="0"/>
+              <a:t>du projet</a:t>
             </a:r>
           </a:p>
           <a:p>
@@ -3099,14 +3114,28 @@
           <a:p>
             <a:r>
               <a:rPr lang="fr-FR" dirty="0" smtClean="0"/>
-              <a:t>Présentation de l’équipe</a:t>
-            </a:r>
+              <a:t>Technologie utilisé</a:t>
+            </a:r>
+            <a:endParaRPr lang="fr-FR" dirty="0" smtClean="0"/>
           </a:p>
           <a:p>
             <a:r>
               <a:rPr lang="fr-FR" dirty="0" smtClean="0"/>
               <a:t>Démonstration</a:t>
             </a:r>
+          </a:p>
+          <a:p>
+            <a:r>
+              <a:rPr lang="fr-FR" dirty="0" smtClean="0"/>
+              <a:t>Organisation </a:t>
+            </a:r>
+          </a:p>
+          <a:p>
+            <a:r>
+              <a:rPr lang="fr-FR" dirty="0" smtClean="0"/>
+              <a:t>Problèmes rencontrer</a:t>
+            </a:r>
+            <a:endParaRPr lang="fr-FR" dirty="0" smtClean="0"/>
           </a:p>
           <a:p>
             <a:r>

--- a/docs/Fond de placard.pptx
+++ b/docs/Fond de placard.pptx
@@ -2,13 +2,15 @@
 <file path=ppt/presentation.xml><?xml version="1.0" encoding="utf-8"?>
 <p:presentation xmlns:a="http://schemas.openxmlformats.org/drawingml/2006/main" xmlns:r="http://schemas.openxmlformats.org/officeDocument/2006/relationships" xmlns:p="http://schemas.openxmlformats.org/presentationml/2006/main" saveSubsetFonts="1">
   <p:sldMasterIdLst>
-    <p:sldMasterId id="2147483648" r:id="rId1"/>
+    <p:sldMasterId id="2147483660" r:id="rId1"/>
   </p:sldMasterIdLst>
   <p:sldIdLst>
     <p:sldId id="256" r:id="rId2"/>
     <p:sldId id="257" r:id="rId3"/>
     <p:sldId id="258" r:id="rId4"/>
     <p:sldId id="259" r:id="rId5"/>
+    <p:sldId id="260" r:id="rId6"/>
+    <p:sldId id="261" r:id="rId7"/>
   </p:sldIdLst>
   <p:sldSz cx="12192000" cy="6858000"/>
   <p:notesSz cx="6858000" cy="9144000"/>
@@ -16,7 +18,7 @@
     <a:defPPr>
       <a:defRPr lang="en-US"/>
     </a:defPPr>
-    <a:lvl1pPr marL="0" algn="l" defTabSz="914400" rtl="0" eaLnBrk="1" latinLnBrk="0" hangingPunct="1">
+    <a:lvl1pPr marL="0" algn="l" defTabSz="457200" rtl="0" eaLnBrk="1" latinLnBrk="0" hangingPunct="1">
       <a:defRPr sz="1800" kern="1200">
         <a:solidFill>
           <a:schemeClr val="tx1"/>
@@ -26,7 +28,7 @@
         <a:cs typeface="+mn-cs"/>
       </a:defRPr>
     </a:lvl1pPr>
-    <a:lvl2pPr marL="457200" algn="l" defTabSz="914400" rtl="0" eaLnBrk="1" latinLnBrk="0" hangingPunct="1">
+    <a:lvl2pPr marL="457200" algn="l" defTabSz="457200" rtl="0" eaLnBrk="1" latinLnBrk="0" hangingPunct="1">
       <a:defRPr sz="1800" kern="1200">
         <a:solidFill>
           <a:schemeClr val="tx1"/>
@@ -36,7 +38,7 @@
         <a:cs typeface="+mn-cs"/>
       </a:defRPr>
     </a:lvl2pPr>
-    <a:lvl3pPr marL="914400" algn="l" defTabSz="914400" rtl="0" eaLnBrk="1" latinLnBrk="0" hangingPunct="1">
+    <a:lvl3pPr marL="914400" algn="l" defTabSz="457200" rtl="0" eaLnBrk="1" latinLnBrk="0" hangingPunct="1">
       <a:defRPr sz="1800" kern="1200">
         <a:solidFill>
           <a:schemeClr val="tx1"/>
@@ -46,7 +48,7 @@
         <a:cs typeface="+mn-cs"/>
       </a:defRPr>
     </a:lvl3pPr>
-    <a:lvl4pPr marL="1371600" algn="l" defTabSz="914400" rtl="0" eaLnBrk="1" latinLnBrk="0" hangingPunct="1">
+    <a:lvl4pPr marL="1371600" algn="l" defTabSz="457200" rtl="0" eaLnBrk="1" latinLnBrk="0" hangingPunct="1">
       <a:defRPr sz="1800" kern="1200">
         <a:solidFill>
           <a:schemeClr val="tx1"/>
@@ -56,7 +58,7 @@
         <a:cs typeface="+mn-cs"/>
       </a:defRPr>
     </a:lvl4pPr>
-    <a:lvl5pPr marL="1828800" algn="l" defTabSz="914400" rtl="0" eaLnBrk="1" latinLnBrk="0" hangingPunct="1">
+    <a:lvl5pPr marL="1828800" algn="l" defTabSz="457200" rtl="0" eaLnBrk="1" latinLnBrk="0" hangingPunct="1">
       <a:defRPr sz="1800" kern="1200">
         <a:solidFill>
           <a:schemeClr val="tx1"/>
@@ -66,7 +68,7 @@
         <a:cs typeface="+mn-cs"/>
       </a:defRPr>
     </a:lvl5pPr>
-    <a:lvl6pPr marL="2286000" algn="l" defTabSz="914400" rtl="0" eaLnBrk="1" latinLnBrk="0" hangingPunct="1">
+    <a:lvl6pPr marL="2286000" algn="l" defTabSz="457200" rtl="0" eaLnBrk="1" latinLnBrk="0" hangingPunct="1">
       <a:defRPr sz="1800" kern="1200">
         <a:solidFill>
           <a:schemeClr val="tx1"/>
@@ -76,7 +78,7 @@
         <a:cs typeface="+mn-cs"/>
       </a:defRPr>
     </a:lvl6pPr>
-    <a:lvl7pPr marL="2743200" algn="l" defTabSz="914400" rtl="0" eaLnBrk="1" latinLnBrk="0" hangingPunct="1">
+    <a:lvl7pPr marL="2743200" algn="l" defTabSz="457200" rtl="0" eaLnBrk="1" latinLnBrk="0" hangingPunct="1">
       <a:defRPr sz="1800" kern="1200">
         <a:solidFill>
           <a:schemeClr val="tx1"/>
@@ -86,7 +88,7 @@
         <a:cs typeface="+mn-cs"/>
       </a:defRPr>
     </a:lvl7pPr>
-    <a:lvl8pPr marL="3200400" algn="l" defTabSz="914400" rtl="0" eaLnBrk="1" latinLnBrk="0" hangingPunct="1">
+    <a:lvl8pPr marL="3200400" algn="l" defTabSz="457200" rtl="0" eaLnBrk="1" latinLnBrk="0" hangingPunct="1">
       <a:defRPr sz="1800" kern="1200">
         <a:solidFill>
           <a:schemeClr val="tx1"/>
@@ -96,7 +98,7 @@
         <a:cs typeface="+mn-cs"/>
       </a:defRPr>
     </a:lvl8pPr>
-    <a:lvl9pPr marL="3657600" algn="l" defTabSz="914400" rtl="0" eaLnBrk="1" latinLnBrk="0" hangingPunct="1">
+    <a:lvl9pPr marL="3657600" algn="l" defTabSz="457200" rtl="0" eaLnBrk="1" latinLnBrk="0" hangingPunct="1">
       <a:defRPr sz="1800" kern="1200">
         <a:solidFill>
           <a:schemeClr val="tx1"/>
@@ -109,14 +111,25 @@
   </p:defaultTextStyle>
   <p:extLst>
     <p:ext uri="{EFAFB233-063F-42B5-8137-9DF3F51BA10A}">
-      <p15:sldGuideLst xmlns:p15="http://schemas.microsoft.com/office/powerpoint/2012/main"/>
+      <p15:sldGuideLst xmlns:p15="http://schemas.microsoft.com/office/powerpoint/2012/main">
+        <p15:guide id="1" orient="horz" pos="2160" userDrawn="1">
+          <p15:clr>
+            <a:srgbClr val="A4A3A4"/>
+          </p15:clr>
+        </p15:guide>
+        <p15:guide id="2" pos="3840" userDrawn="1">
+          <p15:clr>
+            <a:srgbClr val="A4A3A4"/>
+          </p15:clr>
+        </p15:guide>
+      </p15:sldGuideLst>
     </p:ext>
   </p:extLst>
 </p:presentation>
 </file>
 
 <file path=ppt/slideLayouts/slideLayout1.xml><?xml version="1.0" encoding="utf-8"?>
-<p:sldLayout xmlns:a="http://schemas.openxmlformats.org/drawingml/2006/main" xmlns:r="http://schemas.openxmlformats.org/officeDocument/2006/relationships" xmlns:p="http://schemas.openxmlformats.org/presentationml/2006/main" type="title" preserve="1">
+<p:sldLayout xmlns:a="http://schemas.openxmlformats.org/drawingml/2006/main" xmlns:r="http://schemas.openxmlformats.org/officeDocument/2006/relationships" xmlns:p="http://schemas.openxmlformats.org/presentationml/2006/main" showMasterSp="0" type="title" preserve="1">
   <p:cSld name="Diapositive de titre">
     <p:spTree>
       <p:nvGrpSpPr>
@@ -132,9 +145,146 @@
           <a:chExt cx="0" cy="0"/>
         </a:xfrm>
       </p:grpSpPr>
-      <p:sp>
-        <p:nvSpPr>
-          <p:cNvPr id="2" name="Titre 1"/>
+      <p:grpSp>
+        <p:nvGrpSpPr>
+          <p:cNvPr id="7" name="Group 6"/>
+          <p:cNvGrpSpPr/>
+          <p:nvPr/>
+        </p:nvGrpSpPr>
+        <p:grpSpPr>
+          <a:xfrm>
+            <a:off x="-16934" y="0"/>
+            <a:ext cx="12231160" cy="6856214"/>
+            <a:chOff x="-16934" y="0"/>
+            <a:chExt cx="12231160" cy="6856214"/>
+          </a:xfrm>
+        </p:grpSpPr>
+        <p:pic>
+          <p:nvPicPr>
+            <p:cNvPr id="16" name="Picture 15" descr="HD-PanelTitleR1.png"/>
+            <p:cNvPicPr>
+              <a:picLocks noChangeAspect="1"/>
+            </p:cNvPicPr>
+            <p:nvPr/>
+          </p:nvPicPr>
+          <p:blipFill>
+            <a:blip r:embed="rId2">
+              <a:extLst>
+                <a:ext uri="{28A0092B-C50C-407E-A947-70E740481C1C}">
+                  <a14:useLocalDpi xmlns:a14="http://schemas.microsoft.com/office/drawing/2010/main" val="0"/>
+                </a:ext>
+              </a:extLst>
+            </a:blip>
+            <a:stretch>
+              <a:fillRect/>
+            </a:stretch>
+          </p:blipFill>
+          <p:spPr>
+            <a:xfrm>
+              <a:off x="0" y="0"/>
+              <a:ext cx="12188825" cy="6856214"/>
+            </a:xfrm>
+            <a:prstGeom prst="rect">
+              <a:avLst/>
+            </a:prstGeom>
+          </p:spPr>
+        </p:pic>
+        <p:sp>
+          <p:nvSpPr>
+            <p:cNvPr id="26" name="Rectangle 25"/>
+            <p:cNvSpPr/>
+            <p:nvPr/>
+          </p:nvSpPr>
+          <p:spPr>
+            <a:xfrm>
+              <a:off x="2328332" y="1540931"/>
+              <a:ext cx="7543802" cy="3835401"/>
+            </a:xfrm>
+            <a:prstGeom prst="rect">
+              <a:avLst/>
+            </a:prstGeom>
+            <a:noFill/>
+            <a:ln w="15875">
+              <a:miter lim="800000"/>
+            </a:ln>
+          </p:spPr>
+          <p:style>
+            <a:lnRef idx="1">
+              <a:schemeClr val="accent1"/>
+            </a:lnRef>
+            <a:fillRef idx="3">
+              <a:schemeClr val="accent1"/>
+            </a:fillRef>
+            <a:effectRef idx="2">
+              <a:schemeClr val="accent1"/>
+            </a:effectRef>
+            <a:fontRef idx="minor">
+              <a:schemeClr val="lt1"/>
+            </a:fontRef>
+          </p:style>
+        </p:sp>
+        <p:pic>
+          <p:nvPicPr>
+            <p:cNvPr id="17" name="Picture 16" descr="HDRibbonTitle-UniformTrim.png"/>
+            <p:cNvPicPr>
+              <a:picLocks noChangeAspect="1"/>
+            </p:cNvPicPr>
+            <p:nvPr/>
+          </p:nvPicPr>
+          <p:blipFill rotWithShape="1">
+            <a:blip r:embed="rId3">
+              <a:extLst>
+                <a:ext uri="{28A0092B-C50C-407E-A947-70E740481C1C}">
+                  <a14:useLocalDpi xmlns:a14="http://schemas.microsoft.com/office/drawing/2010/main" val="0"/>
+                </a:ext>
+              </a:extLst>
+            </a:blip>
+            <a:srcRect/>
+            <a:stretch/>
+          </p:blipFill>
+          <p:spPr>
+            <a:xfrm>
+              <a:off x="-16934" y="3147609"/>
+              <a:ext cx="2478024" cy="612648"/>
+            </a:xfrm>
+            <a:prstGeom prst="rect">
+              <a:avLst/>
+            </a:prstGeom>
+          </p:spPr>
+        </p:pic>
+        <p:pic>
+          <p:nvPicPr>
+            <p:cNvPr id="20" name="Picture 19" descr="HDRibbonTitle-UniformTrim.png"/>
+            <p:cNvPicPr>
+              <a:picLocks noChangeAspect="1"/>
+            </p:cNvPicPr>
+            <p:nvPr/>
+          </p:nvPicPr>
+          <p:blipFill rotWithShape="1">
+            <a:blip r:embed="rId3">
+              <a:extLst>
+                <a:ext uri="{28A0092B-C50C-407E-A947-70E740481C1C}">
+                  <a14:useLocalDpi xmlns:a14="http://schemas.microsoft.com/office/drawing/2010/main" val="0"/>
+                </a:ext>
+              </a:extLst>
+            </a:blip>
+            <a:srcRect/>
+            <a:stretch/>
+          </p:blipFill>
+          <p:spPr>
+            <a:xfrm>
+              <a:off x="9736202" y="3147609"/>
+              <a:ext cx="2478024" cy="612648"/>
+            </a:xfrm>
+            <a:prstGeom prst="rect">
+              <a:avLst/>
+            </a:prstGeom>
+          </p:spPr>
+        </p:pic>
+      </p:grpSp>
+      <p:sp>
+        <p:nvSpPr>
+          <p:cNvPr id="2" name="Title 1"/>
           <p:cNvSpPr>
             <a:spLocks noGrp="1"/>
           </p:cNvSpPr>
@@ -144,15 +294,19 @@
         </p:nvSpPr>
         <p:spPr>
           <a:xfrm>
-            <a:off x="1524000" y="1122363"/>
-            <a:ext cx="9144000" cy="2387600"/>
+            <a:off x="2692398" y="1871131"/>
+            <a:ext cx="6815669" cy="1515533"/>
           </a:xfrm>
         </p:spPr>
         <p:txBody>
-          <a:bodyPr anchor="b"/>
+          <a:bodyPr anchor="b">
+            <a:noAutofit/>
+          </a:bodyPr>
           <a:lstStyle>
             <a:lvl1pPr algn="ctr">
-              <a:defRPr sz="6000"/>
+              <a:defRPr sz="5400">
+                <a:effectLst/>
+              </a:defRPr>
             </a:lvl1pPr>
           </a:lstStyle>
           <a:p>
@@ -160,13 +314,13 @@
               <a:rPr lang="fr-FR" smtClean="0"/>
               <a:t>Modifiez le style du titre</a:t>
             </a:r>
-            <a:endParaRPr lang="en-GB"/>
-          </a:p>
-        </p:txBody>
-      </p:sp>
-      <p:sp>
-        <p:nvSpPr>
-          <p:cNvPr id="3" name="Sous-titre 2"/>
+            <a:endParaRPr lang="en-US" dirty="0"/>
+          </a:p>
+        </p:txBody>
+      </p:sp>
+      <p:sp>
+        <p:nvSpPr>
+          <p:cNvPr id="3" name="Subtitle 2"/>
           <p:cNvSpPr>
             <a:spLocks noGrp="1"/>
           </p:cNvSpPr>
@@ -176,48 +330,102 @@
         </p:nvSpPr>
         <p:spPr>
           <a:xfrm>
-            <a:off x="1524000" y="3602038"/>
-            <a:ext cx="9144000" cy="1655762"/>
+            <a:off x="2692398" y="3657597"/>
+            <a:ext cx="6815669" cy="1320802"/>
           </a:xfrm>
         </p:spPr>
         <p:txBody>
-          <a:bodyPr/>
+          <a:bodyPr anchor="t">
+            <a:normAutofit/>
+          </a:bodyPr>
           <a:lstStyle>
             <a:lvl1pPr marL="0" indent="0" algn="ctr">
               <a:buNone/>
-              <a:defRPr sz="2400"/>
+              <a:defRPr sz="2100">
+                <a:solidFill>
+                  <a:schemeClr val="tx1"/>
+                </a:solidFill>
+              </a:defRPr>
             </a:lvl1pPr>
             <a:lvl2pPr marL="457200" indent="0" algn="ctr">
               <a:buNone/>
-              <a:defRPr sz="2000"/>
+              <a:defRPr>
+                <a:solidFill>
+                  <a:schemeClr val="tx1">
+                    <a:tint val="75000"/>
+                  </a:schemeClr>
+                </a:solidFill>
+              </a:defRPr>
             </a:lvl2pPr>
             <a:lvl3pPr marL="914400" indent="0" algn="ctr">
               <a:buNone/>
-              <a:defRPr sz="1800"/>
+              <a:defRPr>
+                <a:solidFill>
+                  <a:schemeClr val="tx1">
+                    <a:tint val="75000"/>
+                  </a:schemeClr>
+                </a:solidFill>
+              </a:defRPr>
             </a:lvl3pPr>
             <a:lvl4pPr marL="1371600" indent="0" algn="ctr">
               <a:buNone/>
-              <a:defRPr sz="1600"/>
+              <a:defRPr>
+                <a:solidFill>
+                  <a:schemeClr val="tx1">
+                    <a:tint val="75000"/>
+                  </a:schemeClr>
+                </a:solidFill>
+              </a:defRPr>
             </a:lvl4pPr>
             <a:lvl5pPr marL="1828800" indent="0" algn="ctr">
               <a:buNone/>
-              <a:defRPr sz="1600"/>
+              <a:defRPr>
+                <a:solidFill>
+                  <a:schemeClr val="tx1">
+                    <a:tint val="75000"/>
+                  </a:schemeClr>
+                </a:solidFill>
+              </a:defRPr>
             </a:lvl5pPr>
             <a:lvl6pPr marL="2286000" indent="0" algn="ctr">
               <a:buNone/>
-              <a:defRPr sz="1600"/>
+              <a:defRPr>
+                <a:solidFill>
+                  <a:schemeClr val="tx1">
+                    <a:tint val="75000"/>
+                  </a:schemeClr>
+                </a:solidFill>
+              </a:defRPr>
             </a:lvl6pPr>
             <a:lvl7pPr marL="2743200" indent="0" algn="ctr">
               <a:buNone/>
-              <a:defRPr sz="1600"/>
+              <a:defRPr>
+                <a:solidFill>
+                  <a:schemeClr val="tx1">
+                    <a:tint val="75000"/>
+                  </a:schemeClr>
+                </a:solidFill>
+              </a:defRPr>
             </a:lvl7pPr>
             <a:lvl8pPr marL="3200400" indent="0" algn="ctr">
               <a:buNone/>
-              <a:defRPr sz="1600"/>
+              <a:defRPr>
+                <a:solidFill>
+                  <a:schemeClr val="tx1">
+                    <a:tint val="75000"/>
+                  </a:schemeClr>
+                </a:solidFill>
+              </a:defRPr>
             </a:lvl8pPr>
             <a:lvl9pPr marL="3657600" indent="0" algn="ctr">
               <a:buNone/>
-              <a:defRPr sz="1600"/>
+              <a:defRPr>
+                <a:solidFill>
+                  <a:schemeClr val="tx1">
+                    <a:tint val="75000"/>
+                  </a:schemeClr>
+                </a:solidFill>
+              </a:defRPr>
             </a:lvl9pPr>
           </a:lstStyle>
           <a:p>
@@ -225,13 +433,13 @@
               <a:rPr lang="fr-FR" smtClean="0"/>
               <a:t>Modifier le style des sous-titres du masque</a:t>
             </a:r>
-            <a:endParaRPr lang="en-GB"/>
-          </a:p>
-        </p:txBody>
-      </p:sp>
-      <p:sp>
-        <p:nvSpPr>
-          <p:cNvPr id="4" name="Espace réservé de la date 3"/>
+            <a:endParaRPr lang="en-US" dirty="0"/>
+          </a:p>
+        </p:txBody>
+      </p:sp>
+      <p:sp>
+        <p:nvSpPr>
+          <p:cNvPr id="4" name="Date Placeholder 3"/>
           <p:cNvSpPr>
             <a:spLocks noGrp="1"/>
           </p:cNvSpPr>
@@ -239,14 +447,19 @@
             <p:ph type="dt" sz="half" idx="10"/>
           </p:nvPr>
         </p:nvSpPr>
-        <p:spPr/>
+        <p:spPr>
+          <a:xfrm>
+            <a:off x="7983232" y="5037663"/>
+            <a:ext cx="897467" cy="279400"/>
+          </a:xfrm>
+        </p:spPr>
         <p:txBody>
           <a:bodyPr/>
           <a:lstStyle/>
           <a:p>
             <a:fld id="{268E38F8-1819-4379-8662-1DA9710F182E}" type="datetimeFigureOut">
               <a:rPr lang="en-GB" smtClean="0"/>
-              <a:t>29/01/2017</a:t>
+              <a:t>30/01/2017</a:t>
             </a:fld>
             <a:endParaRPr lang="en-GB"/>
           </a:p>
@@ -254,7 +467,7 @@
       </p:sp>
       <p:sp>
         <p:nvSpPr>
-          <p:cNvPr id="5" name="Espace réservé du pied de page 4"/>
+          <p:cNvPr id="5" name="Footer Placeholder 4"/>
           <p:cNvSpPr>
             <a:spLocks noGrp="1"/>
           </p:cNvSpPr>
@@ -262,7 +475,12 @@
             <p:ph type="ftr" sz="quarter" idx="11"/>
           </p:nvPr>
         </p:nvSpPr>
-        <p:spPr/>
+        <p:spPr>
+          <a:xfrm>
+            <a:off x="2692397" y="5037663"/>
+            <a:ext cx="5214635" cy="279400"/>
+          </a:xfrm>
+        </p:spPr>
         <p:txBody>
           <a:bodyPr/>
           <a:lstStyle/>
@@ -273,7 +491,7 @@
       </p:sp>
       <p:sp>
         <p:nvSpPr>
-          <p:cNvPr id="6" name="Espace réservé du numéro de diapositive 5"/>
+          <p:cNvPr id="6" name="Slide Number Placeholder 5"/>
           <p:cNvSpPr>
             <a:spLocks noGrp="1"/>
           </p:cNvSpPr>
@@ -281,7 +499,12 @@
             <p:ph type="sldNum" sz="quarter" idx="12"/>
           </p:nvPr>
         </p:nvSpPr>
-        <p:spPr/>
+        <p:spPr>
+          <a:xfrm>
+            <a:off x="8956900" y="5037663"/>
+            <a:ext cx="551167" cy="279400"/>
+          </a:xfrm>
+        </p:spPr>
         <p:txBody>
           <a:bodyPr/>
           <a:lstStyle/>
@@ -294,10 +517,40 @@
           </a:p>
         </p:txBody>
       </p:sp>
+      <p:cxnSp>
+        <p:nvCxnSpPr>
+          <p:cNvPr id="15" name="Straight Connector 14"/>
+          <p:cNvCxnSpPr/>
+          <p:nvPr/>
+        </p:nvCxnSpPr>
+        <p:spPr>
+          <a:xfrm>
+            <a:off x="2692399" y="3522131"/>
+            <a:ext cx="6815668" cy="0"/>
+          </a:xfrm>
+          <a:prstGeom prst="line">
+            <a:avLst/>
+          </a:prstGeom>
+        </p:spPr>
+        <p:style>
+          <a:lnRef idx="2">
+            <a:schemeClr val="accent1"/>
+          </a:lnRef>
+          <a:fillRef idx="0">
+            <a:schemeClr val="accent1"/>
+          </a:fillRef>
+          <a:effectRef idx="1">
+            <a:schemeClr val="accent1"/>
+          </a:effectRef>
+          <a:fontRef idx="minor">
+            <a:schemeClr val="tx1"/>
+          </a:fontRef>
+        </p:style>
+      </p:cxnSp>
     </p:spTree>
     <p:extLst>
       <p:ext uri="{BB962C8B-B14F-4D97-AF65-F5344CB8AC3E}">
-        <p14:creationId xmlns:p14="http://schemas.microsoft.com/office/powerpoint/2010/main" val="3143488557"/>
+        <p14:creationId xmlns:p14="http://schemas.microsoft.com/office/powerpoint/2010/main" val="3651443417"/>
       </p:ext>
     </p:extLst>
   </p:cSld>
@@ -308,6 +561,2099 @@
 </file>
 
 <file path=ppt/slideLayouts/slideLayout10.xml><?xml version="1.0" encoding="utf-8"?>
+<p:sldLayout xmlns:a="http://schemas.openxmlformats.org/drawingml/2006/main" xmlns:r="http://schemas.openxmlformats.org/officeDocument/2006/relationships" xmlns:p="http://schemas.openxmlformats.org/presentationml/2006/main" preserve="1">
+  <p:cSld name="Image panoramique avec légende">
+    <p:spTree>
+      <p:nvGrpSpPr>
+        <p:cNvPr id="1" name=""/>
+        <p:cNvGrpSpPr/>
+        <p:nvPr/>
+      </p:nvGrpSpPr>
+      <p:grpSpPr>
+        <a:xfrm>
+          <a:off x="0" y="0"/>
+          <a:ext cx="0" cy="0"/>
+          <a:chOff x="0" y="0"/>
+          <a:chExt cx="0" cy="0"/>
+        </a:xfrm>
+      </p:grpSpPr>
+      <p:sp>
+        <p:nvSpPr>
+          <p:cNvPr id="2" name="Title 1"/>
+          <p:cNvSpPr>
+            <a:spLocks noGrp="1"/>
+          </p:cNvSpPr>
+          <p:nvPr>
+            <p:ph type="title"/>
+          </p:nvPr>
+        </p:nvSpPr>
+        <p:spPr>
+          <a:xfrm>
+            <a:off x="1295401" y="4815415"/>
+            <a:ext cx="9609666" cy="566738"/>
+          </a:xfrm>
+        </p:spPr>
+        <p:txBody>
+          <a:bodyPr anchor="b">
+            <a:normAutofit/>
+          </a:bodyPr>
+          <a:lstStyle>
+            <a:lvl1pPr algn="ctr">
+              <a:defRPr sz="2400" b="0"/>
+            </a:lvl1pPr>
+          </a:lstStyle>
+          <a:p>
+            <a:r>
+              <a:rPr lang="fr-FR" smtClean="0"/>
+              <a:t>Modifiez le style du titre</a:t>
+            </a:r>
+            <a:endParaRPr lang="en-US" dirty="0"/>
+          </a:p>
+        </p:txBody>
+      </p:sp>
+      <p:sp>
+        <p:nvSpPr>
+          <p:cNvPr id="3" name="Picture Placeholder 2"/>
+          <p:cNvSpPr>
+            <a:spLocks noGrp="1" noChangeAspect="1"/>
+          </p:cNvSpPr>
+          <p:nvPr>
+            <p:ph type="pic" idx="1"/>
+          </p:nvPr>
+        </p:nvSpPr>
+        <p:spPr>
+          <a:xfrm>
+            <a:off x="1041427" y="1041399"/>
+            <a:ext cx="10105972" cy="3335869"/>
+          </a:xfrm>
+          <a:prstGeom prst="roundRect">
+            <a:avLst>
+              <a:gd name="adj" fmla="val 0"/>
+            </a:avLst>
+          </a:prstGeom>
+          <a:ln w="57150" cmpd="thickThin">
+            <a:solidFill>
+              <a:schemeClr val="tx1">
+                <a:lumMod val="50000"/>
+                <a:lumOff val="50000"/>
+              </a:schemeClr>
+            </a:solidFill>
+            <a:miter lim="800000"/>
+          </a:ln>
+          <a:effectLst>
+            <a:innerShdw blurRad="57150" dist="38100" dir="14460000">
+              <a:srgbClr val="000000">
+                <a:alpha val="70000"/>
+              </a:srgbClr>
+            </a:innerShdw>
+          </a:effectLst>
+        </p:spPr>
+        <p:txBody>
+          <a:bodyPr anchor="t">
+            <a:normAutofit/>
+          </a:bodyPr>
+          <a:lstStyle>
+            <a:lvl1pPr marL="0" indent="0" algn="ctr">
+              <a:buNone/>
+              <a:defRPr sz="1600"/>
+            </a:lvl1pPr>
+            <a:lvl2pPr marL="457200" indent="0">
+              <a:buNone/>
+              <a:defRPr sz="1600"/>
+            </a:lvl2pPr>
+            <a:lvl3pPr marL="914400" indent="0">
+              <a:buNone/>
+              <a:defRPr sz="1600"/>
+            </a:lvl3pPr>
+            <a:lvl4pPr marL="1371600" indent="0">
+              <a:buNone/>
+              <a:defRPr sz="1600"/>
+            </a:lvl4pPr>
+            <a:lvl5pPr marL="1828800" indent="0">
+              <a:buNone/>
+              <a:defRPr sz="1600"/>
+            </a:lvl5pPr>
+            <a:lvl6pPr marL="2286000" indent="0">
+              <a:buNone/>
+              <a:defRPr sz="1600"/>
+            </a:lvl6pPr>
+            <a:lvl7pPr marL="2743200" indent="0">
+              <a:buNone/>
+              <a:defRPr sz="1600"/>
+            </a:lvl7pPr>
+            <a:lvl8pPr marL="3200400" indent="0">
+              <a:buNone/>
+              <a:defRPr sz="1600"/>
+            </a:lvl8pPr>
+            <a:lvl9pPr marL="3657600" indent="0">
+              <a:buNone/>
+              <a:defRPr sz="1600"/>
+            </a:lvl9pPr>
+          </a:lstStyle>
+          <a:p>
+            <a:r>
+              <a:rPr lang="fr-FR" smtClean="0"/>
+              <a:t>Cliquez sur l'icône pour ajouter une image</a:t>
+            </a:r>
+            <a:endParaRPr lang="en-US" dirty="0"/>
+          </a:p>
+        </p:txBody>
+      </p:sp>
+      <p:sp>
+        <p:nvSpPr>
+          <p:cNvPr id="4" name="Text Placeholder 3"/>
+          <p:cNvSpPr>
+            <a:spLocks noGrp="1"/>
+          </p:cNvSpPr>
+          <p:nvPr>
+            <p:ph type="body" sz="half" idx="2"/>
+          </p:nvPr>
+        </p:nvSpPr>
+        <p:spPr>
+          <a:xfrm>
+            <a:off x="1295401" y="5382153"/>
+            <a:ext cx="9609666" cy="493712"/>
+          </a:xfrm>
+        </p:spPr>
+        <p:txBody>
+          <a:bodyPr>
+            <a:normAutofit/>
+          </a:bodyPr>
+          <a:lstStyle>
+            <a:lvl1pPr marL="0" indent="0" algn="ctr">
+              <a:buNone/>
+              <a:defRPr sz="1400"/>
+            </a:lvl1pPr>
+            <a:lvl2pPr marL="457200" indent="0">
+              <a:buNone/>
+              <a:defRPr sz="1200"/>
+            </a:lvl2pPr>
+            <a:lvl3pPr marL="914400" indent="0">
+              <a:buNone/>
+              <a:defRPr sz="1000"/>
+            </a:lvl3pPr>
+            <a:lvl4pPr marL="1371600" indent="0">
+              <a:buNone/>
+              <a:defRPr sz="900"/>
+            </a:lvl4pPr>
+            <a:lvl5pPr marL="1828800" indent="0">
+              <a:buNone/>
+              <a:defRPr sz="900"/>
+            </a:lvl5pPr>
+            <a:lvl6pPr marL="2286000" indent="0">
+              <a:buNone/>
+              <a:defRPr sz="900"/>
+            </a:lvl6pPr>
+            <a:lvl7pPr marL="2743200" indent="0">
+              <a:buNone/>
+              <a:defRPr sz="900"/>
+            </a:lvl7pPr>
+            <a:lvl8pPr marL="3200400" indent="0">
+              <a:buNone/>
+              <a:defRPr sz="900"/>
+            </a:lvl8pPr>
+            <a:lvl9pPr marL="3657600" indent="0">
+              <a:buNone/>
+              <a:defRPr sz="900"/>
+            </a:lvl9pPr>
+          </a:lstStyle>
+          <a:p>
+            <a:pPr lvl="0"/>
+            <a:r>
+              <a:rPr lang="fr-FR" smtClean="0"/>
+              <a:t>Modifier les styles du texte du masque</a:t>
+            </a:r>
+          </a:p>
+        </p:txBody>
+      </p:sp>
+      <p:sp>
+        <p:nvSpPr>
+          <p:cNvPr id="5" name="Date Placeholder 4"/>
+          <p:cNvSpPr>
+            <a:spLocks noGrp="1"/>
+          </p:cNvSpPr>
+          <p:nvPr>
+            <p:ph type="dt" sz="half" idx="10"/>
+          </p:nvPr>
+        </p:nvSpPr>
+        <p:spPr/>
+        <p:txBody>
+          <a:bodyPr/>
+          <a:lstStyle/>
+          <a:p>
+            <a:fld id="{268E38F8-1819-4379-8662-1DA9710F182E}" type="datetimeFigureOut">
+              <a:rPr lang="en-GB" smtClean="0"/>
+              <a:t>30/01/2017</a:t>
+            </a:fld>
+            <a:endParaRPr lang="en-GB"/>
+          </a:p>
+        </p:txBody>
+      </p:sp>
+      <p:sp>
+        <p:nvSpPr>
+          <p:cNvPr id="6" name="Footer Placeholder 5"/>
+          <p:cNvSpPr>
+            <a:spLocks noGrp="1"/>
+          </p:cNvSpPr>
+          <p:nvPr>
+            <p:ph type="ftr" sz="quarter" idx="11"/>
+          </p:nvPr>
+        </p:nvSpPr>
+        <p:spPr/>
+        <p:txBody>
+          <a:bodyPr/>
+          <a:lstStyle/>
+          <a:p>
+            <a:endParaRPr lang="en-GB"/>
+          </a:p>
+        </p:txBody>
+      </p:sp>
+      <p:sp>
+        <p:nvSpPr>
+          <p:cNvPr id="7" name="Slide Number Placeholder 6"/>
+          <p:cNvSpPr>
+            <a:spLocks noGrp="1"/>
+          </p:cNvSpPr>
+          <p:nvPr>
+            <p:ph type="sldNum" sz="quarter" idx="12"/>
+          </p:nvPr>
+        </p:nvSpPr>
+        <p:spPr/>
+        <p:txBody>
+          <a:bodyPr/>
+          <a:lstStyle/>
+          <a:p>
+            <a:fld id="{AF2FE7E3-7771-4ACC-8D8C-94636C7F1C1C}" type="slidenum">
+              <a:rPr lang="en-GB" smtClean="0"/>
+              <a:t>‹N°›</a:t>
+            </a:fld>
+            <a:endParaRPr lang="en-GB"/>
+          </a:p>
+        </p:txBody>
+      </p:sp>
+    </p:spTree>
+    <p:extLst>
+      <p:ext uri="{BB962C8B-B14F-4D97-AF65-F5344CB8AC3E}">
+        <p14:creationId xmlns:p14="http://schemas.microsoft.com/office/powerpoint/2010/main" val="2223693636"/>
+      </p:ext>
+    </p:extLst>
+  </p:cSld>
+  <p:clrMapOvr>
+    <a:masterClrMapping/>
+  </p:clrMapOvr>
+</p:sldLayout>
+</file>
+
+<file path=ppt/slideLayouts/slideLayout11.xml><?xml version="1.0" encoding="utf-8"?>
+<p:sldLayout xmlns:a="http://schemas.openxmlformats.org/drawingml/2006/main" xmlns:r="http://schemas.openxmlformats.org/officeDocument/2006/relationships" xmlns:p="http://schemas.openxmlformats.org/presentationml/2006/main" preserve="1">
+  <p:cSld name="Titre et légende">
+    <p:spTree>
+      <p:nvGrpSpPr>
+        <p:cNvPr id="1" name=""/>
+        <p:cNvGrpSpPr/>
+        <p:nvPr/>
+      </p:nvGrpSpPr>
+      <p:grpSpPr>
+        <a:xfrm>
+          <a:off x="0" y="0"/>
+          <a:ext cx="0" cy="0"/>
+          <a:chOff x="0" y="0"/>
+          <a:chExt cx="0" cy="0"/>
+        </a:xfrm>
+      </p:grpSpPr>
+      <p:sp>
+        <p:nvSpPr>
+          <p:cNvPr id="2" name="Title 1"/>
+          <p:cNvSpPr>
+            <a:spLocks noGrp="1"/>
+          </p:cNvSpPr>
+          <p:nvPr>
+            <p:ph type="title"/>
+          </p:nvPr>
+        </p:nvSpPr>
+        <p:spPr>
+          <a:xfrm>
+            <a:off x="1303868" y="982132"/>
+            <a:ext cx="9592732" cy="2954868"/>
+          </a:xfrm>
+        </p:spPr>
+        <p:txBody>
+          <a:bodyPr anchor="ctr">
+            <a:normAutofit/>
+          </a:bodyPr>
+          <a:lstStyle>
+            <a:lvl1pPr algn="ctr">
+              <a:defRPr sz="3200" b="0" cap="none"/>
+            </a:lvl1pPr>
+          </a:lstStyle>
+          <a:p>
+            <a:r>
+              <a:rPr lang="fr-FR" smtClean="0"/>
+              <a:t>Modifiez le style du titre</a:t>
+            </a:r>
+            <a:endParaRPr lang="en-US" dirty="0"/>
+          </a:p>
+        </p:txBody>
+      </p:sp>
+      <p:sp>
+        <p:nvSpPr>
+          <p:cNvPr id="3" name="Text Placeholder 2"/>
+          <p:cNvSpPr>
+            <a:spLocks noGrp="1"/>
+          </p:cNvSpPr>
+          <p:nvPr>
+            <p:ph type="body" idx="1"/>
+          </p:nvPr>
+        </p:nvSpPr>
+        <p:spPr>
+          <a:xfrm>
+            <a:off x="1303868" y="4343399"/>
+            <a:ext cx="9592732" cy="1532467"/>
+          </a:xfrm>
+        </p:spPr>
+        <p:txBody>
+          <a:bodyPr anchor="ctr">
+            <a:normAutofit/>
+          </a:bodyPr>
+          <a:lstStyle>
+            <a:lvl1pPr marL="0" indent="0" algn="ctr">
+              <a:buNone/>
+              <a:defRPr sz="2000">
+                <a:solidFill>
+                  <a:schemeClr val="tx1"/>
+                </a:solidFill>
+              </a:defRPr>
+            </a:lvl1pPr>
+            <a:lvl2pPr marL="457200" indent="0">
+              <a:buNone/>
+              <a:defRPr sz="1800">
+                <a:solidFill>
+                  <a:schemeClr val="tx1">
+                    <a:tint val="75000"/>
+                  </a:schemeClr>
+                </a:solidFill>
+              </a:defRPr>
+            </a:lvl2pPr>
+            <a:lvl3pPr marL="914400" indent="0">
+              <a:buNone/>
+              <a:defRPr sz="1600">
+                <a:solidFill>
+                  <a:schemeClr val="tx1">
+                    <a:tint val="75000"/>
+                  </a:schemeClr>
+                </a:solidFill>
+              </a:defRPr>
+            </a:lvl3pPr>
+            <a:lvl4pPr marL="1371600" indent="0">
+              <a:buNone/>
+              <a:defRPr sz="1400">
+                <a:solidFill>
+                  <a:schemeClr val="tx1">
+                    <a:tint val="75000"/>
+                  </a:schemeClr>
+                </a:solidFill>
+              </a:defRPr>
+            </a:lvl4pPr>
+            <a:lvl5pPr marL="1828800" indent="0">
+              <a:buNone/>
+              <a:defRPr sz="1400">
+                <a:solidFill>
+                  <a:schemeClr val="tx1">
+                    <a:tint val="75000"/>
+                  </a:schemeClr>
+                </a:solidFill>
+              </a:defRPr>
+            </a:lvl5pPr>
+            <a:lvl6pPr marL="2286000" indent="0">
+              <a:buNone/>
+              <a:defRPr sz="1400">
+                <a:solidFill>
+                  <a:schemeClr val="tx1">
+                    <a:tint val="75000"/>
+                  </a:schemeClr>
+                </a:solidFill>
+              </a:defRPr>
+            </a:lvl6pPr>
+            <a:lvl7pPr marL="2743200" indent="0">
+              <a:buNone/>
+              <a:defRPr sz="1400">
+                <a:solidFill>
+                  <a:schemeClr val="tx1">
+                    <a:tint val="75000"/>
+                  </a:schemeClr>
+                </a:solidFill>
+              </a:defRPr>
+            </a:lvl7pPr>
+            <a:lvl8pPr marL="3200400" indent="0">
+              <a:buNone/>
+              <a:defRPr sz="1400">
+                <a:solidFill>
+                  <a:schemeClr val="tx1">
+                    <a:tint val="75000"/>
+                  </a:schemeClr>
+                </a:solidFill>
+              </a:defRPr>
+            </a:lvl8pPr>
+            <a:lvl9pPr marL="3657600" indent="0">
+              <a:buNone/>
+              <a:defRPr sz="1400">
+                <a:solidFill>
+                  <a:schemeClr val="tx1">
+                    <a:tint val="75000"/>
+                  </a:schemeClr>
+                </a:solidFill>
+              </a:defRPr>
+            </a:lvl9pPr>
+          </a:lstStyle>
+          <a:p>
+            <a:pPr lvl="0"/>
+            <a:r>
+              <a:rPr lang="fr-FR" smtClean="0"/>
+              <a:t>Modifier les styles du texte du masque</a:t>
+            </a:r>
+          </a:p>
+        </p:txBody>
+      </p:sp>
+      <p:sp>
+        <p:nvSpPr>
+          <p:cNvPr id="4" name="Date Placeholder 3"/>
+          <p:cNvSpPr>
+            <a:spLocks noGrp="1"/>
+          </p:cNvSpPr>
+          <p:nvPr>
+            <p:ph type="dt" sz="half" idx="10"/>
+          </p:nvPr>
+        </p:nvSpPr>
+        <p:spPr/>
+        <p:txBody>
+          <a:bodyPr/>
+          <a:lstStyle/>
+          <a:p>
+            <a:fld id="{268E38F8-1819-4379-8662-1DA9710F182E}" type="datetimeFigureOut">
+              <a:rPr lang="en-GB" smtClean="0"/>
+              <a:t>30/01/2017</a:t>
+            </a:fld>
+            <a:endParaRPr lang="en-GB"/>
+          </a:p>
+        </p:txBody>
+      </p:sp>
+      <p:sp>
+        <p:nvSpPr>
+          <p:cNvPr id="5" name="Footer Placeholder 4"/>
+          <p:cNvSpPr>
+            <a:spLocks noGrp="1"/>
+          </p:cNvSpPr>
+          <p:nvPr>
+            <p:ph type="ftr" sz="quarter" idx="11"/>
+          </p:nvPr>
+        </p:nvSpPr>
+        <p:spPr/>
+        <p:txBody>
+          <a:bodyPr/>
+          <a:lstStyle/>
+          <a:p>
+            <a:endParaRPr lang="en-GB"/>
+          </a:p>
+        </p:txBody>
+      </p:sp>
+      <p:sp>
+        <p:nvSpPr>
+          <p:cNvPr id="6" name="Slide Number Placeholder 5"/>
+          <p:cNvSpPr>
+            <a:spLocks noGrp="1"/>
+          </p:cNvSpPr>
+          <p:nvPr>
+            <p:ph type="sldNum" sz="quarter" idx="12"/>
+          </p:nvPr>
+        </p:nvSpPr>
+        <p:spPr/>
+        <p:txBody>
+          <a:bodyPr/>
+          <a:lstStyle/>
+          <a:p>
+            <a:fld id="{AF2FE7E3-7771-4ACC-8D8C-94636C7F1C1C}" type="slidenum">
+              <a:rPr lang="en-GB" smtClean="0"/>
+              <a:t>‹N°›</a:t>
+            </a:fld>
+            <a:endParaRPr lang="en-GB"/>
+          </a:p>
+        </p:txBody>
+      </p:sp>
+      <p:cxnSp>
+        <p:nvCxnSpPr>
+          <p:cNvPr id="15" name="Straight Connector 14"/>
+          <p:cNvCxnSpPr/>
+          <p:nvPr/>
+        </p:nvCxnSpPr>
+        <p:spPr>
+          <a:xfrm>
+            <a:off x="1396169" y="4140199"/>
+            <a:ext cx="9407298" cy="0"/>
+          </a:xfrm>
+          <a:prstGeom prst="line">
+            <a:avLst/>
+          </a:prstGeom>
+          <a:ln w="15875"/>
+        </p:spPr>
+        <p:style>
+          <a:lnRef idx="2">
+            <a:schemeClr val="accent1"/>
+          </a:lnRef>
+          <a:fillRef idx="0">
+            <a:schemeClr val="accent1"/>
+          </a:fillRef>
+          <a:effectRef idx="1">
+            <a:schemeClr val="accent1"/>
+          </a:effectRef>
+          <a:fontRef idx="minor">
+            <a:schemeClr val="tx1"/>
+          </a:fontRef>
+        </p:style>
+      </p:cxnSp>
+    </p:spTree>
+    <p:extLst>
+      <p:ext uri="{BB962C8B-B14F-4D97-AF65-F5344CB8AC3E}">
+        <p14:creationId xmlns:p14="http://schemas.microsoft.com/office/powerpoint/2010/main" val="2435488698"/>
+      </p:ext>
+    </p:extLst>
+  </p:cSld>
+  <p:clrMapOvr>
+    <a:masterClrMapping/>
+  </p:clrMapOvr>
+</p:sldLayout>
+</file>
+
+<file path=ppt/slideLayouts/slideLayout12.xml><?xml version="1.0" encoding="utf-8"?>
+<p:sldLayout xmlns:a="http://schemas.openxmlformats.org/drawingml/2006/main" xmlns:r="http://schemas.openxmlformats.org/officeDocument/2006/relationships" xmlns:p="http://schemas.openxmlformats.org/presentationml/2006/main" preserve="1">
+  <p:cSld name="Citation avec légende">
+    <p:spTree>
+      <p:nvGrpSpPr>
+        <p:cNvPr id="1" name=""/>
+        <p:cNvGrpSpPr/>
+        <p:nvPr/>
+      </p:nvGrpSpPr>
+      <p:grpSpPr>
+        <a:xfrm>
+          <a:off x="0" y="0"/>
+          <a:ext cx="0" cy="0"/>
+          <a:chOff x="0" y="0"/>
+          <a:chExt cx="0" cy="0"/>
+        </a:xfrm>
+      </p:grpSpPr>
+      <p:sp>
+        <p:nvSpPr>
+          <p:cNvPr id="2" name="Title 1"/>
+          <p:cNvSpPr>
+            <a:spLocks noGrp="1"/>
+          </p:cNvSpPr>
+          <p:nvPr>
+            <p:ph type="title"/>
+          </p:nvPr>
+        </p:nvSpPr>
+        <p:spPr>
+          <a:xfrm>
+            <a:off x="1446213" y="982132"/>
+            <a:ext cx="9296398" cy="2370668"/>
+          </a:xfrm>
+        </p:spPr>
+        <p:txBody>
+          <a:bodyPr anchor="ctr">
+            <a:normAutofit/>
+          </a:bodyPr>
+          <a:lstStyle>
+            <a:lvl1pPr algn="ctr">
+              <a:defRPr sz="3200" b="0" cap="none">
+                <a:solidFill>
+                  <a:schemeClr val="tx1"/>
+                </a:solidFill>
+              </a:defRPr>
+            </a:lvl1pPr>
+          </a:lstStyle>
+          <a:p>
+            <a:r>
+              <a:rPr lang="fr-FR" smtClean="0"/>
+              <a:t>Modifiez le style du titre</a:t>
+            </a:r>
+            <a:endParaRPr lang="en-US" dirty="0"/>
+          </a:p>
+        </p:txBody>
+      </p:sp>
+      <p:sp>
+        <p:nvSpPr>
+          <p:cNvPr id="10" name="Text Placeholder 9"/>
+          <p:cNvSpPr>
+            <a:spLocks noGrp="1"/>
+          </p:cNvSpPr>
+          <p:nvPr>
+            <p:ph type="body" sz="quarter" idx="13"/>
+          </p:nvPr>
+        </p:nvSpPr>
+        <p:spPr>
+          <a:xfrm>
+            <a:off x="1674812" y="3352800"/>
+            <a:ext cx="8839202" cy="584200"/>
+          </a:xfrm>
+        </p:spPr>
+        <p:txBody>
+          <a:bodyPr anchor="ctr">
+            <a:normAutofit/>
+          </a:bodyPr>
+          <a:lstStyle>
+            <a:lvl1pPr marL="0" indent="0" algn="r">
+              <a:buFontTx/>
+              <a:buNone/>
+              <a:defRPr sz="2000"/>
+            </a:lvl1pPr>
+            <a:lvl2pPr marL="457200" indent="0">
+              <a:buFontTx/>
+              <a:buNone/>
+              <a:defRPr/>
+            </a:lvl2pPr>
+            <a:lvl3pPr marL="914400" indent="0">
+              <a:buFontTx/>
+              <a:buNone/>
+              <a:defRPr/>
+            </a:lvl3pPr>
+            <a:lvl4pPr marL="1371600" indent="0">
+              <a:buFontTx/>
+              <a:buNone/>
+              <a:defRPr/>
+            </a:lvl4pPr>
+            <a:lvl5pPr marL="1828800" indent="0">
+              <a:buFontTx/>
+              <a:buNone/>
+              <a:defRPr/>
+            </a:lvl5pPr>
+          </a:lstStyle>
+          <a:p>
+            <a:pPr lvl="0"/>
+            <a:r>
+              <a:rPr lang="fr-FR" smtClean="0"/>
+              <a:t>Modifier les styles du texte du masque</a:t>
+            </a:r>
+          </a:p>
+        </p:txBody>
+      </p:sp>
+      <p:sp>
+        <p:nvSpPr>
+          <p:cNvPr id="3" name="Text Placeholder 2"/>
+          <p:cNvSpPr>
+            <a:spLocks noGrp="1"/>
+          </p:cNvSpPr>
+          <p:nvPr>
+            <p:ph type="body" idx="1"/>
+          </p:nvPr>
+        </p:nvSpPr>
+        <p:spPr>
+          <a:xfrm>
+            <a:off x="1295401" y="4343399"/>
+            <a:ext cx="9609666" cy="1532467"/>
+          </a:xfrm>
+        </p:spPr>
+        <p:txBody>
+          <a:bodyPr anchor="ctr">
+            <a:normAutofit/>
+          </a:bodyPr>
+          <a:lstStyle>
+            <a:lvl1pPr marL="0" indent="0" algn="ctr">
+              <a:buNone/>
+              <a:defRPr sz="2000">
+                <a:solidFill>
+                  <a:schemeClr val="tx1"/>
+                </a:solidFill>
+              </a:defRPr>
+            </a:lvl1pPr>
+            <a:lvl2pPr marL="457200" indent="0">
+              <a:buNone/>
+              <a:defRPr sz="1800">
+                <a:solidFill>
+                  <a:schemeClr val="tx1">
+                    <a:tint val="75000"/>
+                  </a:schemeClr>
+                </a:solidFill>
+              </a:defRPr>
+            </a:lvl2pPr>
+            <a:lvl3pPr marL="914400" indent="0">
+              <a:buNone/>
+              <a:defRPr sz="1600">
+                <a:solidFill>
+                  <a:schemeClr val="tx1">
+                    <a:tint val="75000"/>
+                  </a:schemeClr>
+                </a:solidFill>
+              </a:defRPr>
+            </a:lvl3pPr>
+            <a:lvl4pPr marL="1371600" indent="0">
+              <a:buNone/>
+              <a:defRPr sz="1400">
+                <a:solidFill>
+                  <a:schemeClr val="tx1">
+                    <a:tint val="75000"/>
+                  </a:schemeClr>
+                </a:solidFill>
+              </a:defRPr>
+            </a:lvl4pPr>
+            <a:lvl5pPr marL="1828800" indent="0">
+              <a:buNone/>
+              <a:defRPr sz="1400">
+                <a:solidFill>
+                  <a:schemeClr val="tx1">
+                    <a:tint val="75000"/>
+                  </a:schemeClr>
+                </a:solidFill>
+              </a:defRPr>
+            </a:lvl5pPr>
+            <a:lvl6pPr marL="2286000" indent="0">
+              <a:buNone/>
+              <a:defRPr sz="1400">
+                <a:solidFill>
+                  <a:schemeClr val="tx1">
+                    <a:tint val="75000"/>
+                  </a:schemeClr>
+                </a:solidFill>
+              </a:defRPr>
+            </a:lvl6pPr>
+            <a:lvl7pPr marL="2743200" indent="0">
+              <a:buNone/>
+              <a:defRPr sz="1400">
+                <a:solidFill>
+                  <a:schemeClr val="tx1">
+                    <a:tint val="75000"/>
+                  </a:schemeClr>
+                </a:solidFill>
+              </a:defRPr>
+            </a:lvl7pPr>
+            <a:lvl8pPr marL="3200400" indent="0">
+              <a:buNone/>
+              <a:defRPr sz="1400">
+                <a:solidFill>
+                  <a:schemeClr val="tx1">
+                    <a:tint val="75000"/>
+                  </a:schemeClr>
+                </a:solidFill>
+              </a:defRPr>
+            </a:lvl8pPr>
+            <a:lvl9pPr marL="3657600" indent="0">
+              <a:buNone/>
+              <a:defRPr sz="1400">
+                <a:solidFill>
+                  <a:schemeClr val="tx1">
+                    <a:tint val="75000"/>
+                  </a:schemeClr>
+                </a:solidFill>
+              </a:defRPr>
+            </a:lvl9pPr>
+          </a:lstStyle>
+          <a:p>
+            <a:pPr lvl="0"/>
+            <a:r>
+              <a:rPr lang="fr-FR" smtClean="0"/>
+              <a:t>Modifier les styles du texte du masque</a:t>
+            </a:r>
+          </a:p>
+        </p:txBody>
+      </p:sp>
+      <p:sp>
+        <p:nvSpPr>
+          <p:cNvPr id="4" name="Date Placeholder 3"/>
+          <p:cNvSpPr>
+            <a:spLocks noGrp="1"/>
+          </p:cNvSpPr>
+          <p:nvPr>
+            <p:ph type="dt" sz="half" idx="10"/>
+          </p:nvPr>
+        </p:nvSpPr>
+        <p:spPr/>
+        <p:txBody>
+          <a:bodyPr/>
+          <a:lstStyle/>
+          <a:p>
+            <a:fld id="{268E38F8-1819-4379-8662-1DA9710F182E}" type="datetimeFigureOut">
+              <a:rPr lang="en-GB" smtClean="0"/>
+              <a:t>30/01/2017</a:t>
+            </a:fld>
+            <a:endParaRPr lang="en-GB"/>
+          </a:p>
+        </p:txBody>
+      </p:sp>
+      <p:sp>
+        <p:nvSpPr>
+          <p:cNvPr id="5" name="Footer Placeholder 4"/>
+          <p:cNvSpPr>
+            <a:spLocks noGrp="1"/>
+          </p:cNvSpPr>
+          <p:nvPr>
+            <p:ph type="ftr" sz="quarter" idx="11"/>
+          </p:nvPr>
+        </p:nvSpPr>
+        <p:spPr/>
+        <p:txBody>
+          <a:bodyPr/>
+          <a:lstStyle/>
+          <a:p>
+            <a:endParaRPr lang="en-GB"/>
+          </a:p>
+        </p:txBody>
+      </p:sp>
+      <p:sp>
+        <p:nvSpPr>
+          <p:cNvPr id="6" name="Slide Number Placeholder 5"/>
+          <p:cNvSpPr>
+            <a:spLocks noGrp="1"/>
+          </p:cNvSpPr>
+          <p:nvPr>
+            <p:ph type="sldNum" sz="quarter" idx="12"/>
+          </p:nvPr>
+        </p:nvSpPr>
+        <p:spPr/>
+        <p:txBody>
+          <a:bodyPr/>
+          <a:lstStyle/>
+          <a:p>
+            <a:fld id="{AF2FE7E3-7771-4ACC-8D8C-94636C7F1C1C}" type="slidenum">
+              <a:rPr lang="en-GB" smtClean="0"/>
+              <a:t>‹N°›</a:t>
+            </a:fld>
+            <a:endParaRPr lang="en-GB"/>
+          </a:p>
+        </p:txBody>
+      </p:sp>
+      <p:sp>
+        <p:nvSpPr>
+          <p:cNvPr id="14" name="TextBox 13"/>
+          <p:cNvSpPr txBox="1"/>
+          <p:nvPr/>
+        </p:nvSpPr>
+        <p:spPr>
+          <a:xfrm>
+            <a:off x="862013" y="879961"/>
+            <a:ext cx="609600" cy="584776"/>
+          </a:xfrm>
+          <a:prstGeom prst="rect">
+            <a:avLst/>
+          </a:prstGeom>
+        </p:spPr>
+        <p:txBody>
+          <a:bodyPr vert="horz" lIns="91440" tIns="45720" rIns="91440" bIns="45720" rtlCol="0" anchor="ctr">
+            <a:noAutofit/>
+          </a:bodyPr>
+          <a:lstStyle/>
+          <a:p>
+            <a:pPr lvl="0"/>
+            <a:r>
+              <a:rPr lang="en-US" sz="8000" dirty="0">
+                <a:solidFill>
+                  <a:schemeClr val="tx1"/>
+                </a:solidFill>
+                <a:effectLst/>
+              </a:rPr>
+              <a:t>“</a:t>
+            </a:r>
+          </a:p>
+        </p:txBody>
+      </p:sp>
+      <p:sp>
+        <p:nvSpPr>
+          <p:cNvPr id="15" name="TextBox 14"/>
+          <p:cNvSpPr txBox="1"/>
+          <p:nvPr/>
+        </p:nvSpPr>
+        <p:spPr>
+          <a:xfrm>
+            <a:off x="10600267" y="2827870"/>
+            <a:ext cx="609600" cy="584776"/>
+          </a:xfrm>
+          <a:prstGeom prst="rect">
+            <a:avLst/>
+          </a:prstGeom>
+        </p:spPr>
+        <p:txBody>
+          <a:bodyPr vert="horz" lIns="91440" tIns="45720" rIns="91440" bIns="45720" rtlCol="0" anchor="ctr">
+            <a:noAutofit/>
+          </a:bodyPr>
+          <a:lstStyle/>
+          <a:p>
+            <a:pPr lvl="0" algn="r"/>
+            <a:r>
+              <a:rPr lang="en-US" sz="8000" dirty="0">
+                <a:solidFill>
+                  <a:schemeClr val="tx1"/>
+                </a:solidFill>
+                <a:effectLst/>
+              </a:rPr>
+              <a:t>”</a:t>
+            </a:r>
+          </a:p>
+        </p:txBody>
+      </p:sp>
+      <p:cxnSp>
+        <p:nvCxnSpPr>
+          <p:cNvPr id="19" name="Straight Connector 18"/>
+          <p:cNvCxnSpPr/>
+          <p:nvPr/>
+        </p:nvCxnSpPr>
+        <p:spPr>
+          <a:xfrm>
+            <a:off x="1396169" y="4140199"/>
+            <a:ext cx="9407298" cy="0"/>
+          </a:xfrm>
+          <a:prstGeom prst="line">
+            <a:avLst/>
+          </a:prstGeom>
+          <a:ln w="15875"/>
+        </p:spPr>
+        <p:style>
+          <a:lnRef idx="2">
+            <a:schemeClr val="accent1"/>
+          </a:lnRef>
+          <a:fillRef idx="0">
+            <a:schemeClr val="accent1"/>
+          </a:fillRef>
+          <a:effectRef idx="1">
+            <a:schemeClr val="accent1"/>
+          </a:effectRef>
+          <a:fontRef idx="minor">
+            <a:schemeClr val="tx1"/>
+          </a:fontRef>
+        </p:style>
+      </p:cxnSp>
+    </p:spTree>
+    <p:extLst>
+      <p:ext uri="{BB962C8B-B14F-4D97-AF65-F5344CB8AC3E}">
+        <p14:creationId xmlns:p14="http://schemas.microsoft.com/office/powerpoint/2010/main" val="1486861275"/>
+      </p:ext>
+    </p:extLst>
+  </p:cSld>
+  <p:clrMapOvr>
+    <a:masterClrMapping/>
+  </p:clrMapOvr>
+</p:sldLayout>
+</file>
+
+<file path=ppt/slideLayouts/slideLayout13.xml><?xml version="1.0" encoding="utf-8"?>
+<p:sldLayout xmlns:a="http://schemas.openxmlformats.org/drawingml/2006/main" xmlns:r="http://schemas.openxmlformats.org/officeDocument/2006/relationships" xmlns:p="http://schemas.openxmlformats.org/presentationml/2006/main" preserve="1">
+  <p:cSld name="Carte nom">
+    <p:spTree>
+      <p:nvGrpSpPr>
+        <p:cNvPr id="1" name=""/>
+        <p:cNvGrpSpPr/>
+        <p:nvPr/>
+      </p:nvGrpSpPr>
+      <p:grpSpPr>
+        <a:xfrm>
+          <a:off x="0" y="0"/>
+          <a:ext cx="0" cy="0"/>
+          <a:chOff x="0" y="0"/>
+          <a:chExt cx="0" cy="0"/>
+        </a:xfrm>
+      </p:grpSpPr>
+      <p:sp>
+        <p:nvSpPr>
+          <p:cNvPr id="2" name="Title 1"/>
+          <p:cNvSpPr>
+            <a:spLocks noGrp="1"/>
+          </p:cNvSpPr>
+          <p:nvPr>
+            <p:ph type="title"/>
+          </p:nvPr>
+        </p:nvSpPr>
+        <p:spPr>
+          <a:xfrm>
+            <a:off x="1295402" y="3308581"/>
+            <a:ext cx="9609668" cy="1468800"/>
+          </a:xfrm>
+        </p:spPr>
+        <p:txBody>
+          <a:bodyPr anchor="b">
+            <a:normAutofit/>
+          </a:bodyPr>
+          <a:lstStyle>
+            <a:lvl1pPr algn="l">
+              <a:defRPr sz="3200" b="0" cap="none"/>
+            </a:lvl1pPr>
+          </a:lstStyle>
+          <a:p>
+            <a:r>
+              <a:rPr lang="fr-FR" smtClean="0"/>
+              <a:t>Modifiez le style du titre</a:t>
+            </a:r>
+            <a:endParaRPr lang="en-US" dirty="0"/>
+          </a:p>
+        </p:txBody>
+      </p:sp>
+      <p:sp>
+        <p:nvSpPr>
+          <p:cNvPr id="3" name="Text Placeholder 2"/>
+          <p:cNvSpPr>
+            <a:spLocks noGrp="1"/>
+          </p:cNvSpPr>
+          <p:nvPr>
+            <p:ph type="body" idx="1"/>
+          </p:nvPr>
+        </p:nvSpPr>
+        <p:spPr>
+          <a:xfrm>
+            <a:off x="1295401" y="4777381"/>
+            <a:ext cx="9609668" cy="860400"/>
+          </a:xfrm>
+        </p:spPr>
+        <p:txBody>
+          <a:bodyPr anchor="t">
+            <a:normAutofit/>
+          </a:bodyPr>
+          <a:lstStyle>
+            <a:lvl1pPr marL="0" indent="0" algn="l">
+              <a:buNone/>
+              <a:defRPr sz="2000">
+                <a:solidFill>
+                  <a:schemeClr val="tx1"/>
+                </a:solidFill>
+              </a:defRPr>
+            </a:lvl1pPr>
+            <a:lvl2pPr marL="457200" indent="0">
+              <a:buNone/>
+              <a:defRPr sz="1800">
+                <a:solidFill>
+                  <a:schemeClr val="tx1">
+                    <a:tint val="75000"/>
+                  </a:schemeClr>
+                </a:solidFill>
+              </a:defRPr>
+            </a:lvl2pPr>
+            <a:lvl3pPr marL="914400" indent="0">
+              <a:buNone/>
+              <a:defRPr sz="1600">
+                <a:solidFill>
+                  <a:schemeClr val="tx1">
+                    <a:tint val="75000"/>
+                  </a:schemeClr>
+                </a:solidFill>
+              </a:defRPr>
+            </a:lvl3pPr>
+            <a:lvl4pPr marL="1371600" indent="0">
+              <a:buNone/>
+              <a:defRPr sz="1400">
+                <a:solidFill>
+                  <a:schemeClr val="tx1">
+                    <a:tint val="75000"/>
+                  </a:schemeClr>
+                </a:solidFill>
+              </a:defRPr>
+            </a:lvl4pPr>
+            <a:lvl5pPr marL="1828800" indent="0">
+              <a:buNone/>
+              <a:defRPr sz="1400">
+                <a:solidFill>
+                  <a:schemeClr val="tx1">
+                    <a:tint val="75000"/>
+                  </a:schemeClr>
+                </a:solidFill>
+              </a:defRPr>
+            </a:lvl5pPr>
+            <a:lvl6pPr marL="2286000" indent="0">
+              <a:buNone/>
+              <a:defRPr sz="1400">
+                <a:solidFill>
+                  <a:schemeClr val="tx1">
+                    <a:tint val="75000"/>
+                  </a:schemeClr>
+                </a:solidFill>
+              </a:defRPr>
+            </a:lvl6pPr>
+            <a:lvl7pPr marL="2743200" indent="0">
+              <a:buNone/>
+              <a:defRPr sz="1400">
+                <a:solidFill>
+                  <a:schemeClr val="tx1">
+                    <a:tint val="75000"/>
+                  </a:schemeClr>
+                </a:solidFill>
+              </a:defRPr>
+            </a:lvl7pPr>
+            <a:lvl8pPr marL="3200400" indent="0">
+              <a:buNone/>
+              <a:defRPr sz="1400">
+                <a:solidFill>
+                  <a:schemeClr val="tx1">
+                    <a:tint val="75000"/>
+                  </a:schemeClr>
+                </a:solidFill>
+              </a:defRPr>
+            </a:lvl8pPr>
+            <a:lvl9pPr marL="3657600" indent="0">
+              <a:buNone/>
+              <a:defRPr sz="1400">
+                <a:solidFill>
+                  <a:schemeClr val="tx1">
+                    <a:tint val="75000"/>
+                  </a:schemeClr>
+                </a:solidFill>
+              </a:defRPr>
+            </a:lvl9pPr>
+          </a:lstStyle>
+          <a:p>
+            <a:pPr lvl="0"/>
+            <a:r>
+              <a:rPr lang="fr-FR" smtClean="0"/>
+              <a:t>Modifier les styles du texte du masque</a:t>
+            </a:r>
+          </a:p>
+        </p:txBody>
+      </p:sp>
+      <p:sp>
+        <p:nvSpPr>
+          <p:cNvPr id="4" name="Date Placeholder 3"/>
+          <p:cNvSpPr>
+            <a:spLocks noGrp="1"/>
+          </p:cNvSpPr>
+          <p:nvPr>
+            <p:ph type="dt" sz="half" idx="10"/>
+          </p:nvPr>
+        </p:nvSpPr>
+        <p:spPr/>
+        <p:txBody>
+          <a:bodyPr/>
+          <a:lstStyle/>
+          <a:p>
+            <a:fld id="{268E38F8-1819-4379-8662-1DA9710F182E}" type="datetimeFigureOut">
+              <a:rPr lang="en-GB" smtClean="0"/>
+              <a:t>30/01/2017</a:t>
+            </a:fld>
+            <a:endParaRPr lang="en-GB"/>
+          </a:p>
+        </p:txBody>
+      </p:sp>
+      <p:sp>
+        <p:nvSpPr>
+          <p:cNvPr id="5" name="Footer Placeholder 4"/>
+          <p:cNvSpPr>
+            <a:spLocks noGrp="1"/>
+          </p:cNvSpPr>
+          <p:nvPr>
+            <p:ph type="ftr" sz="quarter" idx="11"/>
+          </p:nvPr>
+        </p:nvSpPr>
+        <p:spPr/>
+        <p:txBody>
+          <a:bodyPr/>
+          <a:lstStyle/>
+          <a:p>
+            <a:endParaRPr lang="en-GB"/>
+          </a:p>
+        </p:txBody>
+      </p:sp>
+      <p:sp>
+        <p:nvSpPr>
+          <p:cNvPr id="6" name="Slide Number Placeholder 5"/>
+          <p:cNvSpPr>
+            <a:spLocks noGrp="1"/>
+          </p:cNvSpPr>
+          <p:nvPr>
+            <p:ph type="sldNum" sz="quarter" idx="12"/>
+          </p:nvPr>
+        </p:nvSpPr>
+        <p:spPr/>
+        <p:txBody>
+          <a:bodyPr/>
+          <a:lstStyle/>
+          <a:p>
+            <a:fld id="{AF2FE7E3-7771-4ACC-8D8C-94636C7F1C1C}" type="slidenum">
+              <a:rPr lang="en-GB" smtClean="0"/>
+              <a:t>‹N°›</a:t>
+            </a:fld>
+            <a:endParaRPr lang="en-GB"/>
+          </a:p>
+        </p:txBody>
+      </p:sp>
+    </p:spTree>
+    <p:extLst>
+      <p:ext uri="{BB962C8B-B14F-4D97-AF65-F5344CB8AC3E}">
+        <p14:creationId xmlns:p14="http://schemas.microsoft.com/office/powerpoint/2010/main" val="3509315456"/>
+      </p:ext>
+    </p:extLst>
+  </p:cSld>
+  <p:clrMapOvr>
+    <a:masterClrMapping/>
+  </p:clrMapOvr>
+</p:sldLayout>
+</file>
+
+<file path=ppt/slideLayouts/slideLayout14.xml><?xml version="1.0" encoding="utf-8"?>
+<p:sldLayout xmlns:a="http://schemas.openxmlformats.org/drawingml/2006/main" xmlns:r="http://schemas.openxmlformats.org/officeDocument/2006/relationships" xmlns:p="http://schemas.openxmlformats.org/presentationml/2006/main" preserve="1">
+  <p:cSld name="Carte nom citation">
+    <p:spTree>
+      <p:nvGrpSpPr>
+        <p:cNvPr id="1" name=""/>
+        <p:cNvGrpSpPr/>
+        <p:nvPr/>
+      </p:nvGrpSpPr>
+      <p:grpSpPr>
+        <a:xfrm>
+          <a:off x="0" y="0"/>
+          <a:ext cx="0" cy="0"/>
+          <a:chOff x="0" y="0"/>
+          <a:chExt cx="0" cy="0"/>
+        </a:xfrm>
+      </p:grpSpPr>
+      <p:sp>
+        <p:nvSpPr>
+          <p:cNvPr id="2" name="Title 1"/>
+          <p:cNvSpPr>
+            <a:spLocks noGrp="1"/>
+          </p:cNvSpPr>
+          <p:nvPr>
+            <p:ph type="title"/>
+          </p:nvPr>
+        </p:nvSpPr>
+        <p:spPr>
+          <a:xfrm>
+            <a:off x="1446213" y="982132"/>
+            <a:ext cx="9296398" cy="2243668"/>
+          </a:xfrm>
+        </p:spPr>
+        <p:txBody>
+          <a:bodyPr anchor="ctr">
+            <a:normAutofit/>
+          </a:bodyPr>
+          <a:lstStyle>
+            <a:lvl1pPr algn="ctr">
+              <a:defRPr sz="3200" b="0" cap="none">
+                <a:solidFill>
+                  <a:schemeClr val="tx1"/>
+                </a:solidFill>
+              </a:defRPr>
+            </a:lvl1pPr>
+          </a:lstStyle>
+          <a:p>
+            <a:r>
+              <a:rPr lang="fr-FR" smtClean="0"/>
+              <a:t>Modifiez le style du titre</a:t>
+            </a:r>
+            <a:endParaRPr lang="en-US" dirty="0"/>
+          </a:p>
+        </p:txBody>
+      </p:sp>
+      <p:sp>
+        <p:nvSpPr>
+          <p:cNvPr id="23" name="Text Placeholder 2"/>
+          <p:cNvSpPr>
+            <a:spLocks noGrp="1"/>
+          </p:cNvSpPr>
+          <p:nvPr>
+            <p:ph type="body" idx="13"/>
+          </p:nvPr>
+        </p:nvSpPr>
+        <p:spPr>
+          <a:xfrm>
+            <a:off x="1295401" y="3639312"/>
+            <a:ext cx="9609668" cy="886968"/>
+          </a:xfrm>
+        </p:spPr>
+        <p:txBody>
+          <a:bodyPr anchor="b">
+            <a:normAutofit/>
+          </a:bodyPr>
+          <a:lstStyle>
+            <a:lvl1pPr marL="0" indent="0" algn="l">
+              <a:spcBef>
+                <a:spcPts val="0"/>
+              </a:spcBef>
+              <a:buNone/>
+              <a:defRPr sz="2400">
+                <a:solidFill>
+                  <a:schemeClr val="tx1"/>
+                </a:solidFill>
+              </a:defRPr>
+            </a:lvl1pPr>
+            <a:lvl2pPr marL="457200" indent="0">
+              <a:buNone/>
+              <a:defRPr sz="1800">
+                <a:solidFill>
+                  <a:schemeClr val="tx1">
+                    <a:tint val="75000"/>
+                  </a:schemeClr>
+                </a:solidFill>
+              </a:defRPr>
+            </a:lvl2pPr>
+            <a:lvl3pPr marL="914400" indent="0">
+              <a:buNone/>
+              <a:defRPr sz="1600">
+                <a:solidFill>
+                  <a:schemeClr val="tx1">
+                    <a:tint val="75000"/>
+                  </a:schemeClr>
+                </a:solidFill>
+              </a:defRPr>
+            </a:lvl3pPr>
+            <a:lvl4pPr marL="1371600" indent="0">
+              <a:buNone/>
+              <a:defRPr sz="1400">
+                <a:solidFill>
+                  <a:schemeClr val="tx1">
+                    <a:tint val="75000"/>
+                  </a:schemeClr>
+                </a:solidFill>
+              </a:defRPr>
+            </a:lvl4pPr>
+            <a:lvl5pPr marL="1828800" indent="0">
+              <a:buNone/>
+              <a:defRPr sz="1400">
+                <a:solidFill>
+                  <a:schemeClr val="tx1">
+                    <a:tint val="75000"/>
+                  </a:schemeClr>
+                </a:solidFill>
+              </a:defRPr>
+            </a:lvl5pPr>
+            <a:lvl6pPr marL="2286000" indent="0">
+              <a:buNone/>
+              <a:defRPr sz="1400">
+                <a:solidFill>
+                  <a:schemeClr val="tx1">
+                    <a:tint val="75000"/>
+                  </a:schemeClr>
+                </a:solidFill>
+              </a:defRPr>
+            </a:lvl6pPr>
+            <a:lvl7pPr marL="2743200" indent="0">
+              <a:buNone/>
+              <a:defRPr sz="1400">
+                <a:solidFill>
+                  <a:schemeClr val="tx1">
+                    <a:tint val="75000"/>
+                  </a:schemeClr>
+                </a:solidFill>
+              </a:defRPr>
+            </a:lvl7pPr>
+            <a:lvl8pPr marL="3200400" indent="0">
+              <a:buNone/>
+              <a:defRPr sz="1400">
+                <a:solidFill>
+                  <a:schemeClr val="tx1">
+                    <a:tint val="75000"/>
+                  </a:schemeClr>
+                </a:solidFill>
+              </a:defRPr>
+            </a:lvl8pPr>
+            <a:lvl9pPr marL="3657600" indent="0">
+              <a:buNone/>
+              <a:defRPr sz="1400">
+                <a:solidFill>
+                  <a:schemeClr val="tx1">
+                    <a:tint val="75000"/>
+                  </a:schemeClr>
+                </a:solidFill>
+              </a:defRPr>
+            </a:lvl9pPr>
+          </a:lstStyle>
+          <a:p>
+            <a:pPr lvl="0"/>
+            <a:r>
+              <a:rPr lang="fr-FR" smtClean="0"/>
+              <a:t>Modifier les styles du texte du masque</a:t>
+            </a:r>
+          </a:p>
+        </p:txBody>
+      </p:sp>
+      <p:sp>
+        <p:nvSpPr>
+          <p:cNvPr id="3" name="Text Placeholder 2"/>
+          <p:cNvSpPr>
+            <a:spLocks noGrp="1"/>
+          </p:cNvSpPr>
+          <p:nvPr>
+            <p:ph type="body" idx="1"/>
+          </p:nvPr>
+        </p:nvSpPr>
+        <p:spPr>
+          <a:xfrm>
+            <a:off x="1295401" y="4529667"/>
+            <a:ext cx="9609668" cy="1346200"/>
+          </a:xfrm>
+        </p:spPr>
+        <p:txBody>
+          <a:bodyPr anchor="t">
+            <a:normAutofit/>
+          </a:bodyPr>
+          <a:lstStyle>
+            <a:lvl1pPr marL="0" indent="0" algn="l">
+              <a:buNone/>
+              <a:defRPr sz="1800">
+                <a:solidFill>
+                  <a:schemeClr val="tx1"/>
+                </a:solidFill>
+              </a:defRPr>
+            </a:lvl1pPr>
+            <a:lvl2pPr marL="457200" indent="0">
+              <a:buNone/>
+              <a:defRPr sz="1800">
+                <a:solidFill>
+                  <a:schemeClr val="tx1">
+                    <a:tint val="75000"/>
+                  </a:schemeClr>
+                </a:solidFill>
+              </a:defRPr>
+            </a:lvl2pPr>
+            <a:lvl3pPr marL="914400" indent="0">
+              <a:buNone/>
+              <a:defRPr sz="1600">
+                <a:solidFill>
+                  <a:schemeClr val="tx1">
+                    <a:tint val="75000"/>
+                  </a:schemeClr>
+                </a:solidFill>
+              </a:defRPr>
+            </a:lvl3pPr>
+            <a:lvl4pPr marL="1371600" indent="0">
+              <a:buNone/>
+              <a:defRPr sz="1400">
+                <a:solidFill>
+                  <a:schemeClr val="tx1">
+                    <a:tint val="75000"/>
+                  </a:schemeClr>
+                </a:solidFill>
+              </a:defRPr>
+            </a:lvl4pPr>
+            <a:lvl5pPr marL="1828800" indent="0">
+              <a:buNone/>
+              <a:defRPr sz="1400">
+                <a:solidFill>
+                  <a:schemeClr val="tx1">
+                    <a:tint val="75000"/>
+                  </a:schemeClr>
+                </a:solidFill>
+              </a:defRPr>
+            </a:lvl5pPr>
+            <a:lvl6pPr marL="2286000" indent="0">
+              <a:buNone/>
+              <a:defRPr sz="1400">
+                <a:solidFill>
+                  <a:schemeClr val="tx1">
+                    <a:tint val="75000"/>
+                  </a:schemeClr>
+                </a:solidFill>
+              </a:defRPr>
+            </a:lvl6pPr>
+            <a:lvl7pPr marL="2743200" indent="0">
+              <a:buNone/>
+              <a:defRPr sz="1400">
+                <a:solidFill>
+                  <a:schemeClr val="tx1">
+                    <a:tint val="75000"/>
+                  </a:schemeClr>
+                </a:solidFill>
+              </a:defRPr>
+            </a:lvl7pPr>
+            <a:lvl8pPr marL="3200400" indent="0">
+              <a:buNone/>
+              <a:defRPr sz="1400">
+                <a:solidFill>
+                  <a:schemeClr val="tx1">
+                    <a:tint val="75000"/>
+                  </a:schemeClr>
+                </a:solidFill>
+              </a:defRPr>
+            </a:lvl8pPr>
+            <a:lvl9pPr marL="3657600" indent="0">
+              <a:buNone/>
+              <a:defRPr sz="1400">
+                <a:solidFill>
+                  <a:schemeClr val="tx1">
+                    <a:tint val="75000"/>
+                  </a:schemeClr>
+                </a:solidFill>
+              </a:defRPr>
+            </a:lvl9pPr>
+          </a:lstStyle>
+          <a:p>
+            <a:pPr lvl="0"/>
+            <a:r>
+              <a:rPr lang="fr-FR" smtClean="0"/>
+              <a:t>Modifier les styles du texte du masque</a:t>
+            </a:r>
+          </a:p>
+        </p:txBody>
+      </p:sp>
+      <p:sp>
+        <p:nvSpPr>
+          <p:cNvPr id="4" name="Date Placeholder 3"/>
+          <p:cNvSpPr>
+            <a:spLocks noGrp="1"/>
+          </p:cNvSpPr>
+          <p:nvPr>
+            <p:ph type="dt" sz="half" idx="10"/>
+          </p:nvPr>
+        </p:nvSpPr>
+        <p:spPr/>
+        <p:txBody>
+          <a:bodyPr/>
+          <a:lstStyle/>
+          <a:p>
+            <a:fld id="{268E38F8-1819-4379-8662-1DA9710F182E}" type="datetimeFigureOut">
+              <a:rPr lang="en-GB" smtClean="0"/>
+              <a:t>30/01/2017</a:t>
+            </a:fld>
+            <a:endParaRPr lang="en-GB"/>
+          </a:p>
+        </p:txBody>
+      </p:sp>
+      <p:sp>
+        <p:nvSpPr>
+          <p:cNvPr id="5" name="Footer Placeholder 4"/>
+          <p:cNvSpPr>
+            <a:spLocks noGrp="1"/>
+          </p:cNvSpPr>
+          <p:nvPr>
+            <p:ph type="ftr" sz="quarter" idx="11"/>
+          </p:nvPr>
+        </p:nvSpPr>
+        <p:spPr/>
+        <p:txBody>
+          <a:bodyPr/>
+          <a:lstStyle/>
+          <a:p>
+            <a:endParaRPr lang="en-GB"/>
+          </a:p>
+        </p:txBody>
+      </p:sp>
+      <p:sp>
+        <p:nvSpPr>
+          <p:cNvPr id="6" name="Slide Number Placeholder 5"/>
+          <p:cNvSpPr>
+            <a:spLocks noGrp="1"/>
+          </p:cNvSpPr>
+          <p:nvPr>
+            <p:ph type="sldNum" sz="quarter" idx="12"/>
+          </p:nvPr>
+        </p:nvSpPr>
+        <p:spPr/>
+        <p:txBody>
+          <a:bodyPr/>
+          <a:lstStyle/>
+          <a:p>
+            <a:fld id="{AF2FE7E3-7771-4ACC-8D8C-94636C7F1C1C}" type="slidenum">
+              <a:rPr lang="en-GB" smtClean="0"/>
+              <a:t>‹N°›</a:t>
+            </a:fld>
+            <a:endParaRPr lang="en-GB"/>
+          </a:p>
+        </p:txBody>
+      </p:sp>
+      <p:sp>
+        <p:nvSpPr>
+          <p:cNvPr id="12" name="TextBox 11"/>
+          <p:cNvSpPr txBox="1"/>
+          <p:nvPr/>
+        </p:nvSpPr>
+        <p:spPr>
+          <a:xfrm>
+            <a:off x="862013" y="879961"/>
+            <a:ext cx="609600" cy="584776"/>
+          </a:xfrm>
+          <a:prstGeom prst="rect">
+            <a:avLst/>
+          </a:prstGeom>
+        </p:spPr>
+        <p:txBody>
+          <a:bodyPr vert="horz" lIns="91440" tIns="45720" rIns="91440" bIns="45720" rtlCol="0" anchor="ctr">
+            <a:noAutofit/>
+          </a:bodyPr>
+          <a:lstStyle/>
+          <a:p>
+            <a:pPr lvl="0"/>
+            <a:r>
+              <a:rPr lang="en-US" sz="8000" dirty="0">
+                <a:solidFill>
+                  <a:schemeClr val="tx1"/>
+                </a:solidFill>
+                <a:effectLst/>
+              </a:rPr>
+              <a:t>“</a:t>
+            </a:r>
+          </a:p>
+        </p:txBody>
+      </p:sp>
+      <p:sp>
+        <p:nvSpPr>
+          <p:cNvPr id="13" name="TextBox 12"/>
+          <p:cNvSpPr txBox="1"/>
+          <p:nvPr/>
+        </p:nvSpPr>
+        <p:spPr>
+          <a:xfrm>
+            <a:off x="10600267" y="2599261"/>
+            <a:ext cx="609600" cy="584776"/>
+          </a:xfrm>
+          <a:prstGeom prst="rect">
+            <a:avLst/>
+          </a:prstGeom>
+        </p:spPr>
+        <p:txBody>
+          <a:bodyPr vert="horz" lIns="91440" tIns="45720" rIns="91440" bIns="45720" rtlCol="0" anchor="ctr">
+            <a:noAutofit/>
+          </a:bodyPr>
+          <a:lstStyle/>
+          <a:p>
+            <a:pPr lvl="0" algn="r"/>
+            <a:r>
+              <a:rPr lang="en-US" sz="8000" dirty="0">
+                <a:solidFill>
+                  <a:schemeClr val="tx1"/>
+                </a:solidFill>
+                <a:effectLst/>
+              </a:rPr>
+              <a:t>”</a:t>
+            </a:r>
+          </a:p>
+        </p:txBody>
+      </p:sp>
+      <p:cxnSp>
+        <p:nvCxnSpPr>
+          <p:cNvPr id="26" name="Straight Connector 25"/>
+          <p:cNvCxnSpPr/>
+          <p:nvPr/>
+        </p:nvCxnSpPr>
+        <p:spPr>
+          <a:xfrm>
+            <a:off x="1396169" y="3429000"/>
+            <a:ext cx="9407298" cy="0"/>
+          </a:xfrm>
+          <a:prstGeom prst="line">
+            <a:avLst/>
+          </a:prstGeom>
+          <a:ln w="15875"/>
+        </p:spPr>
+        <p:style>
+          <a:lnRef idx="2">
+            <a:schemeClr val="accent1"/>
+          </a:lnRef>
+          <a:fillRef idx="0">
+            <a:schemeClr val="accent1"/>
+          </a:fillRef>
+          <a:effectRef idx="1">
+            <a:schemeClr val="accent1"/>
+          </a:effectRef>
+          <a:fontRef idx="minor">
+            <a:schemeClr val="tx1"/>
+          </a:fontRef>
+        </p:style>
+      </p:cxnSp>
+    </p:spTree>
+    <p:extLst>
+      <p:ext uri="{BB962C8B-B14F-4D97-AF65-F5344CB8AC3E}">
+        <p14:creationId xmlns:p14="http://schemas.microsoft.com/office/powerpoint/2010/main" val="91883659"/>
+      </p:ext>
+    </p:extLst>
+  </p:cSld>
+  <p:clrMapOvr>
+    <a:masterClrMapping/>
+  </p:clrMapOvr>
+</p:sldLayout>
+</file>
+
+<file path=ppt/slideLayouts/slideLayout15.xml><?xml version="1.0" encoding="utf-8"?>
+<p:sldLayout xmlns:a="http://schemas.openxmlformats.org/drawingml/2006/main" xmlns:r="http://schemas.openxmlformats.org/officeDocument/2006/relationships" xmlns:p="http://schemas.openxmlformats.org/presentationml/2006/main" preserve="1">
+  <p:cSld name="Vrai ou faux">
+    <p:spTree>
+      <p:nvGrpSpPr>
+        <p:cNvPr id="1" name=""/>
+        <p:cNvGrpSpPr/>
+        <p:nvPr/>
+      </p:nvGrpSpPr>
+      <p:grpSpPr>
+        <a:xfrm>
+          <a:off x="0" y="0"/>
+          <a:ext cx="0" cy="0"/>
+          <a:chOff x="0" y="0"/>
+          <a:chExt cx="0" cy="0"/>
+        </a:xfrm>
+      </p:grpSpPr>
+      <p:sp>
+        <p:nvSpPr>
+          <p:cNvPr id="2" name="Title 1"/>
+          <p:cNvSpPr>
+            <a:spLocks noGrp="1"/>
+          </p:cNvSpPr>
+          <p:nvPr>
+            <p:ph type="title"/>
+          </p:nvPr>
+        </p:nvSpPr>
+        <p:spPr>
+          <a:xfrm>
+            <a:off x="1295401" y="982132"/>
+            <a:ext cx="9609666" cy="2243668"/>
+          </a:xfrm>
+        </p:spPr>
+        <p:txBody>
+          <a:bodyPr vert="horz" lIns="91440" tIns="45720" rIns="91440" bIns="45720" rtlCol="0" anchor="ctr">
+            <a:normAutofit/>
+          </a:bodyPr>
+          <a:lstStyle>
+            <a:lvl1pPr>
+              <a:defRPr lang="en-US" b="0" dirty="0"/>
+            </a:lvl1pPr>
+          </a:lstStyle>
+          <a:p>
+            <a:pPr marL="0" lvl="0"/>
+            <a:r>
+              <a:rPr lang="fr-FR" smtClean="0"/>
+              <a:t>Modifiez le style du titre</a:t>
+            </a:r>
+            <a:endParaRPr lang="en-US" dirty="0"/>
+          </a:p>
+        </p:txBody>
+      </p:sp>
+      <p:sp>
+        <p:nvSpPr>
+          <p:cNvPr id="20" name="Text Placeholder 2"/>
+          <p:cNvSpPr>
+            <a:spLocks noGrp="1"/>
+          </p:cNvSpPr>
+          <p:nvPr>
+            <p:ph type="body" idx="13"/>
+          </p:nvPr>
+        </p:nvSpPr>
+        <p:spPr>
+          <a:xfrm>
+            <a:off x="1295401" y="3630168"/>
+            <a:ext cx="9609668" cy="841248"/>
+          </a:xfrm>
+        </p:spPr>
+        <p:txBody>
+          <a:bodyPr anchor="b">
+            <a:normAutofit/>
+          </a:bodyPr>
+          <a:lstStyle>
+            <a:lvl1pPr marL="0" indent="0" algn="l">
+              <a:spcBef>
+                <a:spcPts val="0"/>
+              </a:spcBef>
+              <a:buNone/>
+              <a:defRPr sz="2800">
+                <a:solidFill>
+                  <a:schemeClr val="tx1"/>
+                </a:solidFill>
+              </a:defRPr>
+            </a:lvl1pPr>
+            <a:lvl2pPr marL="457200" indent="0">
+              <a:buNone/>
+              <a:defRPr sz="1800">
+                <a:solidFill>
+                  <a:schemeClr val="tx1">
+                    <a:tint val="75000"/>
+                  </a:schemeClr>
+                </a:solidFill>
+              </a:defRPr>
+            </a:lvl2pPr>
+            <a:lvl3pPr marL="914400" indent="0">
+              <a:buNone/>
+              <a:defRPr sz="1600">
+                <a:solidFill>
+                  <a:schemeClr val="tx1">
+                    <a:tint val="75000"/>
+                  </a:schemeClr>
+                </a:solidFill>
+              </a:defRPr>
+            </a:lvl3pPr>
+            <a:lvl4pPr marL="1371600" indent="0">
+              <a:buNone/>
+              <a:defRPr sz="1400">
+                <a:solidFill>
+                  <a:schemeClr val="tx1">
+                    <a:tint val="75000"/>
+                  </a:schemeClr>
+                </a:solidFill>
+              </a:defRPr>
+            </a:lvl4pPr>
+            <a:lvl5pPr marL="1828800" indent="0">
+              <a:buNone/>
+              <a:defRPr sz="1400">
+                <a:solidFill>
+                  <a:schemeClr val="tx1">
+                    <a:tint val="75000"/>
+                  </a:schemeClr>
+                </a:solidFill>
+              </a:defRPr>
+            </a:lvl5pPr>
+            <a:lvl6pPr marL="2286000" indent="0">
+              <a:buNone/>
+              <a:defRPr sz="1400">
+                <a:solidFill>
+                  <a:schemeClr val="tx1">
+                    <a:tint val="75000"/>
+                  </a:schemeClr>
+                </a:solidFill>
+              </a:defRPr>
+            </a:lvl6pPr>
+            <a:lvl7pPr marL="2743200" indent="0">
+              <a:buNone/>
+              <a:defRPr sz="1400">
+                <a:solidFill>
+                  <a:schemeClr val="tx1">
+                    <a:tint val="75000"/>
+                  </a:schemeClr>
+                </a:solidFill>
+              </a:defRPr>
+            </a:lvl7pPr>
+            <a:lvl8pPr marL="3200400" indent="0">
+              <a:buNone/>
+              <a:defRPr sz="1400">
+                <a:solidFill>
+                  <a:schemeClr val="tx1">
+                    <a:tint val="75000"/>
+                  </a:schemeClr>
+                </a:solidFill>
+              </a:defRPr>
+            </a:lvl8pPr>
+            <a:lvl9pPr marL="3657600" indent="0">
+              <a:buNone/>
+              <a:defRPr sz="1400">
+                <a:solidFill>
+                  <a:schemeClr val="tx1">
+                    <a:tint val="75000"/>
+                  </a:schemeClr>
+                </a:solidFill>
+              </a:defRPr>
+            </a:lvl9pPr>
+          </a:lstStyle>
+          <a:p>
+            <a:pPr lvl="0"/>
+            <a:r>
+              <a:rPr lang="fr-FR" smtClean="0"/>
+              <a:t>Modifier les styles du texte du masque</a:t>
+            </a:r>
+          </a:p>
+        </p:txBody>
+      </p:sp>
+      <p:sp>
+        <p:nvSpPr>
+          <p:cNvPr id="3" name="Text Placeholder 2"/>
+          <p:cNvSpPr>
+            <a:spLocks noGrp="1"/>
+          </p:cNvSpPr>
+          <p:nvPr>
+            <p:ph type="body" idx="1"/>
+          </p:nvPr>
+        </p:nvSpPr>
+        <p:spPr>
+          <a:xfrm>
+            <a:off x="1295400" y="4470399"/>
+            <a:ext cx="9609670" cy="1405467"/>
+          </a:xfrm>
+        </p:spPr>
+        <p:txBody>
+          <a:bodyPr anchor="t">
+            <a:normAutofit/>
+          </a:bodyPr>
+          <a:lstStyle>
+            <a:lvl1pPr marL="0" indent="0" algn="l">
+              <a:buNone/>
+              <a:defRPr sz="1800">
+                <a:solidFill>
+                  <a:schemeClr val="tx1"/>
+                </a:solidFill>
+              </a:defRPr>
+            </a:lvl1pPr>
+            <a:lvl2pPr marL="457200" indent="0">
+              <a:buNone/>
+              <a:defRPr sz="1800">
+                <a:solidFill>
+                  <a:schemeClr val="tx1">
+                    <a:tint val="75000"/>
+                  </a:schemeClr>
+                </a:solidFill>
+              </a:defRPr>
+            </a:lvl2pPr>
+            <a:lvl3pPr marL="914400" indent="0">
+              <a:buNone/>
+              <a:defRPr sz="1600">
+                <a:solidFill>
+                  <a:schemeClr val="tx1">
+                    <a:tint val="75000"/>
+                  </a:schemeClr>
+                </a:solidFill>
+              </a:defRPr>
+            </a:lvl3pPr>
+            <a:lvl4pPr marL="1371600" indent="0">
+              <a:buNone/>
+              <a:defRPr sz="1400">
+                <a:solidFill>
+                  <a:schemeClr val="tx1">
+                    <a:tint val="75000"/>
+                  </a:schemeClr>
+                </a:solidFill>
+              </a:defRPr>
+            </a:lvl4pPr>
+            <a:lvl5pPr marL="1828800" indent="0">
+              <a:buNone/>
+              <a:defRPr sz="1400">
+                <a:solidFill>
+                  <a:schemeClr val="tx1">
+                    <a:tint val="75000"/>
+                  </a:schemeClr>
+                </a:solidFill>
+              </a:defRPr>
+            </a:lvl5pPr>
+            <a:lvl6pPr marL="2286000" indent="0">
+              <a:buNone/>
+              <a:defRPr sz="1400">
+                <a:solidFill>
+                  <a:schemeClr val="tx1">
+                    <a:tint val="75000"/>
+                  </a:schemeClr>
+                </a:solidFill>
+              </a:defRPr>
+            </a:lvl6pPr>
+            <a:lvl7pPr marL="2743200" indent="0">
+              <a:buNone/>
+              <a:defRPr sz="1400">
+                <a:solidFill>
+                  <a:schemeClr val="tx1">
+                    <a:tint val="75000"/>
+                  </a:schemeClr>
+                </a:solidFill>
+              </a:defRPr>
+            </a:lvl7pPr>
+            <a:lvl8pPr marL="3200400" indent="0">
+              <a:buNone/>
+              <a:defRPr sz="1400">
+                <a:solidFill>
+                  <a:schemeClr val="tx1">
+                    <a:tint val="75000"/>
+                  </a:schemeClr>
+                </a:solidFill>
+              </a:defRPr>
+            </a:lvl8pPr>
+            <a:lvl9pPr marL="3657600" indent="0">
+              <a:buNone/>
+              <a:defRPr sz="1400">
+                <a:solidFill>
+                  <a:schemeClr val="tx1">
+                    <a:tint val="75000"/>
+                  </a:schemeClr>
+                </a:solidFill>
+              </a:defRPr>
+            </a:lvl9pPr>
+          </a:lstStyle>
+          <a:p>
+            <a:pPr lvl="0"/>
+            <a:r>
+              <a:rPr lang="fr-FR" smtClean="0"/>
+              <a:t>Modifier les styles du texte du masque</a:t>
+            </a:r>
+          </a:p>
+        </p:txBody>
+      </p:sp>
+      <p:sp>
+        <p:nvSpPr>
+          <p:cNvPr id="4" name="Date Placeholder 3"/>
+          <p:cNvSpPr>
+            <a:spLocks noGrp="1"/>
+          </p:cNvSpPr>
+          <p:nvPr>
+            <p:ph type="dt" sz="half" idx="10"/>
+          </p:nvPr>
+        </p:nvSpPr>
+        <p:spPr/>
+        <p:txBody>
+          <a:bodyPr/>
+          <a:lstStyle/>
+          <a:p>
+            <a:fld id="{268E38F8-1819-4379-8662-1DA9710F182E}" type="datetimeFigureOut">
+              <a:rPr lang="en-GB" smtClean="0"/>
+              <a:t>30/01/2017</a:t>
+            </a:fld>
+            <a:endParaRPr lang="en-GB"/>
+          </a:p>
+        </p:txBody>
+      </p:sp>
+      <p:sp>
+        <p:nvSpPr>
+          <p:cNvPr id="5" name="Footer Placeholder 4"/>
+          <p:cNvSpPr>
+            <a:spLocks noGrp="1"/>
+          </p:cNvSpPr>
+          <p:nvPr>
+            <p:ph type="ftr" sz="quarter" idx="11"/>
+          </p:nvPr>
+        </p:nvSpPr>
+        <p:spPr/>
+        <p:txBody>
+          <a:bodyPr/>
+          <a:lstStyle/>
+          <a:p>
+            <a:endParaRPr lang="en-GB"/>
+          </a:p>
+        </p:txBody>
+      </p:sp>
+      <p:sp>
+        <p:nvSpPr>
+          <p:cNvPr id="6" name="Slide Number Placeholder 5"/>
+          <p:cNvSpPr>
+            <a:spLocks noGrp="1"/>
+          </p:cNvSpPr>
+          <p:nvPr>
+            <p:ph type="sldNum" sz="quarter" idx="12"/>
+          </p:nvPr>
+        </p:nvSpPr>
+        <p:spPr/>
+        <p:txBody>
+          <a:bodyPr/>
+          <a:lstStyle/>
+          <a:p>
+            <a:fld id="{AF2FE7E3-7771-4ACC-8D8C-94636C7F1C1C}" type="slidenum">
+              <a:rPr lang="en-GB" smtClean="0"/>
+              <a:t>‹N°›</a:t>
+            </a:fld>
+            <a:endParaRPr lang="en-GB"/>
+          </a:p>
+        </p:txBody>
+      </p:sp>
+      <p:cxnSp>
+        <p:nvCxnSpPr>
+          <p:cNvPr id="15" name="Straight Connector 14"/>
+          <p:cNvCxnSpPr/>
+          <p:nvPr/>
+        </p:nvCxnSpPr>
+        <p:spPr>
+          <a:xfrm>
+            <a:off x="1396169" y="3429000"/>
+            <a:ext cx="9407298" cy="0"/>
+          </a:xfrm>
+          <a:prstGeom prst="line">
+            <a:avLst/>
+          </a:prstGeom>
+          <a:ln w="15875"/>
+        </p:spPr>
+        <p:style>
+          <a:lnRef idx="2">
+            <a:schemeClr val="accent1"/>
+          </a:lnRef>
+          <a:fillRef idx="0">
+            <a:schemeClr val="accent1"/>
+          </a:fillRef>
+          <a:effectRef idx="1">
+            <a:schemeClr val="accent1"/>
+          </a:effectRef>
+          <a:fontRef idx="minor">
+            <a:schemeClr val="tx1"/>
+          </a:fontRef>
+        </p:style>
+      </p:cxnSp>
+    </p:spTree>
+    <p:extLst>
+      <p:ext uri="{BB962C8B-B14F-4D97-AF65-F5344CB8AC3E}">
+        <p14:creationId xmlns:p14="http://schemas.microsoft.com/office/powerpoint/2010/main" val="1510481881"/>
+      </p:ext>
+    </p:extLst>
+  </p:cSld>
+  <p:clrMapOvr>
+    <a:masterClrMapping/>
+  </p:clrMapOvr>
+</p:sldLayout>
+</file>
+
+<file path=ppt/slideLayouts/slideLayout16.xml><?xml version="1.0" encoding="utf-8"?>
 <p:sldLayout xmlns:a="http://schemas.openxmlformats.org/drawingml/2006/main" xmlns:r="http://schemas.openxmlformats.org/officeDocument/2006/relationships" xmlns:p="http://schemas.openxmlformats.org/presentationml/2006/main" type="vertTx" preserve="1">
   <p:cSld name="Titre et texte vertical">
     <p:spTree>
@@ -326,7 +2672,7 @@
       </p:grpSpPr>
       <p:sp>
         <p:nvSpPr>
-          <p:cNvPr id="2" name="Titre 1"/>
+          <p:cNvPr id="2" name="Title 1"/>
           <p:cNvSpPr>
             <a:spLocks noGrp="1"/>
           </p:cNvSpPr>
@@ -337,19 +2683,23 @@
         <p:spPr/>
         <p:txBody>
           <a:bodyPr/>
-          <a:lstStyle/>
+          <a:lstStyle>
+            <a:lvl1pPr algn="ctr">
+              <a:defRPr/>
+            </a:lvl1pPr>
+          </a:lstStyle>
           <a:p>
             <a:r>
               <a:rPr lang="fr-FR" smtClean="0"/>
               <a:t>Modifiez le style du titre</a:t>
             </a:r>
-            <a:endParaRPr lang="en-GB"/>
-          </a:p>
-        </p:txBody>
-      </p:sp>
-      <p:sp>
-        <p:nvSpPr>
-          <p:cNvPr id="3" name="Espace réservé du texte vertical 2"/>
+            <a:endParaRPr lang="en-US" dirty="0"/>
+          </a:p>
+        </p:txBody>
+      </p:sp>
+      <p:sp>
+        <p:nvSpPr>
+          <p:cNvPr id="3" name="Vertical Text Placeholder 2"/>
           <p:cNvSpPr>
             <a:spLocks noGrp="1"/>
           </p:cNvSpPr>
@@ -359,7 +2709,7 @@
         </p:nvSpPr>
         <p:spPr/>
         <p:txBody>
-          <a:bodyPr vert="eaVert"/>
+          <a:bodyPr vert="eaVert" anchor="t"/>
           <a:lstStyle/>
           <a:p>
             <a:pPr lvl="0"/>
@@ -395,13 +2745,13 @@
               <a:rPr lang="fr-FR" smtClean="0"/>
               <a:t>Cinquième niveau</a:t>
             </a:r>
-            <a:endParaRPr lang="en-GB"/>
-          </a:p>
-        </p:txBody>
-      </p:sp>
-      <p:sp>
-        <p:nvSpPr>
-          <p:cNvPr id="4" name="Espace réservé de la date 3"/>
+            <a:endParaRPr lang="en-US" dirty="0"/>
+          </a:p>
+        </p:txBody>
+      </p:sp>
+      <p:sp>
+        <p:nvSpPr>
+          <p:cNvPr id="4" name="Date Placeholder 3"/>
           <p:cNvSpPr>
             <a:spLocks noGrp="1"/>
           </p:cNvSpPr>
@@ -416,7 +2766,7 @@
           <a:p>
             <a:fld id="{268E38F8-1819-4379-8662-1DA9710F182E}" type="datetimeFigureOut">
               <a:rPr lang="en-GB" smtClean="0"/>
-              <a:t>29/01/2017</a:t>
+              <a:t>30/01/2017</a:t>
             </a:fld>
             <a:endParaRPr lang="en-GB"/>
           </a:p>
@@ -424,7 +2774,7 @@
       </p:sp>
       <p:sp>
         <p:nvSpPr>
-          <p:cNvPr id="5" name="Espace réservé du pied de page 4"/>
+          <p:cNvPr id="5" name="Footer Placeholder 4"/>
           <p:cNvSpPr>
             <a:spLocks noGrp="1"/>
           </p:cNvSpPr>
@@ -443,7 +2793,7 @@
       </p:sp>
       <p:sp>
         <p:nvSpPr>
-          <p:cNvPr id="6" name="Espace réservé du numéro de diapositive 5"/>
+          <p:cNvPr id="6" name="Slide Number Placeholder 5"/>
           <p:cNvSpPr>
             <a:spLocks noGrp="1"/>
           </p:cNvSpPr>
@@ -464,10 +2814,41 @@
           </a:p>
         </p:txBody>
       </p:sp>
+      <p:cxnSp>
+        <p:nvCxnSpPr>
+          <p:cNvPr id="14" name="Straight Connector 13"/>
+          <p:cNvCxnSpPr/>
+          <p:nvPr/>
+        </p:nvCxnSpPr>
+        <p:spPr>
+          <a:xfrm>
+            <a:off x="1396169" y="2421466"/>
+            <a:ext cx="9407298" cy="0"/>
+          </a:xfrm>
+          <a:prstGeom prst="line">
+            <a:avLst/>
+          </a:prstGeom>
+          <a:ln w="15875"/>
+        </p:spPr>
+        <p:style>
+          <a:lnRef idx="2">
+            <a:schemeClr val="accent1"/>
+          </a:lnRef>
+          <a:fillRef idx="0">
+            <a:schemeClr val="accent1"/>
+          </a:fillRef>
+          <a:effectRef idx="1">
+            <a:schemeClr val="accent1"/>
+          </a:effectRef>
+          <a:fontRef idx="minor">
+            <a:schemeClr val="tx1"/>
+          </a:fontRef>
+        </p:style>
+      </p:cxnSp>
     </p:spTree>
     <p:extLst>
       <p:ext uri="{BB962C8B-B14F-4D97-AF65-F5344CB8AC3E}">
-        <p14:creationId xmlns:p14="http://schemas.microsoft.com/office/powerpoint/2010/main" val="6590222"/>
+        <p14:creationId xmlns:p14="http://schemas.microsoft.com/office/powerpoint/2010/main" val="284060285"/>
       </p:ext>
     </p:extLst>
   </p:cSld>
@@ -477,7 +2858,7 @@
 </p:sldLayout>
 </file>
 
-<file path=ppt/slideLayouts/slideLayout11.xml><?xml version="1.0" encoding="utf-8"?>
+<file path=ppt/slideLayouts/slideLayout17.xml><?xml version="1.0" encoding="utf-8"?>
 <p:sldLayout xmlns:a="http://schemas.openxmlformats.org/drawingml/2006/main" xmlns:r="http://schemas.openxmlformats.org/officeDocument/2006/relationships" xmlns:p="http://schemas.openxmlformats.org/presentationml/2006/main" type="vertTitleAndTx" preserve="1">
   <p:cSld name="Titre vertical et texte">
     <p:spTree>
@@ -496,7 +2877,7 @@
       </p:grpSpPr>
       <p:sp>
         <p:nvSpPr>
-          <p:cNvPr id="2" name="Titre vertical 1"/>
+          <p:cNvPr id="2" name="Vertical Title 1"/>
           <p:cNvSpPr>
             <a:spLocks noGrp="1"/>
           </p:cNvSpPr>
@@ -506,8 +2887,8 @@
         </p:nvSpPr>
         <p:spPr>
           <a:xfrm>
-            <a:off x="8724900" y="365125"/>
-            <a:ext cx="2628900" cy="5811838"/>
+            <a:off x="8999356" y="982131"/>
+            <a:ext cx="1890895" cy="4893735"/>
           </a:xfrm>
         </p:spPr>
         <p:txBody>
@@ -518,13 +2899,13 @@
               <a:rPr lang="fr-FR" smtClean="0"/>
               <a:t>Modifiez le style du titre</a:t>
             </a:r>
-            <a:endParaRPr lang="en-GB"/>
-          </a:p>
-        </p:txBody>
-      </p:sp>
-      <p:sp>
-        <p:nvSpPr>
-          <p:cNvPr id="3" name="Espace réservé du texte vertical 2"/>
+            <a:endParaRPr lang="en-US" dirty="0"/>
+          </a:p>
+        </p:txBody>
+      </p:sp>
+      <p:sp>
+        <p:nvSpPr>
+          <p:cNvPr id="3" name="Vertical Text Placeholder 2"/>
           <p:cNvSpPr>
             <a:spLocks noGrp="1"/>
           </p:cNvSpPr>
@@ -534,12 +2915,12 @@
         </p:nvSpPr>
         <p:spPr>
           <a:xfrm>
-            <a:off x="838200" y="365125"/>
-            <a:ext cx="7734300" cy="5811838"/>
+            <a:off x="1295398" y="982132"/>
+            <a:ext cx="7433025" cy="4893734"/>
           </a:xfrm>
         </p:spPr>
         <p:txBody>
-          <a:bodyPr vert="eaVert"/>
+          <a:bodyPr vert="eaVert" anchor="t"/>
           <a:lstStyle/>
           <a:p>
             <a:pPr lvl="0"/>
@@ -575,13 +2956,13 @@
               <a:rPr lang="fr-FR" smtClean="0"/>
               <a:t>Cinquième niveau</a:t>
             </a:r>
-            <a:endParaRPr lang="en-GB"/>
-          </a:p>
-        </p:txBody>
-      </p:sp>
-      <p:sp>
-        <p:nvSpPr>
-          <p:cNvPr id="4" name="Espace réservé de la date 3"/>
+            <a:endParaRPr lang="en-US" dirty="0"/>
+          </a:p>
+        </p:txBody>
+      </p:sp>
+      <p:sp>
+        <p:nvSpPr>
+          <p:cNvPr id="4" name="Date Placeholder 3"/>
           <p:cNvSpPr>
             <a:spLocks noGrp="1"/>
           </p:cNvSpPr>
@@ -596,7 +2977,7 @@
           <a:p>
             <a:fld id="{268E38F8-1819-4379-8662-1DA9710F182E}" type="datetimeFigureOut">
               <a:rPr lang="en-GB" smtClean="0"/>
-              <a:t>29/01/2017</a:t>
+              <a:t>30/01/2017</a:t>
             </a:fld>
             <a:endParaRPr lang="en-GB"/>
           </a:p>
@@ -604,7 +2985,7 @@
       </p:sp>
       <p:sp>
         <p:nvSpPr>
-          <p:cNvPr id="5" name="Espace réservé du pied de page 4"/>
+          <p:cNvPr id="5" name="Footer Placeholder 4"/>
           <p:cNvSpPr>
             <a:spLocks noGrp="1"/>
           </p:cNvSpPr>
@@ -623,7 +3004,7 @@
       </p:sp>
       <p:sp>
         <p:nvSpPr>
-          <p:cNvPr id="6" name="Espace réservé du numéro de diapositive 5"/>
+          <p:cNvPr id="6" name="Slide Number Placeholder 5"/>
           <p:cNvSpPr>
             <a:spLocks noGrp="1"/>
           </p:cNvSpPr>
@@ -644,10 +3025,41 @@
           </a:p>
         </p:txBody>
       </p:sp>
+      <p:cxnSp>
+        <p:nvCxnSpPr>
+          <p:cNvPr id="14" name="Straight Connector 13"/>
+          <p:cNvCxnSpPr/>
+          <p:nvPr/>
+        </p:nvCxnSpPr>
+        <p:spPr>
+          <a:xfrm>
+            <a:off x="8863890" y="990600"/>
+            <a:ext cx="0" cy="4876800"/>
+          </a:xfrm>
+          <a:prstGeom prst="line">
+            <a:avLst/>
+          </a:prstGeom>
+          <a:ln w="15875"/>
+        </p:spPr>
+        <p:style>
+          <a:lnRef idx="2">
+            <a:schemeClr val="accent1"/>
+          </a:lnRef>
+          <a:fillRef idx="0">
+            <a:schemeClr val="accent1"/>
+          </a:fillRef>
+          <a:effectRef idx="1">
+            <a:schemeClr val="accent1"/>
+          </a:effectRef>
+          <a:fontRef idx="minor">
+            <a:schemeClr val="tx1"/>
+          </a:fontRef>
+        </p:style>
+      </p:cxnSp>
     </p:spTree>
     <p:extLst>
       <p:ext uri="{BB962C8B-B14F-4D97-AF65-F5344CB8AC3E}">
-        <p14:creationId xmlns:p14="http://schemas.microsoft.com/office/powerpoint/2010/main" val="1793085192"/>
+        <p14:creationId xmlns:p14="http://schemas.microsoft.com/office/powerpoint/2010/main" val="2246147180"/>
       </p:ext>
     </p:extLst>
   </p:cSld>
@@ -674,9 +3086,40 @@
           <a:chExt cx="0" cy="0"/>
         </a:xfrm>
       </p:grpSpPr>
-      <p:sp>
-        <p:nvSpPr>
-          <p:cNvPr id="2" name="Titre 1"/>
+      <p:cxnSp>
+        <p:nvCxnSpPr>
+          <p:cNvPr id="7" name="Straight Connector 6"/>
+          <p:cNvCxnSpPr/>
+          <p:nvPr/>
+        </p:nvCxnSpPr>
+        <p:spPr>
+          <a:xfrm>
+            <a:off x="1396169" y="2421466"/>
+            <a:ext cx="9407298" cy="0"/>
+          </a:xfrm>
+          <a:prstGeom prst="line">
+            <a:avLst/>
+          </a:prstGeom>
+          <a:ln w="15875"/>
+        </p:spPr>
+        <p:style>
+          <a:lnRef idx="2">
+            <a:schemeClr val="accent1"/>
+          </a:lnRef>
+          <a:fillRef idx="0">
+            <a:schemeClr val="accent1"/>
+          </a:fillRef>
+          <a:effectRef idx="1">
+            <a:schemeClr val="accent1"/>
+          </a:effectRef>
+          <a:fontRef idx="minor">
+            <a:schemeClr val="tx1"/>
+          </a:fontRef>
+        </p:style>
+      </p:cxnSp>
+      <p:sp>
+        <p:nvSpPr>
+          <p:cNvPr id="2" name="Title 1"/>
           <p:cNvSpPr>
             <a:spLocks noGrp="1"/>
           </p:cNvSpPr>
@@ -693,13 +3136,13 @@
               <a:rPr lang="fr-FR" smtClean="0"/>
               <a:t>Modifiez le style du titre</a:t>
             </a:r>
-            <a:endParaRPr lang="en-GB"/>
-          </a:p>
-        </p:txBody>
-      </p:sp>
-      <p:sp>
-        <p:nvSpPr>
-          <p:cNvPr id="3" name="Espace réservé du contenu 2"/>
+            <a:endParaRPr lang="en-US" dirty="0"/>
+          </a:p>
+        </p:txBody>
+      </p:sp>
+      <p:sp>
+        <p:nvSpPr>
+          <p:cNvPr id="3" name="Content Placeholder 2"/>
           <p:cNvSpPr>
             <a:spLocks noGrp="1"/>
           </p:cNvSpPr>
@@ -745,13 +3188,13 @@
               <a:rPr lang="fr-FR" smtClean="0"/>
               <a:t>Cinquième niveau</a:t>
             </a:r>
-            <a:endParaRPr lang="en-GB"/>
-          </a:p>
-        </p:txBody>
-      </p:sp>
-      <p:sp>
-        <p:nvSpPr>
-          <p:cNvPr id="4" name="Espace réservé de la date 3"/>
+            <a:endParaRPr lang="en-US" dirty="0"/>
+          </a:p>
+        </p:txBody>
+      </p:sp>
+      <p:sp>
+        <p:nvSpPr>
+          <p:cNvPr id="4" name="Date Placeholder 3"/>
           <p:cNvSpPr>
             <a:spLocks noGrp="1"/>
           </p:cNvSpPr>
@@ -766,7 +3209,7 @@
           <a:p>
             <a:fld id="{268E38F8-1819-4379-8662-1DA9710F182E}" type="datetimeFigureOut">
               <a:rPr lang="en-GB" smtClean="0"/>
-              <a:t>29/01/2017</a:t>
+              <a:t>30/01/2017</a:t>
             </a:fld>
             <a:endParaRPr lang="en-GB"/>
           </a:p>
@@ -774,7 +3217,7 @@
       </p:sp>
       <p:sp>
         <p:nvSpPr>
-          <p:cNvPr id="5" name="Espace réservé du pied de page 4"/>
+          <p:cNvPr id="5" name="Footer Placeholder 4"/>
           <p:cNvSpPr>
             <a:spLocks noGrp="1"/>
           </p:cNvSpPr>
@@ -793,7 +3236,7 @@
       </p:sp>
       <p:sp>
         <p:nvSpPr>
-          <p:cNvPr id="6" name="Espace réservé du numéro de diapositive 5"/>
+          <p:cNvPr id="6" name="Slide Number Placeholder 5"/>
           <p:cNvSpPr>
             <a:spLocks noGrp="1"/>
           </p:cNvSpPr>
@@ -817,7 +3260,7 @@
     </p:spTree>
     <p:extLst>
       <p:ext uri="{BB962C8B-B14F-4D97-AF65-F5344CB8AC3E}">
-        <p14:creationId xmlns:p14="http://schemas.microsoft.com/office/powerpoint/2010/main" val="2620283209"/>
+        <p14:creationId xmlns:p14="http://schemas.microsoft.com/office/powerpoint/2010/main" val="4026327741"/>
       </p:ext>
     </p:extLst>
   </p:cSld>
@@ -846,7 +3289,7 @@
       </p:grpSpPr>
       <p:sp>
         <p:nvSpPr>
-          <p:cNvPr id="2" name="Titre 1"/>
+          <p:cNvPr id="2" name="Title 1"/>
           <p:cNvSpPr>
             <a:spLocks noGrp="1"/>
           </p:cNvSpPr>
@@ -856,15 +3299,17 @@
         </p:nvSpPr>
         <p:spPr>
           <a:xfrm>
-            <a:off x="831850" y="1709738"/>
-            <a:ext cx="10515600" cy="2852737"/>
+            <a:off x="2015069" y="1752606"/>
+            <a:ext cx="8158688" cy="1822514"/>
           </a:xfrm>
         </p:spPr>
         <p:txBody>
-          <a:bodyPr anchor="b"/>
+          <a:bodyPr anchor="b">
+            <a:normAutofit/>
+          </a:bodyPr>
           <a:lstStyle>
-            <a:lvl1pPr>
-              <a:defRPr sz="6000"/>
+            <a:lvl1pPr algn="ctr">
+              <a:defRPr sz="4400" b="0" cap="none"/>
             </a:lvl1pPr>
           </a:lstStyle>
           <a:p>
@@ -872,13 +3317,13 @@
               <a:rPr lang="fr-FR" smtClean="0"/>
               <a:t>Modifiez le style du titre</a:t>
             </a:r>
-            <a:endParaRPr lang="en-GB"/>
-          </a:p>
-        </p:txBody>
-      </p:sp>
-      <p:sp>
-        <p:nvSpPr>
-          <p:cNvPr id="3" name="Espace réservé du texte 2"/>
+            <a:endParaRPr lang="en-US" dirty="0"/>
+          </a:p>
+        </p:txBody>
+      </p:sp>
+      <p:sp>
+        <p:nvSpPr>
+          <p:cNvPr id="3" name="Text Placeholder 2"/>
           <p:cNvSpPr>
             <a:spLocks noGrp="1"/>
           </p:cNvSpPr>
@@ -888,26 +3333,26 @@
         </p:nvSpPr>
         <p:spPr>
           <a:xfrm>
-            <a:off x="831850" y="4589463"/>
-            <a:ext cx="10515600" cy="1500187"/>
+            <a:off x="2015067" y="3846051"/>
+            <a:ext cx="8158690" cy="954547"/>
           </a:xfrm>
         </p:spPr>
         <p:txBody>
-          <a:bodyPr/>
+          <a:bodyPr anchor="t">
+            <a:normAutofit/>
+          </a:bodyPr>
           <a:lstStyle>
-            <a:lvl1pPr marL="0" indent="0">
+            <a:lvl1pPr marL="0" indent="0" algn="ctr">
               <a:buNone/>
               <a:defRPr sz="2400">
                 <a:solidFill>
-                  <a:schemeClr val="tx1">
-                    <a:tint val="75000"/>
-                  </a:schemeClr>
+                  <a:schemeClr val="tx1"/>
                 </a:solidFill>
               </a:defRPr>
             </a:lvl1pPr>
             <a:lvl2pPr marL="457200" indent="0">
               <a:buNone/>
-              <a:defRPr sz="2000">
+              <a:defRPr sz="1800">
                 <a:solidFill>
                   <a:schemeClr val="tx1">
                     <a:tint val="75000"/>
@@ -917,7 +3362,7 @@
             </a:lvl2pPr>
             <a:lvl3pPr marL="914400" indent="0">
               <a:buNone/>
-              <a:defRPr sz="1800">
+              <a:defRPr sz="1600">
                 <a:solidFill>
                   <a:schemeClr val="tx1">
                     <a:tint val="75000"/>
@@ -927,7 +3372,7 @@
             </a:lvl3pPr>
             <a:lvl4pPr marL="1371600" indent="0">
               <a:buNone/>
-              <a:defRPr sz="1600">
+              <a:defRPr sz="1400">
                 <a:solidFill>
                   <a:schemeClr val="tx1">
                     <a:tint val="75000"/>
@@ -937,7 +3382,7 @@
             </a:lvl4pPr>
             <a:lvl5pPr marL="1828800" indent="0">
               <a:buNone/>
-              <a:defRPr sz="1600">
+              <a:defRPr sz="1400">
                 <a:solidFill>
                   <a:schemeClr val="tx1">
                     <a:tint val="75000"/>
@@ -947,7 +3392,7 @@
             </a:lvl5pPr>
             <a:lvl6pPr marL="2286000" indent="0">
               <a:buNone/>
-              <a:defRPr sz="1600">
+              <a:defRPr sz="1400">
                 <a:solidFill>
                   <a:schemeClr val="tx1">
                     <a:tint val="75000"/>
@@ -957,7 +3402,7 @@
             </a:lvl6pPr>
             <a:lvl7pPr marL="2743200" indent="0">
               <a:buNone/>
-              <a:defRPr sz="1600">
+              <a:defRPr sz="1400">
                 <a:solidFill>
                   <a:schemeClr val="tx1">
                     <a:tint val="75000"/>
@@ -967,7 +3412,7 @@
             </a:lvl7pPr>
             <a:lvl8pPr marL="3200400" indent="0">
               <a:buNone/>
-              <a:defRPr sz="1600">
+              <a:defRPr sz="1400">
                 <a:solidFill>
                   <a:schemeClr val="tx1">
                     <a:tint val="75000"/>
@@ -977,7 +3422,7 @@
             </a:lvl8pPr>
             <a:lvl9pPr marL="3657600" indent="0">
               <a:buNone/>
-              <a:defRPr sz="1600">
+              <a:defRPr sz="1400">
                 <a:solidFill>
                   <a:schemeClr val="tx1">
                     <a:tint val="75000"/>
@@ -997,7 +3442,7 @@
       </p:sp>
       <p:sp>
         <p:nvSpPr>
-          <p:cNvPr id="4" name="Espace réservé de la date 3"/>
+          <p:cNvPr id="4" name="Date Placeholder 3"/>
           <p:cNvSpPr>
             <a:spLocks noGrp="1"/>
           </p:cNvSpPr>
@@ -1012,7 +3457,7 @@
           <a:p>
             <a:fld id="{268E38F8-1819-4379-8662-1DA9710F182E}" type="datetimeFigureOut">
               <a:rPr lang="en-GB" smtClean="0"/>
-              <a:t>29/01/2017</a:t>
+              <a:t>30/01/2017</a:t>
             </a:fld>
             <a:endParaRPr lang="en-GB"/>
           </a:p>
@@ -1020,7 +3465,7 @@
       </p:sp>
       <p:sp>
         <p:nvSpPr>
-          <p:cNvPr id="5" name="Espace réservé du pied de page 4"/>
+          <p:cNvPr id="5" name="Footer Placeholder 4"/>
           <p:cNvSpPr>
             <a:spLocks noGrp="1"/>
           </p:cNvSpPr>
@@ -1039,7 +3484,7 @@
       </p:sp>
       <p:sp>
         <p:nvSpPr>
-          <p:cNvPr id="6" name="Espace réservé du numéro de diapositive 5"/>
+          <p:cNvPr id="6" name="Slide Number Placeholder 5"/>
           <p:cNvSpPr>
             <a:spLocks noGrp="1"/>
           </p:cNvSpPr>
@@ -1060,10 +3505,41 @@
           </a:p>
         </p:txBody>
       </p:sp>
+      <p:cxnSp>
+        <p:nvCxnSpPr>
+          <p:cNvPr id="16" name="Straight Connector 15"/>
+          <p:cNvCxnSpPr/>
+          <p:nvPr/>
+        </p:nvCxnSpPr>
+        <p:spPr>
+          <a:xfrm>
+            <a:off x="2012723" y="3710585"/>
+            <a:ext cx="8163380" cy="0"/>
+          </a:xfrm>
+          <a:prstGeom prst="line">
+            <a:avLst/>
+          </a:prstGeom>
+          <a:ln w="15875"/>
+        </p:spPr>
+        <p:style>
+          <a:lnRef idx="2">
+            <a:schemeClr val="accent1"/>
+          </a:lnRef>
+          <a:fillRef idx="0">
+            <a:schemeClr val="accent1"/>
+          </a:fillRef>
+          <a:effectRef idx="1">
+            <a:schemeClr val="accent1"/>
+          </a:effectRef>
+          <a:fontRef idx="minor">
+            <a:schemeClr val="tx1"/>
+          </a:fontRef>
+        </p:style>
+      </p:cxnSp>
     </p:spTree>
     <p:extLst>
       <p:ext uri="{BB962C8B-B14F-4D97-AF65-F5344CB8AC3E}">
-        <p14:creationId xmlns:p14="http://schemas.microsoft.com/office/powerpoint/2010/main" val="849759591"/>
+        <p14:creationId xmlns:p14="http://schemas.microsoft.com/office/powerpoint/2010/main" val="1045863052"/>
       </p:ext>
     </p:extLst>
   </p:cSld>
@@ -1090,47 +3566,80 @@
           <a:chExt cx="0" cy="0"/>
         </a:xfrm>
       </p:grpSpPr>
-      <p:sp>
-        <p:nvSpPr>
-          <p:cNvPr id="2" name="Titre 1"/>
-          <p:cNvSpPr>
-            <a:spLocks noGrp="1"/>
-          </p:cNvSpPr>
-          <p:nvPr>
-            <p:ph type="title"/>
-          </p:nvPr>
-        </p:nvSpPr>
-        <p:spPr/>
-        <p:txBody>
-          <a:bodyPr/>
-          <a:lstStyle/>
-          <a:p>
-            <a:r>
-              <a:rPr lang="fr-FR" smtClean="0"/>
-              <a:t>Modifiez le style du titre</a:t>
-            </a:r>
-            <a:endParaRPr lang="en-GB"/>
-          </a:p>
-        </p:txBody>
-      </p:sp>
-      <p:sp>
-        <p:nvSpPr>
-          <p:cNvPr id="3" name="Espace réservé du contenu 2"/>
-          <p:cNvSpPr>
-            <a:spLocks noGrp="1"/>
-          </p:cNvSpPr>
-          <p:nvPr>
-            <p:ph sz="half" idx="1"/>
-          </p:nvPr>
-        </p:nvSpPr>
+      <p:cxnSp>
+        <p:nvCxnSpPr>
+          <p:cNvPr id="8" name="Straight Connector 7"/>
+          <p:cNvCxnSpPr/>
+          <p:nvPr/>
+        </p:nvCxnSpPr>
         <p:spPr>
           <a:xfrm>
-            <a:off x="838200" y="1825625"/>
-            <a:ext cx="5181600" cy="4351338"/>
+            <a:off x="1396169" y="2421466"/>
+            <a:ext cx="9407298" cy="0"/>
+          </a:xfrm>
+          <a:prstGeom prst="line">
+            <a:avLst/>
+          </a:prstGeom>
+          <a:ln w="15875"/>
+        </p:spPr>
+        <p:style>
+          <a:lnRef idx="2">
+            <a:schemeClr val="accent1"/>
+          </a:lnRef>
+          <a:fillRef idx="0">
+            <a:schemeClr val="accent1"/>
+          </a:fillRef>
+          <a:effectRef idx="1">
+            <a:schemeClr val="accent1"/>
+          </a:effectRef>
+          <a:fontRef idx="minor">
+            <a:schemeClr val="tx1"/>
+          </a:fontRef>
+        </p:style>
+      </p:cxnSp>
+      <p:sp>
+        <p:nvSpPr>
+          <p:cNvPr id="2" name="Title 1"/>
+          <p:cNvSpPr>
+            <a:spLocks noGrp="1"/>
+          </p:cNvSpPr>
+          <p:nvPr>
+            <p:ph type="title"/>
+          </p:nvPr>
+        </p:nvSpPr>
+        <p:spPr/>
+        <p:txBody>
+          <a:bodyPr/>
+          <a:lstStyle/>
+          <a:p>
+            <a:r>
+              <a:rPr lang="fr-FR" smtClean="0"/>
+              <a:t>Modifiez le style du titre</a:t>
+            </a:r>
+            <a:endParaRPr lang="en-US" dirty="0"/>
+          </a:p>
+        </p:txBody>
+      </p:sp>
+      <p:sp>
+        <p:nvSpPr>
+          <p:cNvPr id="3" name="Content Placeholder 2"/>
+          <p:cNvSpPr>
+            <a:spLocks noGrp="1"/>
+          </p:cNvSpPr>
+          <p:nvPr>
+            <p:ph sz="half" idx="1"/>
+          </p:nvPr>
+        </p:nvSpPr>
+        <p:spPr>
+          <a:xfrm>
+            <a:off x="1298448" y="2560320"/>
+            <a:ext cx="4718304" cy="3310128"/>
           </a:xfrm>
         </p:spPr>
         <p:txBody>
-          <a:bodyPr/>
+          <a:bodyPr>
+            <a:normAutofit/>
+          </a:bodyPr>
           <a:lstStyle/>
           <a:p>
             <a:pPr lvl="0"/>
@@ -1166,13 +3675,13 @@
               <a:rPr lang="fr-FR" smtClean="0"/>
               <a:t>Cinquième niveau</a:t>
             </a:r>
-            <a:endParaRPr lang="en-GB"/>
-          </a:p>
-        </p:txBody>
-      </p:sp>
-      <p:sp>
-        <p:nvSpPr>
-          <p:cNvPr id="4" name="Espace réservé du contenu 3"/>
+            <a:endParaRPr lang="en-US" dirty="0"/>
+          </a:p>
+        </p:txBody>
+      </p:sp>
+      <p:sp>
+        <p:nvSpPr>
+          <p:cNvPr id="4" name="Content Placeholder 3"/>
           <p:cNvSpPr>
             <a:spLocks noGrp="1"/>
           </p:cNvSpPr>
@@ -1182,12 +3691,14 @@
         </p:nvSpPr>
         <p:spPr>
           <a:xfrm>
-            <a:off x="6172200" y="1825625"/>
-            <a:ext cx="5181600" cy="4351338"/>
+            <a:off x="6181344" y="2560320"/>
+            <a:ext cx="4718304" cy="3310128"/>
           </a:xfrm>
         </p:spPr>
         <p:txBody>
-          <a:bodyPr/>
+          <a:bodyPr>
+            <a:normAutofit/>
+          </a:bodyPr>
           <a:lstStyle/>
           <a:p>
             <a:pPr lvl="0"/>
@@ -1223,13 +3734,13 @@
               <a:rPr lang="fr-FR" smtClean="0"/>
               <a:t>Cinquième niveau</a:t>
             </a:r>
-            <a:endParaRPr lang="en-GB"/>
-          </a:p>
-        </p:txBody>
-      </p:sp>
-      <p:sp>
-        <p:nvSpPr>
-          <p:cNvPr id="5" name="Espace réservé de la date 4"/>
+            <a:endParaRPr lang="en-US" dirty="0"/>
+          </a:p>
+        </p:txBody>
+      </p:sp>
+      <p:sp>
+        <p:nvSpPr>
+          <p:cNvPr id="5" name="Date Placeholder 4"/>
           <p:cNvSpPr>
             <a:spLocks noGrp="1"/>
           </p:cNvSpPr>
@@ -1244,7 +3755,7 @@
           <a:p>
             <a:fld id="{268E38F8-1819-4379-8662-1DA9710F182E}" type="datetimeFigureOut">
               <a:rPr lang="en-GB" smtClean="0"/>
-              <a:t>29/01/2017</a:t>
+              <a:t>30/01/2017</a:t>
             </a:fld>
             <a:endParaRPr lang="en-GB"/>
           </a:p>
@@ -1252,7 +3763,7 @@
       </p:sp>
       <p:sp>
         <p:nvSpPr>
-          <p:cNvPr id="6" name="Espace réservé du pied de page 5"/>
+          <p:cNvPr id="6" name="Footer Placeholder 5"/>
           <p:cNvSpPr>
             <a:spLocks noGrp="1"/>
           </p:cNvSpPr>
@@ -1271,7 +3782,7 @@
       </p:sp>
       <p:sp>
         <p:nvSpPr>
-          <p:cNvPr id="7" name="Espace réservé du numéro de diapositive 6"/>
+          <p:cNvPr id="7" name="Slide Number Placeholder 6"/>
           <p:cNvSpPr>
             <a:spLocks noGrp="1"/>
           </p:cNvSpPr>
@@ -1295,7 +3806,7 @@
     </p:spTree>
     <p:extLst>
       <p:ext uri="{BB962C8B-B14F-4D97-AF65-F5344CB8AC3E}">
-        <p14:creationId xmlns:p14="http://schemas.microsoft.com/office/powerpoint/2010/main" val="1387514276"/>
+        <p14:creationId xmlns:p14="http://schemas.microsoft.com/office/powerpoint/2010/main" val="2989404704"/>
       </p:ext>
     </p:extLst>
   </p:cSld>
@@ -1324,54 +3835,65 @@
       </p:grpSpPr>
       <p:sp>
         <p:nvSpPr>
-          <p:cNvPr id="2" name="Titre 1"/>
+          <p:cNvPr id="2" name="Title 1"/>
           <p:cNvSpPr>
             <a:spLocks noGrp="1"/>
           </p:cNvSpPr>
           <p:nvPr>
             <p:ph type="title"/>
+          </p:nvPr>
+        </p:nvSpPr>
+        <p:spPr/>
+        <p:txBody>
+          <a:bodyPr/>
+          <a:lstStyle>
+            <a:lvl1pPr>
+              <a:defRPr/>
+            </a:lvl1pPr>
+          </a:lstStyle>
+          <a:p>
+            <a:r>
+              <a:rPr lang="fr-FR" smtClean="0"/>
+              <a:t>Modifiez le style du titre</a:t>
+            </a:r>
+            <a:endParaRPr lang="en-US" dirty="0"/>
+          </a:p>
+        </p:txBody>
+      </p:sp>
+      <p:sp>
+        <p:nvSpPr>
+          <p:cNvPr id="3" name="Text Placeholder 2"/>
+          <p:cNvSpPr>
+            <a:spLocks noGrp="1"/>
+          </p:cNvSpPr>
+          <p:nvPr>
+            <p:ph type="body" idx="1"/>
           </p:nvPr>
         </p:nvSpPr>
         <p:spPr>
           <a:xfrm>
-            <a:off x="839788" y="365125"/>
-            <a:ext cx="10515600" cy="1325563"/>
+            <a:off x="1295400" y="2658533"/>
+            <a:ext cx="4718304" cy="576262"/>
           </a:xfrm>
         </p:spPr>
         <p:txBody>
-          <a:bodyPr/>
-          <a:lstStyle/>
-          <a:p>
-            <a:r>
-              <a:rPr lang="fr-FR" smtClean="0"/>
-              <a:t>Modifiez le style du titre</a:t>
-            </a:r>
-            <a:endParaRPr lang="en-GB"/>
-          </a:p>
-        </p:txBody>
-      </p:sp>
-      <p:sp>
-        <p:nvSpPr>
-          <p:cNvPr id="3" name="Espace réservé du texte 2"/>
-          <p:cNvSpPr>
-            <a:spLocks noGrp="1"/>
-          </p:cNvSpPr>
-          <p:nvPr>
-            <p:ph type="body" idx="1"/>
-          </p:nvPr>
-        </p:nvSpPr>
-        <p:spPr>
-          <a:xfrm>
-            <a:off x="839788" y="1681163"/>
-            <a:ext cx="5157787" cy="823912"/>
-          </a:xfrm>
-        </p:spPr>
-        <p:txBody>
-          <a:bodyPr anchor="b"/>
+          <a:bodyPr anchor="b">
+            <a:noAutofit/>
+          </a:bodyPr>
           <a:lstStyle>
             <a:lvl1pPr marL="0" indent="0">
-              <a:buNone/>
-              <a:defRPr sz="2400" b="1"/>
+              <a:spcBef>
+                <a:spcPts val="672"/>
+              </a:spcBef>
+              <a:spcAft>
+                <a:spcPts val="600"/>
+              </a:spcAft>
+              <a:buNone/>
+              <a:defRPr sz="2800" b="0">
+                <a:solidFill>
+                  <a:schemeClr val="accent1"/>
+                </a:solidFill>
+              </a:defRPr>
             </a:lvl1pPr>
             <a:lvl2pPr marL="457200" indent="0">
               <a:buNone/>
@@ -1417,7 +3939,7 @@
       </p:sp>
       <p:sp>
         <p:nvSpPr>
-          <p:cNvPr id="4" name="Espace réservé du contenu 3"/>
+          <p:cNvPr id="4" name="Content Placeholder 3"/>
           <p:cNvSpPr>
             <a:spLocks noGrp="1"/>
           </p:cNvSpPr>
@@ -1427,12 +3949,14 @@
         </p:nvSpPr>
         <p:spPr>
           <a:xfrm>
-            <a:off x="839788" y="2505075"/>
-            <a:ext cx="5157787" cy="3684588"/>
+            <a:off x="1295400" y="3243262"/>
+            <a:ext cx="4718304" cy="2632605"/>
           </a:xfrm>
         </p:spPr>
         <p:txBody>
-          <a:bodyPr/>
+          <a:bodyPr anchor="t">
+            <a:normAutofit/>
+          </a:bodyPr>
           <a:lstStyle/>
           <a:p>
             <a:pPr lvl="0"/>
@@ -1468,13 +3992,13 @@
               <a:rPr lang="fr-FR" smtClean="0"/>
               <a:t>Cinquième niveau</a:t>
             </a:r>
-            <a:endParaRPr lang="en-GB"/>
-          </a:p>
-        </p:txBody>
-      </p:sp>
-      <p:sp>
-        <p:nvSpPr>
-          <p:cNvPr id="5" name="Espace réservé du texte 4"/>
+            <a:endParaRPr lang="en-US" dirty="0"/>
+          </a:p>
+        </p:txBody>
+      </p:sp>
+      <p:sp>
+        <p:nvSpPr>
+          <p:cNvPr id="5" name="Text Placeholder 4"/>
           <p:cNvSpPr>
             <a:spLocks noGrp="1"/>
           </p:cNvSpPr>
@@ -1484,16 +4008,28 @@
         </p:nvSpPr>
         <p:spPr>
           <a:xfrm>
-            <a:off x="6172200" y="1681163"/>
-            <a:ext cx="5183188" cy="823912"/>
+            <a:off x="6180670" y="2658533"/>
+            <a:ext cx="4718304" cy="576262"/>
           </a:xfrm>
         </p:spPr>
         <p:txBody>
-          <a:bodyPr anchor="b"/>
+          <a:bodyPr anchor="b">
+            <a:noAutofit/>
+          </a:bodyPr>
           <a:lstStyle>
             <a:lvl1pPr marL="0" indent="0">
-              <a:buNone/>
-              <a:defRPr sz="2400" b="1"/>
+              <a:spcBef>
+                <a:spcPts val="672"/>
+              </a:spcBef>
+              <a:spcAft>
+                <a:spcPts val="600"/>
+              </a:spcAft>
+              <a:buNone/>
+              <a:defRPr sz="2800" b="0">
+                <a:solidFill>
+                  <a:schemeClr val="accent1"/>
+                </a:solidFill>
+              </a:defRPr>
             </a:lvl1pPr>
             <a:lvl2pPr marL="457200" indent="0">
               <a:buNone/>
@@ -1539,7 +4075,7 @@
       </p:sp>
       <p:sp>
         <p:nvSpPr>
-          <p:cNvPr id="6" name="Espace réservé du contenu 5"/>
+          <p:cNvPr id="6" name="Content Placeholder 5"/>
           <p:cNvSpPr>
             <a:spLocks noGrp="1"/>
           </p:cNvSpPr>
@@ -1549,12 +4085,14 @@
         </p:nvSpPr>
         <p:spPr>
           <a:xfrm>
-            <a:off x="6172200" y="2505075"/>
-            <a:ext cx="5183188" cy="3684588"/>
+            <a:off x="6180670" y="3243262"/>
+            <a:ext cx="4718304" cy="2632605"/>
           </a:xfrm>
         </p:spPr>
         <p:txBody>
-          <a:bodyPr/>
+          <a:bodyPr anchor="t">
+            <a:normAutofit/>
+          </a:bodyPr>
           <a:lstStyle/>
           <a:p>
             <a:pPr lvl="0"/>
@@ -1590,13 +4128,13 @@
               <a:rPr lang="fr-FR" smtClean="0"/>
               <a:t>Cinquième niveau</a:t>
             </a:r>
-            <a:endParaRPr lang="en-GB"/>
-          </a:p>
-        </p:txBody>
-      </p:sp>
-      <p:sp>
-        <p:nvSpPr>
-          <p:cNvPr id="7" name="Espace réservé de la date 6"/>
+            <a:endParaRPr lang="en-US" dirty="0"/>
+          </a:p>
+        </p:txBody>
+      </p:sp>
+      <p:sp>
+        <p:nvSpPr>
+          <p:cNvPr id="7" name="Date Placeholder 6"/>
           <p:cNvSpPr>
             <a:spLocks noGrp="1"/>
           </p:cNvSpPr>
@@ -1611,7 +4149,7 @@
           <a:p>
             <a:fld id="{268E38F8-1819-4379-8662-1DA9710F182E}" type="datetimeFigureOut">
               <a:rPr lang="en-GB" smtClean="0"/>
-              <a:t>29/01/2017</a:t>
+              <a:t>30/01/2017</a:t>
             </a:fld>
             <a:endParaRPr lang="en-GB"/>
           </a:p>
@@ -1619,7 +4157,7 @@
       </p:sp>
       <p:sp>
         <p:nvSpPr>
-          <p:cNvPr id="8" name="Espace réservé du pied de page 7"/>
+          <p:cNvPr id="8" name="Footer Placeholder 7"/>
           <p:cNvSpPr>
             <a:spLocks noGrp="1"/>
           </p:cNvSpPr>
@@ -1638,7 +4176,7 @@
       </p:sp>
       <p:sp>
         <p:nvSpPr>
-          <p:cNvPr id="9" name="Espace réservé du numéro de diapositive 8"/>
+          <p:cNvPr id="9" name="Slide Number Placeholder 8"/>
           <p:cNvSpPr>
             <a:spLocks noGrp="1"/>
           </p:cNvSpPr>
@@ -1659,10 +4197,41 @@
           </a:p>
         </p:txBody>
       </p:sp>
+      <p:cxnSp>
+        <p:nvCxnSpPr>
+          <p:cNvPr id="18" name="Straight Connector 17"/>
+          <p:cNvCxnSpPr/>
+          <p:nvPr/>
+        </p:nvCxnSpPr>
+        <p:spPr>
+          <a:xfrm>
+            <a:off x="1396169" y="2421466"/>
+            <a:ext cx="9407298" cy="0"/>
+          </a:xfrm>
+          <a:prstGeom prst="line">
+            <a:avLst/>
+          </a:prstGeom>
+          <a:ln w="15875"/>
+        </p:spPr>
+        <p:style>
+          <a:lnRef idx="2">
+            <a:schemeClr val="accent1"/>
+          </a:lnRef>
+          <a:fillRef idx="0">
+            <a:schemeClr val="accent1"/>
+          </a:fillRef>
+          <a:effectRef idx="1">
+            <a:schemeClr val="accent1"/>
+          </a:effectRef>
+          <a:fontRef idx="minor">
+            <a:schemeClr val="tx1"/>
+          </a:fontRef>
+        </p:style>
+      </p:cxnSp>
     </p:spTree>
     <p:extLst>
       <p:ext uri="{BB962C8B-B14F-4D97-AF65-F5344CB8AC3E}">
-        <p14:creationId xmlns:p14="http://schemas.microsoft.com/office/powerpoint/2010/main" val="107987605"/>
+        <p14:creationId xmlns:p14="http://schemas.microsoft.com/office/powerpoint/2010/main" val="4188165048"/>
       </p:ext>
     </p:extLst>
   </p:cSld>
@@ -1691,7 +4260,7 @@
       </p:grpSpPr>
       <p:sp>
         <p:nvSpPr>
-          <p:cNvPr id="2" name="Titre 1"/>
+          <p:cNvPr id="2" name="Title 1"/>
           <p:cNvSpPr>
             <a:spLocks noGrp="1"/>
           </p:cNvSpPr>
@@ -1708,13 +4277,13 @@
               <a:rPr lang="fr-FR" smtClean="0"/>
               <a:t>Modifiez le style du titre</a:t>
             </a:r>
-            <a:endParaRPr lang="en-GB"/>
-          </a:p>
-        </p:txBody>
-      </p:sp>
-      <p:sp>
-        <p:nvSpPr>
-          <p:cNvPr id="3" name="Espace réservé de la date 2"/>
+            <a:endParaRPr lang="en-US" dirty="0"/>
+          </a:p>
+        </p:txBody>
+      </p:sp>
+      <p:sp>
+        <p:nvSpPr>
+          <p:cNvPr id="3" name="Date Placeholder 2"/>
           <p:cNvSpPr>
             <a:spLocks noGrp="1"/>
           </p:cNvSpPr>
@@ -1729,7 +4298,7 @@
           <a:p>
             <a:fld id="{268E38F8-1819-4379-8662-1DA9710F182E}" type="datetimeFigureOut">
               <a:rPr lang="en-GB" smtClean="0"/>
-              <a:t>29/01/2017</a:t>
+              <a:t>30/01/2017</a:t>
             </a:fld>
             <a:endParaRPr lang="en-GB"/>
           </a:p>
@@ -1737,7 +4306,7 @@
       </p:sp>
       <p:sp>
         <p:nvSpPr>
-          <p:cNvPr id="4" name="Espace réservé du pied de page 3"/>
+          <p:cNvPr id="4" name="Footer Placeholder 3"/>
           <p:cNvSpPr>
             <a:spLocks noGrp="1"/>
           </p:cNvSpPr>
@@ -1756,7 +4325,7 @@
       </p:sp>
       <p:sp>
         <p:nvSpPr>
-          <p:cNvPr id="5" name="Espace réservé du numéro de diapositive 4"/>
+          <p:cNvPr id="5" name="Slide Number Placeholder 4"/>
           <p:cNvSpPr>
             <a:spLocks noGrp="1"/>
           </p:cNvSpPr>
@@ -1777,10 +4346,41 @@
           </a:p>
         </p:txBody>
       </p:sp>
+      <p:cxnSp>
+        <p:nvCxnSpPr>
+          <p:cNvPr id="14" name="Straight Connector 13"/>
+          <p:cNvCxnSpPr/>
+          <p:nvPr/>
+        </p:nvCxnSpPr>
+        <p:spPr>
+          <a:xfrm>
+            <a:off x="1396169" y="2421466"/>
+            <a:ext cx="9407298" cy="0"/>
+          </a:xfrm>
+          <a:prstGeom prst="line">
+            <a:avLst/>
+          </a:prstGeom>
+          <a:ln w="15875"/>
+        </p:spPr>
+        <p:style>
+          <a:lnRef idx="2">
+            <a:schemeClr val="accent1"/>
+          </a:lnRef>
+          <a:fillRef idx="0">
+            <a:schemeClr val="accent1"/>
+          </a:fillRef>
+          <a:effectRef idx="1">
+            <a:schemeClr val="accent1"/>
+          </a:effectRef>
+          <a:fontRef idx="minor">
+            <a:schemeClr val="tx1"/>
+          </a:fontRef>
+        </p:style>
+      </p:cxnSp>
     </p:spTree>
     <p:extLst>
       <p:ext uri="{BB962C8B-B14F-4D97-AF65-F5344CB8AC3E}">
-        <p14:creationId xmlns:p14="http://schemas.microsoft.com/office/powerpoint/2010/main" val="2372589176"/>
+        <p14:creationId xmlns:p14="http://schemas.microsoft.com/office/powerpoint/2010/main" val="2700113720"/>
       </p:ext>
     </p:extLst>
   </p:cSld>
@@ -1809,7 +4409,7 @@
       </p:grpSpPr>
       <p:sp>
         <p:nvSpPr>
-          <p:cNvPr id="2" name="Espace réservé de la date 1"/>
+          <p:cNvPr id="2" name="Date Placeholder 1"/>
           <p:cNvSpPr>
             <a:spLocks noGrp="1"/>
           </p:cNvSpPr>
@@ -1824,7 +4424,7 @@
           <a:p>
             <a:fld id="{268E38F8-1819-4379-8662-1DA9710F182E}" type="datetimeFigureOut">
               <a:rPr lang="en-GB" smtClean="0"/>
-              <a:t>29/01/2017</a:t>
+              <a:t>30/01/2017</a:t>
             </a:fld>
             <a:endParaRPr lang="en-GB"/>
           </a:p>
@@ -1832,7 +4432,7 @@
       </p:sp>
       <p:sp>
         <p:nvSpPr>
-          <p:cNvPr id="3" name="Espace réservé du pied de page 2"/>
+          <p:cNvPr id="3" name="Footer Placeholder 2"/>
           <p:cNvSpPr>
             <a:spLocks noGrp="1"/>
           </p:cNvSpPr>
@@ -1851,7 +4451,7 @@
       </p:sp>
       <p:sp>
         <p:nvSpPr>
-          <p:cNvPr id="4" name="Espace réservé du numéro de diapositive 3"/>
+          <p:cNvPr id="4" name="Slide Number Placeholder 3"/>
           <p:cNvSpPr>
             <a:spLocks noGrp="1"/>
           </p:cNvSpPr>
@@ -1875,7 +4475,7 @@
     </p:spTree>
     <p:extLst>
       <p:ext uri="{BB962C8B-B14F-4D97-AF65-F5344CB8AC3E}">
-        <p14:creationId xmlns:p14="http://schemas.microsoft.com/office/powerpoint/2010/main" val="2169622299"/>
+        <p14:creationId xmlns:p14="http://schemas.microsoft.com/office/powerpoint/2010/main" val="3856121934"/>
       </p:ext>
     </p:extLst>
   </p:cSld>
@@ -1904,7 +4504,7 @@
       </p:grpSpPr>
       <p:sp>
         <p:nvSpPr>
-          <p:cNvPr id="2" name="Titre 1"/>
+          <p:cNvPr id="2" name="Title 1"/>
           <p:cNvSpPr>
             <a:spLocks noGrp="1"/>
           </p:cNvSpPr>
@@ -1914,15 +4514,17 @@
         </p:nvSpPr>
         <p:spPr>
           <a:xfrm>
-            <a:off x="839788" y="457200"/>
-            <a:ext cx="3932237" cy="1600200"/>
+            <a:off x="1293811" y="1388534"/>
+            <a:ext cx="3718455" cy="1371600"/>
           </a:xfrm>
         </p:spPr>
         <p:txBody>
-          <a:bodyPr anchor="b"/>
+          <a:bodyPr anchor="b">
+            <a:normAutofit/>
+          </a:bodyPr>
           <a:lstStyle>
-            <a:lvl1pPr>
-              <a:defRPr sz="3200"/>
+            <a:lvl1pPr algn="ctr">
+              <a:defRPr sz="2400" b="0"/>
             </a:lvl1pPr>
           </a:lstStyle>
           <a:p>
@@ -1930,13 +4532,13 @@
               <a:rPr lang="fr-FR" smtClean="0"/>
               <a:t>Modifiez le style du titre</a:t>
             </a:r>
-            <a:endParaRPr lang="en-GB"/>
-          </a:p>
-        </p:txBody>
-      </p:sp>
-      <p:sp>
-        <p:nvSpPr>
-          <p:cNvPr id="3" name="Espace réservé du contenu 2"/>
+            <a:endParaRPr lang="en-US" dirty="0"/>
+          </a:p>
+        </p:txBody>
+      </p:sp>
+      <p:sp>
+        <p:nvSpPr>
+          <p:cNvPr id="3" name="Content Placeholder 2"/>
           <p:cNvSpPr>
             <a:spLocks noGrp="1"/>
           </p:cNvSpPr>
@@ -1946,41 +4548,15 @@
         </p:nvSpPr>
         <p:spPr>
           <a:xfrm>
-            <a:off x="5183188" y="987425"/>
-            <a:ext cx="6172200" cy="4873625"/>
+            <a:off x="5418668" y="982131"/>
+            <a:ext cx="5469466" cy="4893735"/>
           </a:xfrm>
         </p:spPr>
         <p:txBody>
-          <a:bodyPr/>
-          <a:lstStyle>
-            <a:lvl1pPr>
-              <a:defRPr sz="3200"/>
-            </a:lvl1pPr>
-            <a:lvl2pPr>
-              <a:defRPr sz="2800"/>
-            </a:lvl2pPr>
-            <a:lvl3pPr>
-              <a:defRPr sz="2400"/>
-            </a:lvl3pPr>
-            <a:lvl4pPr>
-              <a:defRPr sz="2000"/>
-            </a:lvl4pPr>
-            <a:lvl5pPr>
-              <a:defRPr sz="2000"/>
-            </a:lvl5pPr>
-            <a:lvl6pPr>
-              <a:defRPr sz="2000"/>
-            </a:lvl6pPr>
-            <a:lvl7pPr>
-              <a:defRPr sz="2000"/>
-            </a:lvl7pPr>
-            <a:lvl8pPr>
-              <a:defRPr sz="2000"/>
-            </a:lvl8pPr>
-            <a:lvl9pPr>
-              <a:defRPr sz="2000"/>
-            </a:lvl9pPr>
-          </a:lstStyle>
+          <a:bodyPr anchor="ctr">
+            <a:normAutofit/>
+          </a:bodyPr>
+          <a:lstStyle/>
           <a:p>
             <a:pPr lvl="0"/>
             <a:r>
@@ -2015,13 +4591,13 @@
               <a:rPr lang="fr-FR" smtClean="0"/>
               <a:t>Cinquième niveau</a:t>
             </a:r>
-            <a:endParaRPr lang="en-GB"/>
-          </a:p>
-        </p:txBody>
-      </p:sp>
-      <p:sp>
-        <p:nvSpPr>
-          <p:cNvPr id="4" name="Espace réservé du texte 3"/>
+            <a:endParaRPr lang="en-US" dirty="0"/>
+          </a:p>
+        </p:txBody>
+      </p:sp>
+      <p:sp>
+        <p:nvSpPr>
+          <p:cNvPr id="4" name="Text Placeholder 3"/>
           <p:cNvSpPr>
             <a:spLocks noGrp="1"/>
           </p:cNvSpPr>
@@ -2031,48 +4607,50 @@
         </p:nvSpPr>
         <p:spPr>
           <a:xfrm>
-            <a:off x="839788" y="2057400"/>
-            <a:ext cx="3932237" cy="3811588"/>
+            <a:off x="1293811" y="3031065"/>
+            <a:ext cx="3718455" cy="2438404"/>
           </a:xfrm>
         </p:spPr>
         <p:txBody>
-          <a:bodyPr/>
+          <a:bodyPr anchor="t">
+            <a:normAutofit/>
+          </a:bodyPr>
           <a:lstStyle>
-            <a:lvl1pPr marL="0" indent="0">
+            <a:lvl1pPr marL="0" indent="0" algn="ctr">
               <a:buNone/>
               <a:defRPr sz="1600"/>
             </a:lvl1pPr>
             <a:lvl2pPr marL="457200" indent="0">
               <a:buNone/>
-              <a:defRPr sz="1400"/>
+              <a:defRPr sz="1200"/>
             </a:lvl2pPr>
             <a:lvl3pPr marL="914400" indent="0">
               <a:buNone/>
-              <a:defRPr sz="1200"/>
+              <a:defRPr sz="1000"/>
             </a:lvl3pPr>
             <a:lvl4pPr marL="1371600" indent="0">
               <a:buNone/>
-              <a:defRPr sz="1000"/>
+              <a:defRPr sz="900"/>
             </a:lvl4pPr>
             <a:lvl5pPr marL="1828800" indent="0">
               <a:buNone/>
-              <a:defRPr sz="1000"/>
+              <a:defRPr sz="900"/>
             </a:lvl5pPr>
             <a:lvl6pPr marL="2286000" indent="0">
               <a:buNone/>
-              <a:defRPr sz="1000"/>
+              <a:defRPr sz="900"/>
             </a:lvl6pPr>
             <a:lvl7pPr marL="2743200" indent="0">
               <a:buNone/>
-              <a:defRPr sz="1000"/>
+              <a:defRPr sz="900"/>
             </a:lvl7pPr>
             <a:lvl8pPr marL="3200400" indent="0">
               <a:buNone/>
-              <a:defRPr sz="1000"/>
+              <a:defRPr sz="900"/>
             </a:lvl8pPr>
             <a:lvl9pPr marL="3657600" indent="0">
               <a:buNone/>
-              <a:defRPr sz="1000"/>
+              <a:defRPr sz="900"/>
             </a:lvl9pPr>
           </a:lstStyle>
           <a:p>
@@ -2086,7 +4664,7 @@
       </p:sp>
       <p:sp>
         <p:nvSpPr>
-          <p:cNvPr id="5" name="Espace réservé de la date 4"/>
+          <p:cNvPr id="5" name="Date Placeholder 4"/>
           <p:cNvSpPr>
             <a:spLocks noGrp="1"/>
           </p:cNvSpPr>
@@ -2101,7 +4679,7 @@
           <a:p>
             <a:fld id="{268E38F8-1819-4379-8662-1DA9710F182E}" type="datetimeFigureOut">
               <a:rPr lang="en-GB" smtClean="0"/>
-              <a:t>29/01/2017</a:t>
+              <a:t>30/01/2017</a:t>
             </a:fld>
             <a:endParaRPr lang="en-GB"/>
           </a:p>
@@ -2109,7 +4687,7 @@
       </p:sp>
       <p:sp>
         <p:nvSpPr>
-          <p:cNvPr id="6" name="Espace réservé du pied de page 5"/>
+          <p:cNvPr id="6" name="Footer Placeholder 5"/>
           <p:cNvSpPr>
             <a:spLocks noGrp="1"/>
           </p:cNvSpPr>
@@ -2128,7 +4706,7 @@
       </p:sp>
       <p:sp>
         <p:nvSpPr>
-          <p:cNvPr id="7" name="Espace réservé du numéro de diapositive 6"/>
+          <p:cNvPr id="7" name="Slide Number Placeholder 6"/>
           <p:cNvSpPr>
             <a:spLocks noGrp="1"/>
           </p:cNvSpPr>
@@ -2149,10 +4727,41 @@
           </a:p>
         </p:txBody>
       </p:sp>
+      <p:cxnSp>
+        <p:nvCxnSpPr>
+          <p:cNvPr id="16" name="Straight Connector 15"/>
+          <p:cNvCxnSpPr/>
+          <p:nvPr/>
+        </p:nvCxnSpPr>
+        <p:spPr>
+          <a:xfrm>
+            <a:off x="1396169" y="2912533"/>
+            <a:ext cx="3514498" cy="0"/>
+          </a:xfrm>
+          <a:prstGeom prst="line">
+            <a:avLst/>
+          </a:prstGeom>
+          <a:ln w="15875"/>
+        </p:spPr>
+        <p:style>
+          <a:lnRef idx="2">
+            <a:schemeClr val="accent1"/>
+          </a:lnRef>
+          <a:fillRef idx="0">
+            <a:schemeClr val="accent1"/>
+          </a:fillRef>
+          <a:effectRef idx="1">
+            <a:schemeClr val="accent1"/>
+          </a:effectRef>
+          <a:fontRef idx="minor">
+            <a:schemeClr val="tx1"/>
+          </a:fontRef>
+        </p:style>
+      </p:cxnSp>
     </p:spTree>
     <p:extLst>
       <p:ext uri="{BB962C8B-B14F-4D97-AF65-F5344CB8AC3E}">
-        <p14:creationId xmlns:p14="http://schemas.microsoft.com/office/powerpoint/2010/main" val="964605520"/>
+        <p14:creationId xmlns:p14="http://schemas.microsoft.com/office/powerpoint/2010/main" val="2543072042"/>
       </p:ext>
     </p:extLst>
   </p:cSld>
@@ -2181,7 +4790,7 @@
       </p:grpSpPr>
       <p:sp>
         <p:nvSpPr>
-          <p:cNvPr id="2" name="Titre 1"/>
+          <p:cNvPr id="2" name="Title 1"/>
           <p:cNvSpPr>
             <a:spLocks noGrp="1"/>
           </p:cNvSpPr>
@@ -2191,15 +4800,17 @@
         </p:nvSpPr>
         <p:spPr>
           <a:xfrm>
-            <a:off x="839788" y="457200"/>
-            <a:ext cx="3932237" cy="1600200"/>
+            <a:off x="1295399" y="1883832"/>
+            <a:ext cx="6241816" cy="1371600"/>
           </a:xfrm>
         </p:spPr>
         <p:txBody>
-          <a:bodyPr anchor="b"/>
+          <a:bodyPr anchor="b">
+            <a:normAutofit/>
+          </a:bodyPr>
           <a:lstStyle>
-            <a:lvl1pPr>
-              <a:defRPr sz="3200"/>
+            <a:lvl1pPr algn="ctr">
+              <a:defRPr sz="2800" b="0"/>
             </a:lvl1pPr>
           </a:lstStyle>
           <a:p>
@@ -2207,15 +4818,15 @@
               <a:rPr lang="fr-FR" smtClean="0"/>
               <a:t>Modifiez le style du titre</a:t>
             </a:r>
-            <a:endParaRPr lang="en-GB"/>
-          </a:p>
-        </p:txBody>
-      </p:sp>
-      <p:sp>
-        <p:nvSpPr>
-          <p:cNvPr id="3" name="Espace réservé pour une image  2"/>
-          <p:cNvSpPr>
-            <a:spLocks noGrp="1"/>
+            <a:endParaRPr lang="en-US" dirty="0"/>
+          </a:p>
+        </p:txBody>
+      </p:sp>
+      <p:sp>
+        <p:nvSpPr>
+          <p:cNvPr id="17" name="Picture Placeholder 2"/>
+          <p:cNvSpPr>
+            <a:spLocks noGrp="1" noChangeAspect="1"/>
           </p:cNvSpPr>
           <p:nvPr>
             <p:ph type="pic" idx="1"/>
@@ -2223,112 +4834,141 @@
         </p:nvSpPr>
         <p:spPr>
           <a:xfrm>
-            <a:off x="5183188" y="987425"/>
-            <a:ext cx="6172200" cy="4873625"/>
+            <a:off x="8094831" y="1041400"/>
+            <a:ext cx="3063347" cy="4775200"/>
           </a:xfrm>
+          <a:prstGeom prst="roundRect">
+            <a:avLst>
+              <a:gd name="adj" fmla="val 0"/>
+            </a:avLst>
+          </a:prstGeom>
+          <a:ln w="57150" cmpd="thickThin">
+            <a:solidFill>
+              <a:schemeClr val="tx1">
+                <a:lumMod val="50000"/>
+                <a:lumOff val="50000"/>
+              </a:schemeClr>
+            </a:solidFill>
+            <a:miter lim="800000"/>
+          </a:ln>
+          <a:effectLst>
+            <a:innerShdw blurRad="57150" dist="38100" dir="14460000">
+              <a:srgbClr val="000000">
+                <a:alpha val="70000"/>
+              </a:srgbClr>
+            </a:innerShdw>
+          </a:effectLst>
         </p:spPr>
         <p:txBody>
-          <a:bodyPr/>
+          <a:bodyPr anchor="t">
+            <a:normAutofit/>
+          </a:bodyPr>
           <a:lstStyle>
-            <a:lvl1pPr marL="0" indent="0">
-              <a:buNone/>
-              <a:defRPr sz="3200"/>
-            </a:lvl1pPr>
-            <a:lvl2pPr marL="457200" indent="0">
-              <a:buNone/>
-              <a:defRPr sz="2800"/>
-            </a:lvl2pPr>
-            <a:lvl3pPr marL="914400" indent="0">
-              <a:buNone/>
-              <a:defRPr sz="2400"/>
-            </a:lvl3pPr>
-            <a:lvl4pPr marL="1371600" indent="0">
-              <a:buNone/>
-              <a:defRPr sz="2000"/>
-            </a:lvl4pPr>
-            <a:lvl5pPr marL="1828800" indent="0">
-              <a:buNone/>
-              <a:defRPr sz="2000"/>
-            </a:lvl5pPr>
-            <a:lvl6pPr marL="2286000" indent="0">
-              <a:buNone/>
-              <a:defRPr sz="2000"/>
-            </a:lvl6pPr>
-            <a:lvl7pPr marL="2743200" indent="0">
-              <a:buNone/>
-              <a:defRPr sz="2000"/>
-            </a:lvl7pPr>
-            <a:lvl8pPr marL="3200400" indent="0">
-              <a:buNone/>
-              <a:defRPr sz="2000"/>
-            </a:lvl8pPr>
-            <a:lvl9pPr marL="3657600" indent="0">
-              <a:buNone/>
-              <a:defRPr sz="2000"/>
-            </a:lvl9pPr>
-          </a:lstStyle>
-          <a:p>
-            <a:endParaRPr lang="en-GB"/>
-          </a:p>
-        </p:txBody>
-      </p:sp>
-      <p:sp>
-        <p:nvSpPr>
-          <p:cNvPr id="4" name="Espace réservé du texte 3"/>
-          <p:cNvSpPr>
-            <a:spLocks noGrp="1"/>
-          </p:cNvSpPr>
-          <p:nvPr>
-            <p:ph type="body" sz="half" idx="2"/>
-          </p:nvPr>
-        </p:nvSpPr>
-        <p:spPr>
-          <a:xfrm>
-            <a:off x="839788" y="2057400"/>
-            <a:ext cx="3932237" cy="3811588"/>
-          </a:xfrm>
-        </p:spPr>
-        <p:txBody>
-          <a:bodyPr/>
-          <a:lstStyle>
-            <a:lvl1pPr marL="0" indent="0">
+            <a:lvl1pPr marL="0" indent="0" algn="ctr">
               <a:buNone/>
               <a:defRPr sz="1600"/>
             </a:lvl1pPr>
             <a:lvl2pPr marL="457200" indent="0">
               <a:buNone/>
-              <a:defRPr sz="1400"/>
+              <a:defRPr sz="1600"/>
             </a:lvl2pPr>
             <a:lvl3pPr marL="914400" indent="0">
               <a:buNone/>
-              <a:defRPr sz="1200"/>
+              <a:defRPr sz="1600"/>
             </a:lvl3pPr>
             <a:lvl4pPr marL="1371600" indent="0">
               <a:buNone/>
-              <a:defRPr sz="1000"/>
+              <a:defRPr sz="1600"/>
             </a:lvl4pPr>
             <a:lvl5pPr marL="1828800" indent="0">
               <a:buNone/>
-              <a:defRPr sz="1000"/>
+              <a:defRPr sz="1600"/>
             </a:lvl5pPr>
             <a:lvl6pPr marL="2286000" indent="0">
               <a:buNone/>
-              <a:defRPr sz="1000"/>
+              <a:defRPr sz="1600"/>
             </a:lvl6pPr>
             <a:lvl7pPr marL="2743200" indent="0">
               <a:buNone/>
-              <a:defRPr sz="1000"/>
+              <a:defRPr sz="1600"/>
             </a:lvl7pPr>
             <a:lvl8pPr marL="3200400" indent="0">
               <a:buNone/>
-              <a:defRPr sz="1000"/>
+              <a:defRPr sz="1600"/>
             </a:lvl8pPr>
             <a:lvl9pPr marL="3657600" indent="0">
               <a:buNone/>
-              <a:defRPr sz="1000"/>
+              <a:defRPr sz="1600"/>
             </a:lvl9pPr>
           </a:lstStyle>
           <a:p>
+            <a:r>
+              <a:rPr lang="fr-FR" smtClean="0"/>
+              <a:t>Cliquez sur l'icône pour ajouter une image</a:t>
+            </a:r>
+            <a:endParaRPr lang="en-US" dirty="0"/>
+          </a:p>
+        </p:txBody>
+      </p:sp>
+      <p:sp>
+        <p:nvSpPr>
+          <p:cNvPr id="4" name="Text Placeholder 3"/>
+          <p:cNvSpPr>
+            <a:spLocks noGrp="1"/>
+          </p:cNvSpPr>
+          <p:nvPr>
+            <p:ph type="body" sz="half" idx="2"/>
+          </p:nvPr>
+        </p:nvSpPr>
+        <p:spPr>
+          <a:xfrm>
+            <a:off x="1295399" y="3255432"/>
+            <a:ext cx="6241816" cy="1828800"/>
+          </a:xfrm>
+        </p:spPr>
+        <p:txBody>
+          <a:bodyPr anchor="t">
+            <a:normAutofit/>
+          </a:bodyPr>
+          <a:lstStyle>
+            <a:lvl1pPr marL="0" indent="0" algn="ctr">
+              <a:buNone/>
+              <a:defRPr sz="1800"/>
+            </a:lvl1pPr>
+            <a:lvl2pPr marL="457200" indent="0">
+              <a:buNone/>
+              <a:defRPr sz="1200"/>
+            </a:lvl2pPr>
+            <a:lvl3pPr marL="914400" indent="0">
+              <a:buNone/>
+              <a:defRPr sz="1000"/>
+            </a:lvl3pPr>
+            <a:lvl4pPr marL="1371600" indent="0">
+              <a:buNone/>
+              <a:defRPr sz="900"/>
+            </a:lvl4pPr>
+            <a:lvl5pPr marL="1828800" indent="0">
+              <a:buNone/>
+              <a:defRPr sz="900"/>
+            </a:lvl5pPr>
+            <a:lvl6pPr marL="2286000" indent="0">
+              <a:buNone/>
+              <a:defRPr sz="900"/>
+            </a:lvl6pPr>
+            <a:lvl7pPr marL="2743200" indent="0">
+              <a:buNone/>
+              <a:defRPr sz="900"/>
+            </a:lvl7pPr>
+            <a:lvl8pPr marL="3200400" indent="0">
+              <a:buNone/>
+              <a:defRPr sz="900"/>
+            </a:lvl8pPr>
+            <a:lvl9pPr marL="3657600" indent="0">
+              <a:buNone/>
+              <a:defRPr sz="900"/>
+            </a:lvl9pPr>
+          </a:lstStyle>
+          <a:p>
             <a:pPr lvl="0"/>
             <a:r>
               <a:rPr lang="fr-FR" smtClean="0"/>
@@ -2339,7 +4979,7 @@
       </p:sp>
       <p:sp>
         <p:nvSpPr>
-          <p:cNvPr id="5" name="Espace réservé de la date 4"/>
+          <p:cNvPr id="5" name="Date Placeholder 4"/>
           <p:cNvSpPr>
             <a:spLocks noGrp="1"/>
           </p:cNvSpPr>
@@ -2354,7 +4994,7 @@
           <a:p>
             <a:fld id="{268E38F8-1819-4379-8662-1DA9710F182E}" type="datetimeFigureOut">
               <a:rPr lang="en-GB" smtClean="0"/>
-              <a:t>29/01/2017</a:t>
+              <a:t>30/01/2017</a:t>
             </a:fld>
             <a:endParaRPr lang="en-GB"/>
           </a:p>
@@ -2362,7 +5002,7 @@
       </p:sp>
       <p:sp>
         <p:nvSpPr>
-          <p:cNvPr id="6" name="Espace réservé du pied de page 5"/>
+          <p:cNvPr id="6" name="Footer Placeholder 5"/>
           <p:cNvSpPr>
             <a:spLocks noGrp="1"/>
           </p:cNvSpPr>
@@ -2381,7 +5021,7 @@
       </p:sp>
       <p:sp>
         <p:nvSpPr>
-          <p:cNvPr id="7" name="Espace réservé du numéro de diapositive 6"/>
+          <p:cNvPr id="7" name="Slide Number Placeholder 6"/>
           <p:cNvSpPr>
             <a:spLocks noGrp="1"/>
           </p:cNvSpPr>
@@ -2405,7 +5045,7 @@
     </p:spTree>
     <p:extLst>
       <p:ext uri="{BB962C8B-B14F-4D97-AF65-F5344CB8AC3E}">
-        <p14:creationId xmlns:p14="http://schemas.microsoft.com/office/powerpoint/2010/main" val="2394533539"/>
+        <p14:creationId xmlns:p14="http://schemas.microsoft.com/office/powerpoint/2010/main" val="2860801609"/>
       </p:ext>
     </p:extLst>
   </p:cSld>
@@ -2419,7 +5059,7 @@
 <p:sldMaster xmlns:a="http://schemas.openxmlformats.org/drawingml/2006/main" xmlns:r="http://schemas.openxmlformats.org/officeDocument/2006/relationships" xmlns:p="http://schemas.openxmlformats.org/presentationml/2006/main">
   <p:cSld>
     <p:bg>
-      <p:bgRef idx="1001">
+      <p:bgRef idx="1003">
         <a:schemeClr val="bg1"/>
       </p:bgRef>
     </p:bg>
@@ -2437,9 +5077,146 @@
           <a:chExt cx="0" cy="0"/>
         </a:xfrm>
       </p:grpSpPr>
-      <p:sp>
-        <p:nvSpPr>
-          <p:cNvPr id="2" name="Espace réservé du titre 1"/>
+      <p:grpSp>
+        <p:nvGrpSpPr>
+          <p:cNvPr id="7" name="Group 6"/>
+          <p:cNvGrpSpPr/>
+          <p:nvPr/>
+        </p:nvGrpSpPr>
+        <p:grpSpPr>
+          <a:xfrm>
+            <a:off x="-15736" y="0"/>
+            <a:ext cx="12229962" cy="6856214"/>
+            <a:chOff x="-15736" y="0"/>
+            <a:chExt cx="12229962" cy="6856214"/>
+          </a:xfrm>
+        </p:grpSpPr>
+        <p:pic>
+          <p:nvPicPr>
+            <p:cNvPr id="8" name="Picture 7" descr="HD-PanelContent.png"/>
+            <p:cNvPicPr>
+              <a:picLocks noChangeAspect="1"/>
+            </p:cNvPicPr>
+            <p:nvPr/>
+          </p:nvPicPr>
+          <p:blipFill>
+            <a:blip r:embed="rId19">
+              <a:extLst>
+                <a:ext uri="{28A0092B-C50C-407E-A947-70E740481C1C}">
+                  <a14:useLocalDpi xmlns:a14="http://schemas.microsoft.com/office/drawing/2010/main" val="0"/>
+                </a:ext>
+              </a:extLst>
+            </a:blip>
+            <a:stretch>
+              <a:fillRect/>
+            </a:stretch>
+          </p:blipFill>
+          <p:spPr>
+            <a:xfrm>
+              <a:off x="0" y="0"/>
+              <a:ext cx="12188825" cy="6856214"/>
+            </a:xfrm>
+            <a:prstGeom prst="rect">
+              <a:avLst/>
+            </a:prstGeom>
+          </p:spPr>
+        </p:pic>
+        <p:sp>
+          <p:nvSpPr>
+            <p:cNvPr id="9" name="Rectangle 8"/>
+            <p:cNvSpPr/>
+            <p:nvPr/>
+          </p:nvSpPr>
+          <p:spPr>
+            <a:xfrm>
+              <a:off x="608012" y="609600"/>
+              <a:ext cx="10972800" cy="5638800"/>
+            </a:xfrm>
+            <a:prstGeom prst="rect">
+              <a:avLst/>
+            </a:prstGeom>
+            <a:noFill/>
+            <a:ln w="15875" cap="flat">
+              <a:miter lim="800000"/>
+            </a:ln>
+          </p:spPr>
+          <p:style>
+            <a:lnRef idx="1">
+              <a:schemeClr val="accent1"/>
+            </a:lnRef>
+            <a:fillRef idx="3">
+              <a:schemeClr val="accent1"/>
+            </a:fillRef>
+            <a:effectRef idx="2">
+              <a:schemeClr val="accent1"/>
+            </a:effectRef>
+            <a:fontRef idx="minor">
+              <a:schemeClr val="lt1"/>
+            </a:fontRef>
+          </p:style>
+        </p:sp>
+        <p:pic>
+          <p:nvPicPr>
+            <p:cNvPr id="10" name="Picture 9" descr="HDRibbonContent-UniformTrim.png"/>
+            <p:cNvPicPr>
+              <a:picLocks noChangeAspect="1"/>
+            </p:cNvPicPr>
+            <p:nvPr/>
+          </p:nvPicPr>
+          <p:blipFill rotWithShape="1">
+            <a:blip r:embed="rId20">
+              <a:extLst>
+                <a:ext uri="{28A0092B-C50C-407E-A947-70E740481C1C}">
+                  <a14:useLocalDpi xmlns:a14="http://schemas.microsoft.com/office/drawing/2010/main" val="0"/>
+                </a:ext>
+              </a:extLst>
+            </a:blip>
+            <a:srcRect/>
+            <a:stretch/>
+          </p:blipFill>
+          <p:spPr>
+            <a:xfrm>
+              <a:off x="-15736" y="3153832"/>
+              <a:ext cx="777240" cy="606425"/>
+            </a:xfrm>
+            <a:prstGeom prst="rect">
+              <a:avLst/>
+            </a:prstGeom>
+          </p:spPr>
+        </p:pic>
+        <p:pic>
+          <p:nvPicPr>
+            <p:cNvPr id="11" name="Picture 10" descr="HDRibbonContent-UniformTrim.png"/>
+            <p:cNvPicPr>
+              <a:picLocks noChangeAspect="1"/>
+            </p:cNvPicPr>
+            <p:nvPr/>
+          </p:nvPicPr>
+          <p:blipFill rotWithShape="1">
+            <a:blip r:embed="rId20">
+              <a:extLst>
+                <a:ext uri="{28A0092B-C50C-407E-A947-70E740481C1C}">
+                  <a14:useLocalDpi xmlns:a14="http://schemas.microsoft.com/office/drawing/2010/main" val="0"/>
+                </a:ext>
+              </a:extLst>
+            </a:blip>
+            <a:srcRect/>
+            <a:stretch/>
+          </p:blipFill>
+          <p:spPr>
+            <a:xfrm>
+              <a:off x="11436986" y="3153832"/>
+              <a:ext cx="777240" cy="606425"/>
+            </a:xfrm>
+            <a:prstGeom prst="rect">
+              <a:avLst/>
+            </a:prstGeom>
+          </p:spPr>
+        </p:pic>
+      </p:grpSp>
+      <p:sp>
+        <p:nvSpPr>
+          <p:cNvPr id="2" name="Title Placeholder 1"/>
           <p:cNvSpPr>
             <a:spLocks noGrp="1"/>
           </p:cNvSpPr>
@@ -2449,103 +5226,145 @@
         </p:nvSpPr>
         <p:spPr>
           <a:xfrm>
-            <a:off x="838200" y="365125"/>
-            <a:ext cx="10515600" cy="1325563"/>
+            <a:off x="1295402" y="982132"/>
+            <a:ext cx="9601196" cy="1303867"/>
+          </a:xfrm>
+          <a:prstGeom prst="rect">
+            <a:avLst/>
+          </a:prstGeom>
+          <a:effectLst/>
+        </p:spPr>
+        <p:txBody>
+          <a:bodyPr vert="horz" lIns="91440" tIns="45720" rIns="91440" bIns="45720" rtlCol="0" anchor="ctr">
+            <a:normAutofit/>
+          </a:bodyPr>
+          <a:lstStyle/>
+          <a:p>
+            <a:r>
+              <a:rPr lang="fr-FR" smtClean="0"/>
+              <a:t>Modifiez le style du titre</a:t>
+            </a:r>
+            <a:endParaRPr lang="en-US" dirty="0"/>
+          </a:p>
+        </p:txBody>
+      </p:sp>
+      <p:sp>
+        <p:nvSpPr>
+          <p:cNvPr id="3" name="Text Placeholder 2"/>
+          <p:cNvSpPr>
+            <a:spLocks noGrp="1"/>
+          </p:cNvSpPr>
+          <p:nvPr>
+            <p:ph type="body" idx="1"/>
+          </p:nvPr>
+        </p:nvSpPr>
+        <p:spPr>
+          <a:xfrm>
+            <a:off x="1295401" y="2556932"/>
+            <a:ext cx="9601196" cy="3318936"/>
           </a:xfrm>
           <a:prstGeom prst="rect">
             <a:avLst/>
           </a:prstGeom>
         </p:spPr>
         <p:txBody>
-          <a:bodyPr vert="horz" lIns="91440" tIns="45720" rIns="91440" bIns="45720" rtlCol="0" anchor="ctr">
+          <a:bodyPr vert="horz" lIns="91440" tIns="45720" rIns="91440" bIns="45720" rtlCol="0" anchor="t">
             <a:normAutofit/>
           </a:bodyPr>
           <a:lstStyle/>
           <a:p>
-            <a:r>
-              <a:rPr lang="fr-FR" smtClean="0"/>
-              <a:t>Modifiez le style du titre</a:t>
-            </a:r>
-            <a:endParaRPr lang="en-GB"/>
-          </a:p>
-        </p:txBody>
-      </p:sp>
-      <p:sp>
-        <p:nvSpPr>
-          <p:cNvPr id="3" name="Espace réservé du texte 2"/>
-          <p:cNvSpPr>
-            <a:spLocks noGrp="1"/>
-          </p:cNvSpPr>
-          <p:nvPr>
-            <p:ph type="body" idx="1"/>
+            <a:pPr lvl="0"/>
+            <a:r>
+              <a:rPr lang="fr-FR" smtClean="0"/>
+              <a:t>Modifier les styles du texte du masque</a:t>
+            </a:r>
+          </a:p>
+          <a:p>
+            <a:pPr lvl="1"/>
+            <a:r>
+              <a:rPr lang="fr-FR" smtClean="0"/>
+              <a:t>Deuxième niveau</a:t>
+            </a:r>
+          </a:p>
+          <a:p>
+            <a:pPr lvl="2"/>
+            <a:r>
+              <a:rPr lang="fr-FR" smtClean="0"/>
+              <a:t>Troisième niveau</a:t>
+            </a:r>
+          </a:p>
+          <a:p>
+            <a:pPr lvl="3"/>
+            <a:r>
+              <a:rPr lang="fr-FR" smtClean="0"/>
+              <a:t>Quatrième niveau</a:t>
+            </a:r>
+          </a:p>
+          <a:p>
+            <a:pPr lvl="4"/>
+            <a:r>
+              <a:rPr lang="fr-FR" smtClean="0"/>
+              <a:t>Cinquième niveau</a:t>
+            </a:r>
+            <a:endParaRPr lang="en-US" dirty="0"/>
+          </a:p>
+        </p:txBody>
+      </p:sp>
+      <p:sp>
+        <p:nvSpPr>
+          <p:cNvPr id="4" name="Date Placeholder 3"/>
+          <p:cNvSpPr>
+            <a:spLocks noGrp="1"/>
+          </p:cNvSpPr>
+          <p:nvPr>
+            <p:ph type="dt" sz="half" idx="2"/>
           </p:nvPr>
         </p:nvSpPr>
         <p:spPr>
           <a:xfrm>
-            <a:off x="838200" y="1825625"/>
-            <a:ext cx="10515600" cy="4351338"/>
+            <a:off x="8677501" y="5969000"/>
+            <a:ext cx="1600200" cy="279400"/>
           </a:xfrm>
           <a:prstGeom prst="rect">
             <a:avLst/>
           </a:prstGeom>
         </p:spPr>
         <p:txBody>
-          <a:bodyPr vert="horz" lIns="91440" tIns="45720" rIns="91440" bIns="45720" rtlCol="0">
-            <a:normAutofit/>
-          </a:bodyPr>
-          <a:lstStyle/>
-          <a:p>
-            <a:pPr lvl="0"/>
-            <a:r>
-              <a:rPr lang="fr-FR" smtClean="0"/>
-              <a:t>Modifier les styles du texte du masque</a:t>
-            </a:r>
-          </a:p>
-          <a:p>
-            <a:pPr lvl="1"/>
-            <a:r>
-              <a:rPr lang="fr-FR" smtClean="0"/>
-              <a:t>Deuxième niveau</a:t>
-            </a:r>
-          </a:p>
-          <a:p>
-            <a:pPr lvl="2"/>
-            <a:r>
-              <a:rPr lang="fr-FR" smtClean="0"/>
-              <a:t>Troisième niveau</a:t>
-            </a:r>
-          </a:p>
-          <a:p>
-            <a:pPr lvl="3"/>
-            <a:r>
-              <a:rPr lang="fr-FR" smtClean="0"/>
-              <a:t>Quatrième niveau</a:t>
-            </a:r>
-          </a:p>
-          <a:p>
-            <a:pPr lvl="4"/>
-            <a:r>
-              <a:rPr lang="fr-FR" smtClean="0"/>
-              <a:t>Cinquième niveau</a:t>
-            </a:r>
+          <a:bodyPr vert="horz" lIns="91440" tIns="45720" rIns="91440" bIns="45720" rtlCol="0" anchor="ctr"/>
+          <a:lstStyle>
+            <a:lvl1pPr algn="r">
+              <a:defRPr sz="1000" b="0" i="0">
+                <a:solidFill>
+                  <a:schemeClr val="tx1"/>
+                </a:solidFill>
+                <a:effectLst/>
+                <a:latin typeface="+mn-lt"/>
+              </a:defRPr>
+            </a:lvl1pPr>
+          </a:lstStyle>
+          <a:p>
+            <a:fld id="{268E38F8-1819-4379-8662-1DA9710F182E}" type="datetimeFigureOut">
+              <a:rPr lang="en-GB" smtClean="0"/>
+              <a:t>30/01/2017</a:t>
+            </a:fld>
             <a:endParaRPr lang="en-GB"/>
           </a:p>
         </p:txBody>
       </p:sp>
       <p:sp>
         <p:nvSpPr>
-          <p:cNvPr id="4" name="Espace réservé de la date 3"/>
-          <p:cNvSpPr>
-            <a:spLocks noGrp="1"/>
-          </p:cNvSpPr>
-          <p:nvPr>
-            <p:ph type="dt" sz="half" idx="2"/>
+          <p:cNvPr id="5" name="Footer Placeholder 4"/>
+          <p:cNvSpPr>
+            <a:spLocks noGrp="1"/>
+          </p:cNvSpPr>
+          <p:nvPr>
+            <p:ph type="ftr" sz="quarter" idx="3"/>
           </p:nvPr>
         </p:nvSpPr>
         <p:spPr>
           <a:xfrm>
-            <a:off x="838200" y="6356350"/>
-            <a:ext cx="2743200" cy="365125"/>
+            <a:off x="1295401" y="5969000"/>
+            <a:ext cx="7305900" cy="279400"/>
           </a:xfrm>
           <a:prstGeom prst="rect">
             <a:avLst/>
@@ -2555,38 +5374,34 @@
           <a:bodyPr vert="horz" lIns="91440" tIns="45720" rIns="91440" bIns="45720" rtlCol="0" anchor="ctr"/>
           <a:lstStyle>
             <a:lvl1pPr algn="l">
-              <a:defRPr sz="1200">
-                <a:solidFill>
-                  <a:schemeClr val="tx1">
-                    <a:tint val="75000"/>
-                  </a:schemeClr>
-                </a:solidFill>
+              <a:defRPr sz="1000" b="0" i="0">
+                <a:solidFill>
+                  <a:schemeClr val="tx1"/>
+                </a:solidFill>
+                <a:effectLst/>
+                <a:latin typeface="+mn-lt"/>
               </a:defRPr>
             </a:lvl1pPr>
           </a:lstStyle>
           <a:p>
-            <a:fld id="{268E38F8-1819-4379-8662-1DA9710F182E}" type="datetimeFigureOut">
-              <a:rPr lang="en-GB" smtClean="0"/>
-              <a:t>29/01/2017</a:t>
-            </a:fld>
             <a:endParaRPr lang="en-GB"/>
           </a:p>
         </p:txBody>
       </p:sp>
       <p:sp>
         <p:nvSpPr>
-          <p:cNvPr id="5" name="Espace réservé du pied de page 4"/>
-          <p:cNvSpPr>
-            <a:spLocks noGrp="1"/>
-          </p:cNvSpPr>
-          <p:nvPr>
-            <p:ph type="ftr" sz="quarter" idx="3"/>
+          <p:cNvPr id="6" name="Slide Number Placeholder 5"/>
+          <p:cNvSpPr>
+            <a:spLocks noGrp="1"/>
+          </p:cNvSpPr>
+          <p:nvPr>
+            <p:ph type="sldNum" sz="quarter" idx="4"/>
           </p:nvPr>
         </p:nvSpPr>
         <p:spPr>
           <a:xfrm>
-            <a:off x="4038600" y="6356350"/>
-            <a:ext cx="4114800" cy="365125"/>
+            <a:off x="10353901" y="5969000"/>
+            <a:ext cx="542697" cy="279400"/>
           </a:xfrm>
           <a:prstGeom prst="rect">
             <a:avLst/>
@@ -2595,50 +5410,13 @@
         <p:txBody>
           <a:bodyPr vert="horz" lIns="91440" tIns="45720" rIns="91440" bIns="45720" rtlCol="0" anchor="ctr"/>
           <a:lstStyle>
-            <a:lvl1pPr algn="ctr">
-              <a:defRPr sz="1200">
-                <a:solidFill>
-                  <a:schemeClr val="tx1">
-                    <a:tint val="75000"/>
-                  </a:schemeClr>
-                </a:solidFill>
-              </a:defRPr>
-            </a:lvl1pPr>
-          </a:lstStyle>
-          <a:p>
-            <a:endParaRPr lang="en-GB"/>
-          </a:p>
-        </p:txBody>
-      </p:sp>
-      <p:sp>
-        <p:nvSpPr>
-          <p:cNvPr id="6" name="Espace réservé du numéro de diapositive 5"/>
-          <p:cNvSpPr>
-            <a:spLocks noGrp="1"/>
-          </p:cNvSpPr>
-          <p:nvPr>
-            <p:ph type="sldNum" sz="quarter" idx="4"/>
-          </p:nvPr>
-        </p:nvSpPr>
-        <p:spPr>
-          <a:xfrm>
-            <a:off x="8610600" y="6356350"/>
-            <a:ext cx="2743200" cy="365125"/>
-          </a:xfrm>
-          <a:prstGeom prst="rect">
-            <a:avLst/>
-          </a:prstGeom>
-        </p:spPr>
-        <p:txBody>
-          <a:bodyPr vert="horz" lIns="91440" tIns="45720" rIns="91440" bIns="45720" rtlCol="0" anchor="ctr"/>
-          <a:lstStyle>
             <a:lvl1pPr algn="r">
-              <a:defRPr sz="1200">
-                <a:solidFill>
-                  <a:schemeClr val="tx1">
-                    <a:tint val="75000"/>
-                  </a:schemeClr>
-                </a:solidFill>
+              <a:defRPr sz="1000" b="0" i="0">
+                <a:solidFill>
+                  <a:schemeClr val="tx1"/>
+                </a:solidFill>
+                <a:effectLst/>
+                <a:latin typeface="+mn-lt"/>
               </a:defRPr>
             </a:lvl1pPr>
           </a:lstStyle>
@@ -2654,202 +5432,340 @@
     </p:spTree>
     <p:extLst>
       <p:ext uri="{BB962C8B-B14F-4D97-AF65-F5344CB8AC3E}">
-        <p14:creationId xmlns:p14="http://schemas.microsoft.com/office/powerpoint/2010/main" val="1517857931"/>
+        <p14:creationId xmlns:p14="http://schemas.microsoft.com/office/powerpoint/2010/main" val="1097439352"/>
       </p:ext>
     </p:extLst>
   </p:cSld>
   <p:clrMap bg1="lt1" tx1="dk1" bg2="lt2" tx2="dk2" accent1="accent1" accent2="accent2" accent3="accent3" accent4="accent4" accent5="accent5" accent6="accent6" hlink="hlink" folHlink="folHlink"/>
   <p:sldLayoutIdLst>
-    <p:sldLayoutId id="2147483649" r:id="rId1"/>
-    <p:sldLayoutId id="2147483650" r:id="rId2"/>
-    <p:sldLayoutId id="2147483651" r:id="rId3"/>
-    <p:sldLayoutId id="2147483652" r:id="rId4"/>
-    <p:sldLayoutId id="2147483653" r:id="rId5"/>
-    <p:sldLayoutId id="2147483654" r:id="rId6"/>
-    <p:sldLayoutId id="2147483655" r:id="rId7"/>
-    <p:sldLayoutId id="2147483656" r:id="rId8"/>
-    <p:sldLayoutId id="2147483657" r:id="rId9"/>
-    <p:sldLayoutId id="2147483658" r:id="rId10"/>
-    <p:sldLayoutId id="2147483659" r:id="rId11"/>
+    <p:sldLayoutId id="2147483661" r:id="rId1"/>
+    <p:sldLayoutId id="2147483662" r:id="rId2"/>
+    <p:sldLayoutId id="2147483663" r:id="rId3"/>
+    <p:sldLayoutId id="2147483664" r:id="rId4"/>
+    <p:sldLayoutId id="2147483665" r:id="rId5"/>
+    <p:sldLayoutId id="2147483666" r:id="rId6"/>
+    <p:sldLayoutId id="2147483667" r:id="rId7"/>
+    <p:sldLayoutId id="2147483668" r:id="rId8"/>
+    <p:sldLayoutId id="2147483669" r:id="rId9"/>
+    <p:sldLayoutId id="2147483670" r:id="rId10"/>
+    <p:sldLayoutId id="2147483671" r:id="rId11"/>
+    <p:sldLayoutId id="2147483672" r:id="rId12"/>
+    <p:sldLayoutId id="2147483673" r:id="rId13"/>
+    <p:sldLayoutId id="2147483674" r:id="rId14"/>
+    <p:sldLayoutId id="2147483675" r:id="rId15"/>
+    <p:sldLayoutId id="2147483676" r:id="rId16"/>
+    <p:sldLayoutId id="2147483677" r:id="rId17"/>
   </p:sldLayoutIdLst>
   <p:txStyles>
     <p:titleStyle>
-      <a:lvl1pPr algn="l" defTabSz="914400" rtl="0" eaLnBrk="1" latinLnBrk="0" hangingPunct="1">
-        <a:lnSpc>
-          <a:spcPct val="90000"/>
-        </a:lnSpc>
+      <a:lvl1pPr algn="ctr" defTabSz="457200" rtl="0" eaLnBrk="1" latinLnBrk="0" hangingPunct="1">
         <a:spcBef>
           <a:spcPct val="0"/>
         </a:spcBef>
         <a:buNone/>
-        <a:defRPr sz="4400" kern="1200">
+        <a:defRPr sz="4400" kern="1200" cap="none">
+          <a:ln w="3175" cmpd="sng">
+            <a:noFill/>
+          </a:ln>
           <a:solidFill>
-            <a:schemeClr val="tx1"/>
+            <a:schemeClr val="tx1">
+              <a:lumMod val="85000"/>
+              <a:lumOff val="15000"/>
+            </a:schemeClr>
           </a:solidFill>
+          <a:effectLst/>
           <a:latin typeface="+mj-lt"/>
           <a:ea typeface="+mj-ea"/>
           <a:cs typeface="+mj-cs"/>
         </a:defRPr>
       </a:lvl1pPr>
+      <a:lvl2pPr eaLnBrk="1" hangingPunct="1">
+        <a:defRPr>
+          <a:solidFill>
+            <a:schemeClr val="tx2"/>
+          </a:solidFill>
+        </a:defRPr>
+      </a:lvl2pPr>
+      <a:lvl3pPr eaLnBrk="1" hangingPunct="1">
+        <a:defRPr>
+          <a:solidFill>
+            <a:schemeClr val="tx2"/>
+          </a:solidFill>
+        </a:defRPr>
+      </a:lvl3pPr>
+      <a:lvl4pPr eaLnBrk="1" hangingPunct="1">
+        <a:defRPr>
+          <a:solidFill>
+            <a:schemeClr val="tx2"/>
+          </a:solidFill>
+        </a:defRPr>
+      </a:lvl4pPr>
+      <a:lvl5pPr eaLnBrk="1" hangingPunct="1">
+        <a:defRPr>
+          <a:solidFill>
+            <a:schemeClr val="tx2"/>
+          </a:solidFill>
+        </a:defRPr>
+      </a:lvl5pPr>
+      <a:lvl6pPr eaLnBrk="1" hangingPunct="1">
+        <a:defRPr>
+          <a:solidFill>
+            <a:schemeClr val="tx2"/>
+          </a:solidFill>
+        </a:defRPr>
+      </a:lvl6pPr>
+      <a:lvl7pPr eaLnBrk="1" hangingPunct="1">
+        <a:defRPr>
+          <a:solidFill>
+            <a:schemeClr val="tx2"/>
+          </a:solidFill>
+        </a:defRPr>
+      </a:lvl7pPr>
+      <a:lvl8pPr eaLnBrk="1" hangingPunct="1">
+        <a:defRPr>
+          <a:solidFill>
+            <a:schemeClr val="tx2"/>
+          </a:solidFill>
+        </a:defRPr>
+      </a:lvl8pPr>
+      <a:lvl9pPr eaLnBrk="1" hangingPunct="1">
+        <a:defRPr>
+          <a:solidFill>
+            <a:schemeClr val="tx2"/>
+          </a:solidFill>
+        </a:defRPr>
+      </a:lvl9pPr>
     </p:titleStyle>
     <p:bodyStyle>
-      <a:lvl1pPr marL="228600" indent="-228600" algn="l" defTabSz="914400" rtl="0" eaLnBrk="1" latinLnBrk="0" hangingPunct="1">
-        <a:lnSpc>
-          <a:spcPct val="90000"/>
-        </a:lnSpc>
+      <a:lvl1pPr marL="285750" indent="-285750" algn="l" defTabSz="457200" rtl="0" eaLnBrk="1" latinLnBrk="0" hangingPunct="1">
         <a:spcBef>
-          <a:spcPts val="1000"/>
+          <a:spcPct val="20000"/>
         </a:spcBef>
-        <a:buFont typeface="Arial" panose="020B0604020202020204" pitchFamily="34" charset="0"/>
+        <a:spcAft>
+          <a:spcPts val="600"/>
+        </a:spcAft>
+        <a:buClr>
+          <a:schemeClr val="accent1"/>
+        </a:buClr>
+        <a:buSzPct val="115000"/>
+        <a:buFont typeface="Arial"/>
         <a:buChar char="•"/>
-        <a:defRPr sz="2800" kern="1200">
+        <a:defRPr sz="2400" kern="1200" cap="none">
           <a:solidFill>
-            <a:schemeClr val="tx1"/>
+            <a:schemeClr val="tx1">
+              <a:lumMod val="85000"/>
+              <a:lumOff val="15000"/>
+            </a:schemeClr>
           </a:solidFill>
+          <a:effectLst/>
           <a:latin typeface="+mn-lt"/>
           <a:ea typeface="+mn-ea"/>
           <a:cs typeface="+mn-cs"/>
         </a:defRPr>
       </a:lvl1pPr>
-      <a:lvl2pPr marL="685800" indent="-228600" algn="l" defTabSz="914400" rtl="0" eaLnBrk="1" latinLnBrk="0" hangingPunct="1">
-        <a:lnSpc>
-          <a:spcPct val="90000"/>
-        </a:lnSpc>
+      <a:lvl2pPr marL="742950" indent="-285750" algn="l" defTabSz="457200" rtl="0" eaLnBrk="1" latinLnBrk="0" hangingPunct="1">
         <a:spcBef>
-          <a:spcPts val="500"/>
+          <a:spcPct val="20000"/>
         </a:spcBef>
-        <a:buFont typeface="Arial" panose="020B0604020202020204" pitchFamily="34" charset="0"/>
+        <a:spcAft>
+          <a:spcPts val="600"/>
+        </a:spcAft>
+        <a:buClr>
+          <a:schemeClr val="accent1"/>
+        </a:buClr>
+        <a:buSzPct val="115000"/>
+        <a:buFont typeface="Arial"/>
         <a:buChar char="•"/>
-        <a:defRPr sz="2400" kern="1200">
+        <a:defRPr sz="2000" kern="1200" cap="none">
           <a:solidFill>
-            <a:schemeClr val="tx1"/>
+            <a:schemeClr val="tx1">
+              <a:lumMod val="85000"/>
+              <a:lumOff val="15000"/>
+            </a:schemeClr>
           </a:solidFill>
+          <a:effectLst/>
           <a:latin typeface="+mn-lt"/>
           <a:ea typeface="+mn-ea"/>
           <a:cs typeface="+mn-cs"/>
         </a:defRPr>
       </a:lvl2pPr>
-      <a:lvl3pPr marL="1143000" indent="-228600" algn="l" defTabSz="914400" rtl="0" eaLnBrk="1" latinLnBrk="0" hangingPunct="1">
-        <a:lnSpc>
-          <a:spcPct val="90000"/>
-        </a:lnSpc>
+      <a:lvl3pPr marL="1200150" indent="-285750" algn="l" defTabSz="457200" rtl="0" eaLnBrk="1" latinLnBrk="0" hangingPunct="1">
         <a:spcBef>
-          <a:spcPts val="500"/>
+          <a:spcPct val="20000"/>
         </a:spcBef>
-        <a:buFont typeface="Arial" panose="020B0604020202020204" pitchFamily="34" charset="0"/>
+        <a:spcAft>
+          <a:spcPts val="600"/>
+        </a:spcAft>
+        <a:buClr>
+          <a:schemeClr val="accent1"/>
+        </a:buClr>
+        <a:buSzPct val="115000"/>
+        <a:buFont typeface="Arial"/>
         <a:buChar char="•"/>
-        <a:defRPr sz="2000" kern="1200">
+        <a:defRPr sz="1800" kern="1200" cap="none">
           <a:solidFill>
-            <a:schemeClr val="tx1"/>
+            <a:schemeClr val="tx1">
+              <a:lumMod val="85000"/>
+              <a:lumOff val="15000"/>
+            </a:schemeClr>
           </a:solidFill>
+          <a:effectLst/>
           <a:latin typeface="+mn-lt"/>
           <a:ea typeface="+mn-ea"/>
           <a:cs typeface="+mn-cs"/>
         </a:defRPr>
       </a:lvl3pPr>
-      <a:lvl4pPr marL="1600200" indent="-228600" algn="l" defTabSz="914400" rtl="0" eaLnBrk="1" latinLnBrk="0" hangingPunct="1">
-        <a:lnSpc>
-          <a:spcPct val="90000"/>
-        </a:lnSpc>
+      <a:lvl4pPr marL="1543050" indent="-171450" algn="l" defTabSz="457200" rtl="0" eaLnBrk="1" latinLnBrk="0" hangingPunct="1">
         <a:spcBef>
-          <a:spcPts val="500"/>
+          <a:spcPct val="20000"/>
         </a:spcBef>
-        <a:buFont typeface="Arial" panose="020B0604020202020204" pitchFamily="34" charset="0"/>
+        <a:spcAft>
+          <a:spcPts val="600"/>
+        </a:spcAft>
+        <a:buClr>
+          <a:schemeClr val="accent1"/>
+        </a:buClr>
+        <a:buSzPct val="115000"/>
+        <a:buFont typeface="Arial"/>
         <a:buChar char="•"/>
-        <a:defRPr sz="1800" kern="1200">
+        <a:defRPr sz="1600" kern="1200" cap="none">
           <a:solidFill>
-            <a:schemeClr val="tx1"/>
+            <a:schemeClr val="tx1">
+              <a:lumMod val="85000"/>
+              <a:lumOff val="15000"/>
+            </a:schemeClr>
           </a:solidFill>
+          <a:effectLst/>
           <a:latin typeface="+mn-lt"/>
           <a:ea typeface="+mn-ea"/>
           <a:cs typeface="+mn-cs"/>
         </a:defRPr>
       </a:lvl4pPr>
-      <a:lvl5pPr marL="2057400" indent="-228600" algn="l" defTabSz="914400" rtl="0" eaLnBrk="1" latinLnBrk="0" hangingPunct="1">
-        <a:lnSpc>
-          <a:spcPct val="90000"/>
-        </a:lnSpc>
+      <a:lvl5pPr marL="2000250" indent="-171450" algn="l" defTabSz="457200" rtl="0" eaLnBrk="1" latinLnBrk="0" hangingPunct="1">
         <a:spcBef>
-          <a:spcPts val="500"/>
+          <a:spcPct val="20000"/>
         </a:spcBef>
-        <a:buFont typeface="Arial" panose="020B0604020202020204" pitchFamily="34" charset="0"/>
+        <a:spcAft>
+          <a:spcPts val="600"/>
+        </a:spcAft>
+        <a:buClr>
+          <a:schemeClr val="accent1"/>
+        </a:buClr>
+        <a:buSzPct val="115000"/>
+        <a:buFont typeface="Arial"/>
         <a:buChar char="•"/>
-        <a:defRPr sz="1800" kern="1200">
+        <a:defRPr sz="1400" kern="1200" cap="none">
           <a:solidFill>
-            <a:schemeClr val="tx1"/>
+            <a:schemeClr val="tx1">
+              <a:lumMod val="85000"/>
+              <a:lumOff val="15000"/>
+            </a:schemeClr>
           </a:solidFill>
+          <a:effectLst/>
           <a:latin typeface="+mn-lt"/>
           <a:ea typeface="+mn-ea"/>
           <a:cs typeface="+mn-cs"/>
         </a:defRPr>
       </a:lvl5pPr>
-      <a:lvl6pPr marL="2514600" indent="-228600" algn="l" defTabSz="914400" rtl="0" eaLnBrk="1" latinLnBrk="0" hangingPunct="1">
-        <a:lnSpc>
-          <a:spcPct val="90000"/>
-        </a:lnSpc>
+      <a:lvl6pPr marL="2514600" indent="-228600" algn="l" defTabSz="457200" rtl="0" eaLnBrk="1" latinLnBrk="0" hangingPunct="1">
         <a:spcBef>
-          <a:spcPts val="500"/>
+          <a:spcPct val="20000"/>
         </a:spcBef>
-        <a:buFont typeface="Arial" panose="020B0604020202020204" pitchFamily="34" charset="0"/>
+        <a:spcAft>
+          <a:spcPts val="600"/>
+        </a:spcAft>
+        <a:buClr>
+          <a:schemeClr val="accent1"/>
+        </a:buClr>
+        <a:buSzPct val="115000"/>
+        <a:buFont typeface="Arial"/>
         <a:buChar char="•"/>
-        <a:defRPr sz="1800" kern="1200">
+        <a:defRPr sz="1400" kern="1200" cap="none">
           <a:solidFill>
-            <a:schemeClr val="tx1"/>
+            <a:schemeClr val="tx1">
+              <a:lumMod val="85000"/>
+              <a:lumOff val="15000"/>
+            </a:schemeClr>
           </a:solidFill>
+          <a:effectLst/>
           <a:latin typeface="+mn-lt"/>
           <a:ea typeface="+mn-ea"/>
           <a:cs typeface="+mn-cs"/>
         </a:defRPr>
       </a:lvl6pPr>
-      <a:lvl7pPr marL="2971800" indent="-228600" algn="l" defTabSz="914400" rtl="0" eaLnBrk="1" latinLnBrk="0" hangingPunct="1">
-        <a:lnSpc>
-          <a:spcPct val="90000"/>
-        </a:lnSpc>
+      <a:lvl7pPr marL="2971800" indent="-228600" algn="l" defTabSz="457200" rtl="0" eaLnBrk="1" latinLnBrk="0" hangingPunct="1">
         <a:spcBef>
-          <a:spcPts val="500"/>
+          <a:spcPct val="20000"/>
         </a:spcBef>
-        <a:buFont typeface="Arial" panose="020B0604020202020204" pitchFamily="34" charset="0"/>
+        <a:spcAft>
+          <a:spcPts val="600"/>
+        </a:spcAft>
+        <a:buClr>
+          <a:schemeClr val="accent1"/>
+        </a:buClr>
+        <a:buSzPct val="115000"/>
+        <a:buFont typeface="Arial"/>
         <a:buChar char="•"/>
-        <a:defRPr sz="1800" kern="1200">
+        <a:defRPr sz="1400" kern="1200" cap="none">
           <a:solidFill>
-            <a:schemeClr val="tx1"/>
+            <a:schemeClr val="tx1">
+              <a:lumMod val="85000"/>
+              <a:lumOff val="15000"/>
+            </a:schemeClr>
           </a:solidFill>
+          <a:effectLst/>
           <a:latin typeface="+mn-lt"/>
           <a:ea typeface="+mn-ea"/>
           <a:cs typeface="+mn-cs"/>
         </a:defRPr>
       </a:lvl7pPr>
-      <a:lvl8pPr marL="3429000" indent="-228600" algn="l" defTabSz="914400" rtl="0" eaLnBrk="1" latinLnBrk="0" hangingPunct="1">
-        <a:lnSpc>
-          <a:spcPct val="90000"/>
-        </a:lnSpc>
+      <a:lvl8pPr marL="3429000" indent="-228600" algn="l" defTabSz="457200" rtl="0" eaLnBrk="1" latinLnBrk="0" hangingPunct="1">
         <a:spcBef>
-          <a:spcPts val="500"/>
+          <a:spcPct val="20000"/>
         </a:spcBef>
-        <a:buFont typeface="Arial" panose="020B0604020202020204" pitchFamily="34" charset="0"/>
+        <a:spcAft>
+          <a:spcPts val="600"/>
+        </a:spcAft>
+        <a:buClr>
+          <a:schemeClr val="accent1"/>
+        </a:buClr>
+        <a:buSzPct val="115000"/>
+        <a:buFont typeface="Arial"/>
         <a:buChar char="•"/>
-        <a:defRPr sz="1800" kern="1200">
+        <a:defRPr sz="1400" kern="1200" cap="none">
           <a:solidFill>
-            <a:schemeClr val="tx1"/>
+            <a:schemeClr val="tx1">
+              <a:lumMod val="85000"/>
+              <a:lumOff val="15000"/>
+            </a:schemeClr>
           </a:solidFill>
+          <a:effectLst/>
           <a:latin typeface="+mn-lt"/>
           <a:ea typeface="+mn-ea"/>
           <a:cs typeface="+mn-cs"/>
         </a:defRPr>
       </a:lvl8pPr>
-      <a:lvl9pPr marL="3886200" indent="-228600" algn="l" defTabSz="914400" rtl="0" eaLnBrk="1" latinLnBrk="0" hangingPunct="1">
-        <a:lnSpc>
-          <a:spcPct val="90000"/>
-        </a:lnSpc>
+      <a:lvl9pPr marL="3886200" indent="-228600" algn="l" defTabSz="457200" rtl="0" eaLnBrk="1" latinLnBrk="0" hangingPunct="1">
         <a:spcBef>
-          <a:spcPts val="500"/>
+          <a:spcPct val="20000"/>
         </a:spcBef>
-        <a:buFont typeface="Arial" panose="020B0604020202020204" pitchFamily="34" charset="0"/>
+        <a:spcAft>
+          <a:spcPts val="600"/>
+        </a:spcAft>
+        <a:buClr>
+          <a:schemeClr val="accent1"/>
+        </a:buClr>
+        <a:buSzPct val="115000"/>
+        <a:buFont typeface="Arial"/>
         <a:buChar char="•"/>
-        <a:defRPr sz="1800" kern="1200">
+        <a:defRPr sz="1400" kern="1200" cap="none">
           <a:solidFill>
-            <a:schemeClr val="tx1"/>
+            <a:schemeClr val="tx1">
+              <a:lumMod val="85000"/>
+              <a:lumOff val="15000"/>
+            </a:schemeClr>
           </a:solidFill>
+          <a:effectLst/>
           <a:latin typeface="+mn-lt"/>
           <a:ea typeface="+mn-ea"/>
           <a:cs typeface="+mn-cs"/>
@@ -2860,7 +5776,7 @@
       <a:defPPr>
         <a:defRPr lang="en-US"/>
       </a:defPPr>
-      <a:lvl1pPr marL="0" algn="l" defTabSz="914400" rtl="0" eaLnBrk="1" latinLnBrk="0" hangingPunct="1">
+      <a:lvl1pPr marL="0" algn="l" defTabSz="457200" rtl="0" eaLnBrk="1" latinLnBrk="0" hangingPunct="1">
         <a:defRPr sz="1800" kern="1200">
           <a:solidFill>
             <a:schemeClr val="tx1"/>
@@ -2870,7 +5786,7 @@
           <a:cs typeface="+mn-cs"/>
         </a:defRPr>
       </a:lvl1pPr>
-      <a:lvl2pPr marL="457200" algn="l" defTabSz="914400" rtl="0" eaLnBrk="1" latinLnBrk="0" hangingPunct="1">
+      <a:lvl2pPr marL="457200" algn="l" defTabSz="457200" rtl="0" eaLnBrk="1" latinLnBrk="0" hangingPunct="1">
         <a:defRPr sz="1800" kern="1200">
           <a:solidFill>
             <a:schemeClr val="tx1"/>
@@ -2880,7 +5796,7 @@
           <a:cs typeface="+mn-cs"/>
         </a:defRPr>
       </a:lvl2pPr>
-      <a:lvl3pPr marL="914400" algn="l" defTabSz="914400" rtl="0" eaLnBrk="1" latinLnBrk="0" hangingPunct="1">
+      <a:lvl3pPr marL="914400" algn="l" defTabSz="457200" rtl="0" eaLnBrk="1" latinLnBrk="0" hangingPunct="1">
         <a:defRPr sz="1800" kern="1200">
           <a:solidFill>
             <a:schemeClr val="tx1"/>
@@ -2890,7 +5806,7 @@
           <a:cs typeface="+mn-cs"/>
         </a:defRPr>
       </a:lvl3pPr>
-      <a:lvl4pPr marL="1371600" algn="l" defTabSz="914400" rtl="0" eaLnBrk="1" latinLnBrk="0" hangingPunct="1">
+      <a:lvl4pPr marL="1371600" algn="l" defTabSz="457200" rtl="0" eaLnBrk="1" latinLnBrk="0" hangingPunct="1">
         <a:defRPr sz="1800" kern="1200">
           <a:solidFill>
             <a:schemeClr val="tx1"/>
@@ -2900,7 +5816,7 @@
           <a:cs typeface="+mn-cs"/>
         </a:defRPr>
       </a:lvl4pPr>
-      <a:lvl5pPr marL="1828800" algn="l" defTabSz="914400" rtl="0" eaLnBrk="1" latinLnBrk="0" hangingPunct="1">
+      <a:lvl5pPr marL="1828800" algn="l" defTabSz="457200" rtl="0" eaLnBrk="1" latinLnBrk="0" hangingPunct="1">
         <a:defRPr sz="1800" kern="1200">
           <a:solidFill>
             <a:schemeClr val="tx1"/>
@@ -2910,7 +5826,7 @@
           <a:cs typeface="+mn-cs"/>
         </a:defRPr>
       </a:lvl5pPr>
-      <a:lvl6pPr marL="2286000" algn="l" defTabSz="914400" rtl="0" eaLnBrk="1" latinLnBrk="0" hangingPunct="1">
+      <a:lvl6pPr marL="2286000" algn="l" defTabSz="457200" rtl="0" eaLnBrk="1" latinLnBrk="0" hangingPunct="1">
         <a:defRPr sz="1800" kern="1200">
           <a:solidFill>
             <a:schemeClr val="tx1"/>
@@ -2920,7 +5836,7 @@
           <a:cs typeface="+mn-cs"/>
         </a:defRPr>
       </a:lvl6pPr>
-      <a:lvl7pPr marL="2743200" algn="l" defTabSz="914400" rtl="0" eaLnBrk="1" latinLnBrk="0" hangingPunct="1">
+      <a:lvl7pPr marL="2743200" algn="l" defTabSz="457200" rtl="0" eaLnBrk="1" latinLnBrk="0" hangingPunct="1">
         <a:defRPr sz="1800" kern="1200">
           <a:solidFill>
             <a:schemeClr val="tx1"/>
@@ -2930,7 +5846,7 @@
           <a:cs typeface="+mn-cs"/>
         </a:defRPr>
       </a:lvl7pPr>
-      <a:lvl8pPr marL="3200400" algn="l" defTabSz="914400" rtl="0" eaLnBrk="1" latinLnBrk="0" hangingPunct="1">
+      <a:lvl8pPr marL="3200400" algn="l" defTabSz="457200" rtl="0" eaLnBrk="1" latinLnBrk="0" hangingPunct="1">
         <a:defRPr sz="1800" kern="1200">
           <a:solidFill>
             <a:schemeClr val="tx1"/>
@@ -2940,7 +5856,7 @@
           <a:cs typeface="+mn-cs"/>
         </a:defRPr>
       </a:lvl8pPr>
-      <a:lvl9pPr marL="3657600" algn="l" defTabSz="914400" rtl="0" eaLnBrk="1" latinLnBrk="0" hangingPunct="1">
+      <a:lvl9pPr marL="3657600" algn="l" defTabSz="457200" rtl="0" eaLnBrk="1" latinLnBrk="0" hangingPunct="1">
         <a:defRPr sz="1800" kern="1200">
           <a:solidFill>
             <a:schemeClr val="tx1"/>
@@ -2989,7 +5905,11 @@
           <a:p>
             <a:r>
               <a:rPr lang="fr-FR" dirty="0" smtClean="0"/>
-              <a:t>Fond de placard</a:t>
+              <a:t>Fond de </a:t>
+            </a:r>
+            <a:r>
+              <a:rPr lang="fr-FR" dirty="0" smtClean="0"/>
+              <a:t>Placard</a:t>
             </a:r>
             <a:endParaRPr lang="en-GB" dirty="0"/>
           </a:p>
@@ -3010,10 +5930,44 @@
           <a:bodyPr/>
           <a:lstStyle/>
           <a:p>
-            <a:endParaRPr lang="en-GB"/>
-          </a:p>
-        </p:txBody>
-      </p:sp>
+            <a:r>
+              <a:rPr lang="fr-FR" dirty="0" smtClean="0"/>
+              <a:t>« Trouver rapidement une recette facile en fonction de vos ingrédients.»</a:t>
+            </a:r>
+            <a:endParaRPr lang="en-GB" dirty="0"/>
+          </a:p>
+        </p:txBody>
+      </p:sp>
+      <p:pic>
+        <p:nvPicPr>
+          <p:cNvPr id="4" name="Image 3"/>
+          <p:cNvPicPr>
+            <a:picLocks noChangeAspect="1"/>
+          </p:cNvPicPr>
+          <p:nvPr/>
+        </p:nvPicPr>
+        <p:blipFill>
+          <a:blip r:embed="rId2" cstate="print">
+            <a:extLst>
+              <a:ext uri="{28A0092B-C50C-407E-A947-70E740481C1C}">
+                <a14:useLocalDpi xmlns:a14="http://schemas.microsoft.com/office/drawing/2010/main" val="0"/>
+              </a:ext>
+            </a:extLst>
+          </a:blip>
+          <a:stretch>
+            <a:fillRect/>
+          </a:stretch>
+        </p:blipFill>
+        <p:spPr>
+          <a:xfrm rot="21301043">
+            <a:off x="1519676" y="427475"/>
+            <a:ext cx="2345444" cy="2345444"/>
+          </a:xfrm>
+          <a:prstGeom prst="rect">
+            <a:avLst/>
+          </a:prstGeom>
+        </p:spPr>
+      </p:pic>
     </p:spTree>
     <p:extLst>
       <p:ext uri="{BB962C8B-B14F-4D97-AF65-F5344CB8AC3E}">
@@ -3024,6 +5978,13 @@
   <p:clrMapOvr>
     <a:masterClrMapping/>
   </p:clrMapOvr>
+  <p:timing>
+    <p:tnLst>
+      <p:par>
+        <p:cTn id="1" dur="indefinite" restart="never" nodeType="tmRoot"/>
+      </p:par>
+    </p:tnLst>
+  </p:timing>
 </p:sld>
 </file>
 
@@ -3079,7 +6040,9 @@
         </p:nvSpPr>
         <p:spPr/>
         <p:txBody>
-          <a:bodyPr/>
+          <a:bodyPr>
+            <a:normAutofit fontScale="92500" lnSpcReduction="20000"/>
+          </a:bodyPr>
           <a:lstStyle/>
           <a:p>
             <a:r>
@@ -3090,11 +6053,7 @@
           <a:p>
             <a:r>
               <a:rPr lang="fr-FR" dirty="0" smtClean="0"/>
-              <a:t>Présentation </a:t>
-            </a:r>
-            <a:r>
-              <a:rPr lang="fr-FR" dirty="0" smtClean="0"/>
-              <a:t>du projet</a:t>
+              <a:t>Présentation du projet</a:t>
             </a:r>
           </a:p>
           <a:p>
@@ -3114,15 +6073,9 @@
           <a:p>
             <a:r>
               <a:rPr lang="fr-FR" dirty="0" smtClean="0"/>
-              <a:t>Technologie utilisé</a:t>
+              <a:t>Démonstration</a:t>
             </a:r>
             <a:endParaRPr lang="fr-FR" dirty="0" smtClean="0"/>
-          </a:p>
-          <a:p>
-            <a:r>
-              <a:rPr lang="fr-FR" dirty="0" smtClean="0"/>
-              <a:t>Démonstration</a:t>
-            </a:r>
           </a:p>
           <a:p>
             <a:r>
@@ -3133,7 +6086,11 @@
           <a:p>
             <a:r>
               <a:rPr lang="fr-FR" dirty="0" smtClean="0"/>
-              <a:t>Problèmes rencontrer</a:t>
+              <a:t>Problèmes </a:t>
+            </a:r>
+            <a:r>
+              <a:rPr lang="fr-FR" dirty="0" smtClean="0"/>
+              <a:t>rencontrés</a:t>
             </a:r>
             <a:endParaRPr lang="fr-FR" dirty="0" smtClean="0"/>
           </a:p>
@@ -3156,6 +6113,13 @@
   <p:clrMapOvr>
     <a:masterClrMapping/>
   </p:clrMapOvr>
+  <p:timing>
+    <p:tnLst>
+      <p:par>
+        <p:cTn id="1" dur="indefinite" restart="never" nodeType="tmRoot"/>
+      </p:par>
+    </p:tnLst>
+  </p:timing>
 </p:sld>
 </file>
 
@@ -3216,10 +6180,12 @@
           <a:p>
             <a:r>
               <a:rPr lang="fr-FR" dirty="0" smtClean="0"/>
-              <a:t>Idée de base</a:t>
-            </a:r>
-          </a:p>
-          <a:p>
+              <a:t>Idée de </a:t>
+            </a:r>
+            <a:r>
+              <a:rPr lang="fr-FR" dirty="0" smtClean="0"/>
+              <a:t>base</a:t>
+            </a:r>
             <a:endParaRPr lang="fr-FR" dirty="0" smtClean="0"/>
           </a:p>
           <a:p>
@@ -3232,9 +6198,19 @@
             </a:r>
           </a:p>
           <a:p>
+            <a:r>
+              <a:rPr lang="fr-FR" dirty="0" smtClean="0"/>
+              <a:t>Particularité</a:t>
+            </a:r>
+          </a:p>
+          <a:p>
             <a:pPr marL="0" indent="0">
               <a:buNone/>
             </a:pPr>
+            <a:r>
+              <a:rPr lang="fr-FR" dirty="0" smtClean="0"/>
+              <a:t>Recettes faciles, proposition de soirées à thèmes, communauté étudiante</a:t>
+            </a:r>
             <a:endParaRPr lang="fr-FR" dirty="0"/>
           </a:p>
           <a:p>
@@ -3258,6 +6234,235 @@
   <p:clrMapOvr>
     <a:masterClrMapping/>
   </p:clrMapOvr>
+  <p:timing>
+    <p:tnLst>
+      <p:par>
+        <p:cTn id="1" dur="indefinite" restart="never" nodeType="tmRoot">
+          <p:childTnLst>
+            <p:seq concurrent="1" nextAc="seek">
+              <p:cTn id="2" dur="indefinite" nodeType="mainSeq">
+                <p:childTnLst>
+                  <p:par>
+                    <p:cTn id="3" fill="hold">
+                      <p:stCondLst>
+                        <p:cond delay="indefinite"/>
+                      </p:stCondLst>
+                      <p:childTnLst>
+                        <p:par>
+                          <p:cTn id="4" fill="hold">
+                            <p:stCondLst>
+                              <p:cond delay="0"/>
+                            </p:stCondLst>
+                            <p:childTnLst>
+                              <p:par>
+                                <p:cTn id="5" presetID="1" presetClass="entr" presetSubtype="0" fill="hold" grpId="0" nodeType="clickEffect">
+                                  <p:stCondLst>
+                                    <p:cond delay="0"/>
+                                  </p:stCondLst>
+                                  <p:childTnLst>
+                                    <p:set>
+                                      <p:cBhvr>
+                                        <p:cTn id="6" dur="1" fill="hold">
+                                          <p:stCondLst>
+                                            <p:cond delay="0"/>
+                                          </p:stCondLst>
+                                        </p:cTn>
+                                        <p:tgtEl>
+                                          <p:spTgt spid="3">
+                                            <p:txEl>
+                                              <p:pRg st="0" end="0"/>
+                                            </p:txEl>
+                                          </p:spTgt>
+                                        </p:tgtEl>
+                                        <p:attrNameLst>
+                                          <p:attrName>style.visibility</p:attrName>
+                                        </p:attrNameLst>
+                                      </p:cBhvr>
+                                      <p:to>
+                                        <p:strVal val="visible"/>
+                                      </p:to>
+                                    </p:set>
+                                  </p:childTnLst>
+                                </p:cTn>
+                              </p:par>
+                            </p:childTnLst>
+                          </p:cTn>
+                        </p:par>
+                      </p:childTnLst>
+                    </p:cTn>
+                  </p:par>
+                  <p:par>
+                    <p:cTn id="7" fill="hold">
+                      <p:stCondLst>
+                        <p:cond delay="indefinite"/>
+                      </p:stCondLst>
+                      <p:childTnLst>
+                        <p:par>
+                          <p:cTn id="8" fill="hold">
+                            <p:stCondLst>
+                              <p:cond delay="0"/>
+                            </p:stCondLst>
+                            <p:childTnLst>
+                              <p:par>
+                                <p:cTn id="9" presetID="1" presetClass="entr" presetSubtype="0" fill="hold" grpId="0" nodeType="clickEffect">
+                                  <p:stCondLst>
+                                    <p:cond delay="0"/>
+                                  </p:stCondLst>
+                                  <p:childTnLst>
+                                    <p:set>
+                                      <p:cBhvr>
+                                        <p:cTn id="10" dur="1" fill="hold">
+                                          <p:stCondLst>
+                                            <p:cond delay="0"/>
+                                          </p:stCondLst>
+                                        </p:cTn>
+                                        <p:tgtEl>
+                                          <p:spTgt spid="3">
+                                            <p:txEl>
+                                              <p:pRg st="1" end="1"/>
+                                            </p:txEl>
+                                          </p:spTgt>
+                                        </p:tgtEl>
+                                        <p:attrNameLst>
+                                          <p:attrName>style.visibility</p:attrName>
+                                        </p:attrNameLst>
+                                      </p:cBhvr>
+                                      <p:to>
+                                        <p:strVal val="visible"/>
+                                      </p:to>
+                                    </p:set>
+                                  </p:childTnLst>
+                                </p:cTn>
+                              </p:par>
+                            </p:childTnLst>
+                          </p:cTn>
+                        </p:par>
+                      </p:childTnLst>
+                    </p:cTn>
+                  </p:par>
+                  <p:par>
+                    <p:cTn id="11" fill="hold">
+                      <p:stCondLst>
+                        <p:cond delay="indefinite"/>
+                      </p:stCondLst>
+                      <p:childTnLst>
+                        <p:par>
+                          <p:cTn id="12" fill="hold">
+                            <p:stCondLst>
+                              <p:cond delay="0"/>
+                            </p:stCondLst>
+                            <p:childTnLst>
+                              <p:par>
+                                <p:cTn id="13" presetID="1" presetClass="entr" presetSubtype="0" fill="hold" grpId="0" nodeType="clickEffect">
+                                  <p:stCondLst>
+                                    <p:cond delay="0"/>
+                                  </p:stCondLst>
+                                  <p:childTnLst>
+                                    <p:set>
+                                      <p:cBhvr>
+                                        <p:cTn id="14" dur="1" fill="hold">
+                                          <p:stCondLst>
+                                            <p:cond delay="0"/>
+                                          </p:stCondLst>
+                                        </p:cTn>
+                                        <p:tgtEl>
+                                          <p:spTgt spid="3">
+                                            <p:txEl>
+                                              <p:pRg st="2" end="2"/>
+                                            </p:txEl>
+                                          </p:spTgt>
+                                        </p:tgtEl>
+                                        <p:attrNameLst>
+                                          <p:attrName>style.visibility</p:attrName>
+                                        </p:attrNameLst>
+                                      </p:cBhvr>
+                                      <p:to>
+                                        <p:strVal val="visible"/>
+                                      </p:to>
+                                    </p:set>
+                                  </p:childTnLst>
+                                </p:cTn>
+                              </p:par>
+                            </p:childTnLst>
+                          </p:cTn>
+                        </p:par>
+                      </p:childTnLst>
+                    </p:cTn>
+                  </p:par>
+                  <p:par>
+                    <p:cTn id="15" fill="hold">
+                      <p:stCondLst>
+                        <p:cond delay="indefinite"/>
+                      </p:stCondLst>
+                      <p:childTnLst>
+                        <p:par>
+                          <p:cTn id="16" fill="hold">
+                            <p:stCondLst>
+                              <p:cond delay="0"/>
+                            </p:stCondLst>
+                            <p:childTnLst>
+                              <p:par>
+                                <p:cTn id="17" presetID="1" presetClass="entr" presetSubtype="0" fill="hold" grpId="0" nodeType="clickEffect">
+                                  <p:stCondLst>
+                                    <p:cond delay="0"/>
+                                  </p:stCondLst>
+                                  <p:childTnLst>
+                                    <p:set>
+                                      <p:cBhvr>
+                                        <p:cTn id="18" dur="1" fill="hold">
+                                          <p:stCondLst>
+                                            <p:cond delay="0"/>
+                                          </p:stCondLst>
+                                        </p:cTn>
+                                        <p:tgtEl>
+                                          <p:spTgt spid="3">
+                                            <p:txEl>
+                                              <p:pRg st="3" end="3"/>
+                                            </p:txEl>
+                                          </p:spTgt>
+                                        </p:tgtEl>
+                                        <p:attrNameLst>
+                                          <p:attrName>style.visibility</p:attrName>
+                                        </p:attrNameLst>
+                                      </p:cBhvr>
+                                      <p:to>
+                                        <p:strVal val="visible"/>
+                                      </p:to>
+                                    </p:set>
+                                  </p:childTnLst>
+                                </p:cTn>
+                              </p:par>
+                            </p:childTnLst>
+                          </p:cTn>
+                        </p:par>
+                      </p:childTnLst>
+                    </p:cTn>
+                  </p:par>
+                </p:childTnLst>
+              </p:cTn>
+              <p:prevCondLst>
+                <p:cond evt="onPrev" delay="0">
+                  <p:tgtEl>
+                    <p:sldTgt/>
+                  </p:tgtEl>
+                </p:cond>
+              </p:prevCondLst>
+              <p:nextCondLst>
+                <p:cond evt="onNext" delay="0">
+                  <p:tgtEl>
+                    <p:sldTgt/>
+                  </p:tgtEl>
+                </p:cond>
+              </p:nextCondLst>
+            </p:seq>
+          </p:childTnLst>
+        </p:cTn>
+      </p:par>
+    </p:tnLst>
+    <p:bldLst>
+      <p:bldP spid="3" grpId="0" build="p"/>
+    </p:bldLst>
+  </p:timing>
 </p:sld>
 </file>
 
@@ -3288,7 +6493,12 @@
             <p:ph type="title"/>
           </p:nvPr>
         </p:nvSpPr>
-        <p:spPr/>
+        <p:spPr>
+          <a:xfrm>
+            <a:off x="1295402" y="982132"/>
+            <a:ext cx="9601196" cy="1253992"/>
+          </a:xfrm>
+        </p:spPr>
         <p:txBody>
           <a:bodyPr/>
           <a:lstStyle/>
@@ -3313,25 +6523,78 @@
         </p:nvSpPr>
         <p:spPr/>
         <p:txBody>
-          <a:bodyPr/>
-          <a:lstStyle/>
-          <a:p>
+          <a:bodyPr>
+            <a:normAutofit fontScale="92500" lnSpcReduction="20000"/>
+          </a:bodyPr>
+          <a:lstStyle/>
+          <a:p>
+            <a:pPr marL="0" indent="0">
+              <a:buNone/>
+            </a:pPr>
             <a:r>
               <a:rPr lang="fr-FR" dirty="0" smtClean="0"/>
-              <a:t>Fonctionnalités</a:t>
-            </a:r>
-          </a:p>
-          <a:p>
-            <a:endParaRPr lang="fr-FR" dirty="0"/>
-          </a:p>
-          <a:p>
-            <a:pPr marL="0" indent="0">
-              <a:buNone/>
-            </a:pPr>
+              <a:t>Fonctionnalités :</a:t>
+            </a:r>
+          </a:p>
+          <a:p>
             <a:r>
               <a:rPr lang="fr-FR" dirty="0" smtClean="0"/>
-              <a:t>« J’ai faim » vous permet de trouvé une recette </a:t>
-            </a:r>
+              <a:t>Site responsive</a:t>
+            </a:r>
+            <a:endParaRPr lang="fr-FR" dirty="0" smtClean="0"/>
+          </a:p>
+          <a:p>
+            <a:r>
+              <a:rPr lang="fr-FR" dirty="0" smtClean="0"/>
+              <a:t>Trouver une recette en fonction des ingrédients renseignés</a:t>
+            </a:r>
+          </a:p>
+          <a:p>
+            <a:r>
+              <a:rPr lang="fr-FR" dirty="0" smtClean="0"/>
+              <a:t>Ajout de recette/validation</a:t>
+            </a:r>
+          </a:p>
+          <a:p>
+            <a:r>
+              <a:rPr lang="fr-FR" dirty="0"/>
+              <a:t>Ajout de recette en </a:t>
+            </a:r>
+            <a:r>
+              <a:rPr lang="fr-FR" dirty="0" smtClean="0"/>
+              <a:t>favoris</a:t>
+            </a:r>
+            <a:endParaRPr lang="fr-FR" dirty="0" smtClean="0"/>
+          </a:p>
+          <a:p>
+            <a:r>
+              <a:rPr lang="fr-FR" dirty="0" smtClean="0"/>
+              <a:t>Inscription/connexion</a:t>
+            </a:r>
+          </a:p>
+          <a:p>
+            <a:r>
+              <a:rPr lang="fr-FR" dirty="0" smtClean="0"/>
+              <a:t>Validation par mail des utilisateurs</a:t>
+            </a:r>
+            <a:endParaRPr lang="fr-FR" dirty="0" smtClean="0"/>
+          </a:p>
+          <a:p>
+            <a:r>
+              <a:rPr lang="fr-FR" dirty="0" smtClean="0"/>
+              <a:t>Google </a:t>
+            </a:r>
+            <a:r>
+              <a:rPr lang="fr-FR" dirty="0" err="1" smtClean="0"/>
+              <a:t>Map</a:t>
+            </a:r>
+            <a:r>
+              <a:rPr lang="fr-FR" dirty="0" smtClean="0"/>
+              <a:t> avec la liste des magasins environnants</a:t>
+            </a:r>
+          </a:p>
+          <a:p>
+            <a:endParaRPr lang="fr-FR" dirty="0" smtClean="0"/>
           </a:p>
           <a:p>
             <a:pPr marL="0" indent="0">
@@ -3375,13 +6638,218 @@
   <p:clrMapOvr>
     <a:masterClrMapping/>
   </p:clrMapOvr>
+  <p:timing>
+    <p:tnLst>
+      <p:par>
+        <p:cTn id="1" dur="indefinite" restart="never" nodeType="tmRoot"/>
+      </p:par>
+    </p:tnLst>
+  </p:timing>
+</p:sld>
+</file>
+
+<file path=ppt/slides/slide5.xml><?xml version="1.0" encoding="utf-8"?>
+<p:sld xmlns:a="http://schemas.openxmlformats.org/drawingml/2006/main" xmlns:r="http://schemas.openxmlformats.org/officeDocument/2006/relationships" xmlns:p="http://schemas.openxmlformats.org/presentationml/2006/main">
+  <p:cSld>
+    <p:spTree>
+      <p:nvGrpSpPr>
+        <p:cNvPr id="1" name=""/>
+        <p:cNvGrpSpPr/>
+        <p:nvPr/>
+      </p:nvGrpSpPr>
+      <p:grpSpPr>
+        <a:xfrm>
+          <a:off x="0" y="0"/>
+          <a:ext cx="0" cy="0"/>
+          <a:chOff x="0" y="0"/>
+          <a:chExt cx="0" cy="0"/>
+        </a:xfrm>
+      </p:grpSpPr>
+      <p:sp>
+        <p:nvSpPr>
+          <p:cNvPr id="2" name="Titre 1"/>
+          <p:cNvSpPr>
+            <a:spLocks noGrp="1"/>
+          </p:cNvSpPr>
+          <p:nvPr>
+            <p:ph type="title"/>
+          </p:nvPr>
+        </p:nvSpPr>
+        <p:spPr/>
+        <p:txBody>
+          <a:bodyPr/>
+          <a:lstStyle/>
+          <a:p>
+            <a:r>
+              <a:rPr lang="fr-FR" dirty="0" smtClean="0"/>
+              <a:t>Responsive</a:t>
+            </a:r>
+            <a:endParaRPr lang="en-GB" dirty="0"/>
+          </a:p>
+        </p:txBody>
+      </p:sp>
+      <p:pic>
+        <p:nvPicPr>
+          <p:cNvPr id="4" name="Espace réservé du contenu 3"/>
+          <p:cNvPicPr>
+            <a:picLocks noGrp="1" noChangeAspect="1"/>
+          </p:cNvPicPr>
+          <p:nvPr>
+            <p:ph idx="1"/>
+          </p:nvPr>
+        </p:nvPicPr>
+        <p:blipFill>
+          <a:blip r:embed="rId2" cstate="print">
+            <a:extLst>
+              <a:ext uri="{28A0092B-C50C-407E-A947-70E740481C1C}">
+                <a14:useLocalDpi xmlns:a14="http://schemas.microsoft.com/office/drawing/2010/main" val="0"/>
+              </a:ext>
+            </a:extLst>
+          </a:blip>
+          <a:stretch>
+            <a:fillRect/>
+          </a:stretch>
+        </p:blipFill>
+        <p:spPr>
+          <a:xfrm>
+            <a:off x="1915368" y="2700063"/>
+            <a:ext cx="4180632" cy="2909986"/>
+          </a:xfrm>
+        </p:spPr>
+      </p:pic>
+      <p:pic>
+        <p:nvPicPr>
+          <p:cNvPr id="5" name="Image 4"/>
+          <p:cNvPicPr>
+            <a:picLocks noChangeAspect="1"/>
+          </p:cNvPicPr>
+          <p:nvPr/>
+        </p:nvPicPr>
+        <p:blipFill>
+          <a:blip r:embed="rId3" cstate="print">
+            <a:extLst>
+              <a:ext uri="{28A0092B-C50C-407E-A947-70E740481C1C}">
+                <a14:useLocalDpi xmlns:a14="http://schemas.microsoft.com/office/drawing/2010/main" val="0"/>
+              </a:ext>
+            </a:extLst>
+          </a:blip>
+          <a:stretch>
+            <a:fillRect/>
+          </a:stretch>
+        </p:blipFill>
+        <p:spPr>
+          <a:xfrm>
+            <a:off x="7545188" y="2700063"/>
+            <a:ext cx="2488274" cy="2954590"/>
+          </a:xfrm>
+          <a:prstGeom prst="rect">
+            <a:avLst/>
+          </a:prstGeom>
+        </p:spPr>
+      </p:pic>
+    </p:spTree>
+    <p:extLst>
+      <p:ext uri="{BB962C8B-B14F-4D97-AF65-F5344CB8AC3E}">
+        <p14:creationId xmlns:p14="http://schemas.microsoft.com/office/powerpoint/2010/main" val="3699231563"/>
+      </p:ext>
+    </p:extLst>
+  </p:cSld>
+  <p:clrMapOvr>
+    <a:masterClrMapping/>
+  </p:clrMapOvr>
+  <p:timing>
+    <p:tnLst>
+      <p:par>
+        <p:cTn id="1" dur="indefinite" restart="never" nodeType="tmRoot"/>
+      </p:par>
+    </p:tnLst>
+  </p:timing>
+</p:sld>
+</file>
+
+<file path=ppt/slides/slide6.xml><?xml version="1.0" encoding="utf-8"?>
+<p:sld xmlns:a="http://schemas.openxmlformats.org/drawingml/2006/main" xmlns:r="http://schemas.openxmlformats.org/officeDocument/2006/relationships" xmlns:p="http://schemas.openxmlformats.org/presentationml/2006/main">
+  <p:cSld>
+    <p:spTree>
+      <p:nvGrpSpPr>
+        <p:cNvPr id="1" name=""/>
+        <p:cNvGrpSpPr/>
+        <p:nvPr/>
+      </p:nvGrpSpPr>
+      <p:grpSpPr>
+        <a:xfrm>
+          <a:off x="0" y="0"/>
+          <a:ext cx="0" cy="0"/>
+          <a:chOff x="0" y="0"/>
+          <a:chExt cx="0" cy="0"/>
+        </a:xfrm>
+      </p:grpSpPr>
+      <p:sp>
+        <p:nvSpPr>
+          <p:cNvPr id="2" name="Titre 1"/>
+          <p:cNvSpPr>
+            <a:spLocks noGrp="1"/>
+          </p:cNvSpPr>
+          <p:nvPr>
+            <p:ph type="title"/>
+          </p:nvPr>
+        </p:nvSpPr>
+        <p:spPr/>
+        <p:txBody>
+          <a:bodyPr/>
+          <a:lstStyle/>
+          <a:p>
+            <a:r>
+              <a:rPr lang="fr-FR" dirty="0" smtClean="0"/>
+              <a:t>J’ai Faim</a:t>
+            </a:r>
+            <a:endParaRPr lang="en-GB" dirty="0"/>
+          </a:p>
+        </p:txBody>
+      </p:sp>
+      <p:sp>
+        <p:nvSpPr>
+          <p:cNvPr id="3" name="Espace réservé du contenu 2"/>
+          <p:cNvSpPr>
+            <a:spLocks noGrp="1"/>
+          </p:cNvSpPr>
+          <p:nvPr>
+            <p:ph idx="1"/>
+          </p:nvPr>
+        </p:nvSpPr>
+        <p:spPr/>
+        <p:txBody>
+          <a:bodyPr/>
+          <a:lstStyle/>
+          <a:p>
+            <a:endParaRPr lang="en-GB" dirty="0"/>
+          </a:p>
+        </p:txBody>
+      </p:sp>
+    </p:spTree>
+    <p:extLst>
+      <p:ext uri="{BB962C8B-B14F-4D97-AF65-F5344CB8AC3E}">
+        <p14:creationId xmlns:p14="http://schemas.microsoft.com/office/powerpoint/2010/main" val="2947778325"/>
+      </p:ext>
+    </p:extLst>
+  </p:cSld>
+  <p:clrMapOvr>
+    <a:masterClrMapping/>
+  </p:clrMapOvr>
+  <p:timing>
+    <p:tnLst>
+      <p:par>
+        <p:cTn id="1" dur="indefinite" restart="never" nodeType="tmRoot"/>
+      </p:par>
+    </p:tnLst>
+  </p:timing>
 </p:sld>
 </file>
 
 <file path=ppt/theme/theme1.xml><?xml version="1.0" encoding="utf-8"?>
-<a:theme xmlns:a="http://schemas.openxmlformats.org/drawingml/2006/main" name="Thème Office">
+<a:theme xmlns:a="http://schemas.openxmlformats.org/drawingml/2006/main" name="Organique">
   <a:themeElements>
-    <a:clrScheme name="Office">
+    <a:clrScheme name="Organique">
       <a:dk1>
         <a:sysClr val="windowText" lastClr="000000"/>
       </a:dk1>
@@ -3389,44 +6857,79 @@
         <a:sysClr val="window" lastClr="FFFFFF"/>
       </a:lt1>
       <a:dk2>
-        <a:srgbClr val="44546A"/>
+        <a:srgbClr val="212121"/>
       </a:dk2>
       <a:lt2>
-        <a:srgbClr val="E7E6E6"/>
+        <a:srgbClr val="DADADA"/>
       </a:lt2>
       <a:accent1>
-        <a:srgbClr val="5B9BD5"/>
+        <a:srgbClr val="83992A"/>
       </a:accent1>
       <a:accent2>
-        <a:srgbClr val="ED7D31"/>
+        <a:srgbClr val="3C9770"/>
       </a:accent2>
       <a:accent3>
-        <a:srgbClr val="A5A5A5"/>
+        <a:srgbClr val="44709D"/>
       </a:accent3>
       <a:accent4>
-        <a:srgbClr val="FFC000"/>
+        <a:srgbClr val="A23C33"/>
       </a:accent4>
       <a:accent5>
-        <a:srgbClr val="4472C4"/>
+        <a:srgbClr val="D97828"/>
       </a:accent5>
       <a:accent6>
-        <a:srgbClr val="70AD47"/>
+        <a:srgbClr val="DEB340"/>
       </a:accent6>
       <a:hlink>
-        <a:srgbClr val="0563C1"/>
+        <a:srgbClr val="A8BF4D"/>
       </a:hlink>
       <a:folHlink>
-        <a:srgbClr val="954F72"/>
+        <a:srgbClr val="B4CA80"/>
       </a:folHlink>
     </a:clrScheme>
-    <a:fontScheme name="Office">
+    <a:fontScheme name="Organique">
       <a:majorFont>
-        <a:latin typeface="Calibri Light" panose="020F0302020204030204"/>
+        <a:latin typeface="Garamond" panose="02020404030301010803"/>
         <a:ea typeface=""/>
         <a:cs typeface=""/>
-        <a:font script="Jpan" typeface="游ゴシック Light"/>
-        <a:font script="Hang" typeface="맑은 고딕"/>
-        <a:font script="Hans" typeface="等线 Light"/>
+        <a:font script="Jpan" typeface="ＭＳ Ｐゴシック"/>
+        <a:font script="Hang" typeface="돋움"/>
+        <a:font script="Hans" typeface="方正舒体"/>
+        <a:font script="Hant" typeface="微軟正黑體"/>
+        <a:font script="Arab" typeface="Arial"/>
+        <a:font script="Hebr" typeface="Arial"/>
+        <a:font script="Thai" typeface="Cordia New"/>
+        <a:font script="Ethi" typeface="Nyala"/>
+        <a:font script="Beng" typeface="Vrinda"/>
+        <a:font script="Gujr" typeface="Shruti"/>
+        <a:font script="Khmr" typeface="DaunPenh"/>
+        <a:font script="Knda" typeface="Tunga"/>
+        <a:font script="Guru" typeface="Raavi"/>
+        <a:font script="Cans" typeface="Euphemia"/>
+        <a:font script="Cher" typeface="Plantagenet Cherokee"/>
+        <a:font script="Yiii" typeface="Microsoft Yi Baiti"/>
+        <a:font script="Tibt" typeface="Microsoft Himalaya"/>
+        <a:font script="Thaa" typeface="MV Boli"/>
+        <a:font script="Deva" typeface="Mangal"/>
+        <a:font script="Telu" typeface="Gautami"/>
+        <a:font script="Taml" typeface="Latha"/>
+        <a:font script="Syrc" typeface="Estrangelo Edessa"/>
+        <a:font script="Orya" typeface="Kalinga"/>
+        <a:font script="Mlym" typeface="Kartika"/>
+        <a:font script="Laoo" typeface="DokChampa"/>
+        <a:font script="Sinh" typeface="Iskoola Pota"/>
+        <a:font script="Mong" typeface="Mongolian Baiti"/>
+        <a:font script="Viet" typeface="Arial"/>
+        <a:font script="Uigh" typeface="Microsoft Uighur"/>
+        <a:font script="Geor" typeface="Sylfaen"/>
+      </a:majorFont>
+      <a:minorFont>
+        <a:latin typeface="Garamond" panose="02020404030301010803"/>
+        <a:ea typeface=""/>
+        <a:cs typeface=""/>
+        <a:font script="Jpan" typeface="ＭＳ Ｐ明朝"/>
+        <a:font script="Hang" typeface="바탕"/>
+        <a:font script="Hans" typeface="方正舒体"/>
         <a:font script="Hant" typeface="新細明體"/>
         <a:font script="Arab" typeface="Times New Roman"/>
         <a:font script="Hebr" typeface="Times New Roman"/>
@@ -3454,44 +6957,9 @@
         <a:font script="Viet" typeface="Times New Roman"/>
         <a:font script="Uigh" typeface="Microsoft Uighur"/>
         <a:font script="Geor" typeface="Sylfaen"/>
-      </a:majorFont>
-      <a:minorFont>
-        <a:latin typeface="Calibri" panose="020F0502020204030204"/>
-        <a:ea typeface=""/>
-        <a:cs typeface=""/>
-        <a:font script="Jpan" typeface="游ゴシック"/>
-        <a:font script="Hang" typeface="맑은 고딕"/>
-        <a:font script="Hans" typeface="等线"/>
-        <a:font script="Hant" typeface="新細明體"/>
-        <a:font script="Arab" typeface="Arial"/>
-        <a:font script="Hebr" typeface="Arial"/>
-        <a:font script="Thai" typeface="Cordia New"/>
-        <a:font script="Ethi" typeface="Nyala"/>
-        <a:font script="Beng" typeface="Vrinda"/>
-        <a:font script="Gujr" typeface="Shruti"/>
-        <a:font script="Khmr" typeface="DaunPenh"/>
-        <a:font script="Knda" typeface="Tunga"/>
-        <a:font script="Guru" typeface="Raavi"/>
-        <a:font script="Cans" typeface="Euphemia"/>
-        <a:font script="Cher" typeface="Plantagenet Cherokee"/>
-        <a:font script="Yiii" typeface="Microsoft Yi Baiti"/>
-        <a:font script="Tibt" typeface="Microsoft Himalaya"/>
-        <a:font script="Thaa" typeface="MV Boli"/>
-        <a:font script="Deva" typeface="Mangal"/>
-        <a:font script="Telu" typeface="Gautami"/>
-        <a:font script="Taml" typeface="Latha"/>
-        <a:font script="Syrc" typeface="Estrangelo Edessa"/>
-        <a:font script="Orya" typeface="Kalinga"/>
-        <a:font script="Mlym" typeface="Kartika"/>
-        <a:font script="Laoo" typeface="DokChampa"/>
-        <a:font script="Sinh" typeface="Iskoola Pota"/>
-        <a:font script="Mong" typeface="Mongolian Baiti"/>
-        <a:font script="Viet" typeface="Arial"/>
-        <a:font script="Uigh" typeface="Microsoft Uighur"/>
-        <a:font script="Geor" typeface="Sylfaen"/>
       </a:minorFont>
     </a:fontScheme>
-    <a:fmtScheme name="Office">
+    <a:fmtScheme name="Organique">
       <a:fillStyleLst>
         <a:solidFill>
           <a:schemeClr val="phClr"/>
@@ -3500,76 +6968,54 @@
           <a:gsLst>
             <a:gs pos="0">
               <a:schemeClr val="phClr">
+                <a:tint val="60000"/>
                 <a:lumMod val="110000"/>
-                <a:satMod val="105000"/>
-                <a:tint val="67000"/>
-              </a:schemeClr>
-            </a:gs>
-            <a:gs pos="50000">
-              <a:schemeClr val="phClr">
-                <a:lumMod val="105000"/>
-                <a:satMod val="103000"/>
-                <a:tint val="73000"/>
               </a:schemeClr>
             </a:gs>
             <a:gs pos="100000">
               <a:schemeClr val="phClr">
-                <a:lumMod val="105000"/>
-                <a:satMod val="109000"/>
-                <a:tint val="81000"/>
+                <a:tint val="82000"/>
               </a:schemeClr>
             </a:gs>
           </a:gsLst>
           <a:lin ang="5400000" scaled="0"/>
         </a:gradFill>
-        <a:gradFill rotWithShape="1">
-          <a:gsLst>
-            <a:gs pos="0">
+        <a:blipFill>
+          <a:blip xmlns:r="http://schemas.openxmlformats.org/officeDocument/2006/relationships" r:embed="rId1">
+            <a:duotone>
               <a:schemeClr val="phClr">
-                <a:satMod val="103000"/>
-                <a:lumMod val="102000"/>
+                <a:shade val="74000"/>
+                <a:satMod val="130000"/>
+                <a:lumMod val="90000"/>
+              </a:schemeClr>
+              <a:schemeClr val="phClr">
                 <a:tint val="94000"/>
+                <a:satMod val="120000"/>
+                <a:lumMod val="104000"/>
               </a:schemeClr>
-            </a:gs>
-            <a:gs pos="50000">
-              <a:schemeClr val="phClr">
-                <a:satMod val="110000"/>
-                <a:lumMod val="100000"/>
-                <a:shade val="100000"/>
-              </a:schemeClr>
-            </a:gs>
-            <a:gs pos="100000">
-              <a:schemeClr val="phClr">
-                <a:lumMod val="99000"/>
-                <a:satMod val="120000"/>
-                <a:shade val="78000"/>
-              </a:schemeClr>
-            </a:gs>
-          </a:gsLst>
-          <a:lin ang="5400000" scaled="0"/>
-        </a:gradFill>
+            </a:duotone>
+          </a:blip>
+          <a:tile tx="0" ty="0" sx="100000" sy="100000" flip="none" algn="tl"/>
+        </a:blipFill>
       </a:fillStyleLst>
       <a:lnStyleLst>
-        <a:ln w="6350" cap="flat" cmpd="sng" algn="ctr">
+        <a:ln w="9525" cap="flat" cmpd="sng" algn="ctr">
           <a:solidFill>
             <a:schemeClr val="phClr"/>
           </a:solidFill>
           <a:prstDash val="solid"/>
-          <a:miter lim="800000"/>
         </a:ln>
-        <a:ln w="12700" cap="flat" cmpd="sng" algn="ctr">
+        <a:ln w="15875" cap="flat" cmpd="sng" algn="ctr">
           <a:solidFill>
             <a:schemeClr val="phClr"/>
           </a:solidFill>
           <a:prstDash val="solid"/>
-          <a:miter lim="800000"/>
         </a:ln>
-        <a:ln w="19050" cap="flat" cmpd="sng" algn="ctr">
+        <a:ln w="25400" cap="flat" cmpd="sng" algn="ctr">
           <a:solidFill>
             <a:schemeClr val="phClr"/>
           </a:solidFill>
           <a:prstDash val="solid"/>
-          <a:miter lim="800000"/>
         </a:ln>
       </a:lnStyleLst>
       <a:effectStyleLst>
@@ -3577,13 +7023,19 @@
           <a:effectLst/>
         </a:effectStyle>
         <a:effectStyle>
-          <a:effectLst/>
+          <a:effectLst>
+            <a:innerShdw blurRad="25400" dist="12700" dir="13500000">
+              <a:srgbClr val="000000">
+                <a:alpha val="45000"/>
+              </a:srgbClr>
+            </a:innerShdw>
+          </a:effectLst>
         </a:effectStyle>
         <a:effectStyle>
           <a:effectLst>
-            <a:outerShdw blurRad="57150" dist="19050" dir="5400000" algn="ctr" rotWithShape="0">
+            <a:outerShdw blurRad="38100" dist="25400" dir="5400000" rotWithShape="0">
               <a:srgbClr val="000000">
-                <a:alpha val="63000"/>
+                <a:alpha val="60000"/>
               </a:srgbClr>
             </a:outerShdw>
           </a:effectLst>
@@ -3593,39 +7045,27 @@
         <a:solidFill>
           <a:schemeClr val="phClr"/>
         </a:solidFill>
-        <a:solidFill>
-          <a:schemeClr val="phClr">
-            <a:tint val="95000"/>
-            <a:satMod val="170000"/>
-          </a:schemeClr>
-        </a:solidFill>
         <a:gradFill rotWithShape="1">
           <a:gsLst>
             <a:gs pos="0">
               <a:schemeClr val="phClr">
-                <a:tint val="93000"/>
-                <a:satMod val="150000"/>
-                <a:shade val="98000"/>
-                <a:lumMod val="102000"/>
-              </a:schemeClr>
-            </a:gs>
-            <a:gs pos="50000">
-              <a:schemeClr val="phClr">
-                <a:tint val="98000"/>
-                <a:satMod val="130000"/>
-                <a:shade val="90000"/>
-                <a:lumMod val="103000"/>
+                <a:tint val="90000"/>
+                <a:lumMod val="110000"/>
               </a:schemeClr>
             </a:gs>
             <a:gs pos="100000">
               <a:schemeClr val="phClr">
-                <a:shade val="63000"/>
-                <a:satMod val="120000"/>
+                <a:shade val="88000"/>
+                <a:lumMod val="98000"/>
               </a:schemeClr>
             </a:gs>
           </a:gsLst>
           <a:lin ang="5400000" scaled="0"/>
         </a:gradFill>
+        <a:blipFill>
+          <a:blip xmlns:r="http://schemas.openxmlformats.org/officeDocument/2006/relationships" r:embed="rId2"/>
+          <a:stretch/>
+        </a:blipFill>
       </a:bgFillStyleLst>
     </a:fmtScheme>
   </a:themeElements>
@@ -3633,7 +7073,7 @@
   <a:extraClrSchemeLst/>
   <a:extLst>
     <a:ext uri="{05A4C25C-085E-4340-85A3-A5531E510DB2}">
-      <thm15:themeFamily xmlns:thm15="http://schemas.microsoft.com/office/thememl/2012/main" name="Office Theme" id="{62F939B6-93AF-4DB8-9C6B-D6C7DFDC589F}" vid="{4A3C46E8-61CC-4603-A589-7422A47A8E4A}"/>
+      <thm15:themeFamily xmlns:thm15="http://schemas.microsoft.com/office/thememl/2012/main" name="Organic" id="{28CDC826-8792-45C0-861B-85EB3ADEDA33}" vid="{7DAC20F1-423D-49E2-BD0B-50532748BAD0}"/>
     </a:ext>
   </a:extLst>
 </a:theme>
